--- a/Digitale Sprachverarbeitung.pptx
+++ b/Digitale Sprachverarbeitung.pptx
@@ -16954,7 +16954,7 @@
                                       <p:cBhvr>
                                         <p:cTn id="10" dur="1000" fill="hold"/>
                                         <p:tgtEl>
-                                          <p:spTgt spid="19"/>
+                                          <p:spTgt spid="21"/>
                                         </p:tgtEl>
                                       </p:cBhvr>
                                     </p:cmd>
@@ -16989,7 +16989,7 @@
                                       <p:cBhvr>
                                         <p:cTn id="14" dur="1000" fill="hold"/>
                                         <p:tgtEl>
-                                          <p:spTgt spid="20"/>
+                                          <p:spTgt spid="19"/>
                                         </p:tgtEl>
                                       </p:cBhvr>
                                     </p:cmd>
@@ -17024,7 +17024,7 @@
                                       <p:cBhvr>
                                         <p:cTn id="18" dur="1000" fill="hold"/>
                                         <p:tgtEl>
-                                          <p:spTgt spid="21"/>
+                                          <p:spTgt spid="22"/>
                                         </p:tgtEl>
                                       </p:cBhvr>
                                     </p:cmd>
@@ -17059,7 +17059,7 @@
                                       <p:cBhvr>
                                         <p:cTn id="22" dur="1000" fill="hold"/>
                                         <p:tgtEl>
-                                          <p:spTgt spid="22"/>
+                                          <p:spTgt spid="20"/>
                                         </p:tgtEl>
                                       </p:cBhvr>
                                     </p:cmd>
@@ -21096,8 +21096,8 @@
           </a:prstGeom>
         </p:spPr>
       </p:pic>
-      <mc:AlternateContent xmlns:mc="http://schemas.openxmlformats.org/markup-compatibility/2006">
-        <mc:Choice xmlns:a14="http://schemas.microsoft.com/office/drawing/2010/main" Requires="a14">
+      <mc:AlternateContent xmlns:mc="http://schemas.openxmlformats.org/markup-compatibility/2006" xmlns:a14="http://schemas.microsoft.com/office/drawing/2010/main">
+        <mc:Choice Requires="a14">
           <p:sp>
             <p:nvSpPr>
               <p:cNvPr id="19" name="Textfeld 18">
@@ -21171,6 +21171,7 @@
                 </a:r>
               </a:p>
               <a:p>
+                <a:pPr/>
                 <a14:m>
                   <m:oMathPara xmlns:m="http://schemas.openxmlformats.org/officeDocument/2006/math">
                     <m:oMathParaPr>
@@ -21264,7 +21265,7 @@
             </p:txBody>
           </p:sp>
         </mc:Choice>
-        <mc:Fallback>
+        <mc:Fallback xmlns="">
           <p:sp>
             <p:nvSpPr>
               <p:cNvPr id="19" name="Textfeld 18">
@@ -21309,8 +21310,8 @@
           </p:sp>
         </mc:Fallback>
       </mc:AlternateContent>
-      <mc:AlternateContent xmlns:mc="http://schemas.openxmlformats.org/markup-compatibility/2006">
-        <mc:Choice xmlns:a14="http://schemas.microsoft.com/office/drawing/2010/main" Requires="a14">
+      <mc:AlternateContent xmlns:mc="http://schemas.openxmlformats.org/markup-compatibility/2006" xmlns:a14="http://schemas.microsoft.com/office/drawing/2010/main">
+        <mc:Choice Requires="a14">
           <p:sp>
             <p:nvSpPr>
               <p:cNvPr id="21" name="Textfeld 20">
@@ -21413,7 +21414,7 @@
             </p:txBody>
           </p:sp>
         </mc:Choice>
-        <mc:Fallback>
+        <mc:Fallback xmlns="">
           <p:sp>
             <p:nvSpPr>
               <p:cNvPr id="21" name="Textfeld 20">
@@ -21724,8 +21725,8 @@
           </a:prstGeom>
         </p:spPr>
       </p:pic>
-      <mc:AlternateContent xmlns:mc="http://schemas.openxmlformats.org/markup-compatibility/2006">
-        <mc:Choice xmlns:a14="http://schemas.microsoft.com/office/drawing/2010/main" Requires="a14">
+      <mc:AlternateContent xmlns:mc="http://schemas.openxmlformats.org/markup-compatibility/2006" xmlns:a14="http://schemas.microsoft.com/office/drawing/2010/main">
+        <mc:Choice Requires="a14">
           <p:sp>
             <p:nvSpPr>
               <p:cNvPr id="10" name="Textfeld 9">
@@ -22196,7 +22197,7 @@
             </p:txBody>
           </p:sp>
         </mc:Choice>
-        <mc:Fallback>
+        <mc:Fallback xmlns="">
           <p:sp>
             <p:nvSpPr>
               <p:cNvPr id="10" name="Textfeld 9">
@@ -22328,8 +22329,8 @@
           </a:p>
         </p:txBody>
       </p:sp>
-      <mc:AlternateContent xmlns:mc="http://schemas.openxmlformats.org/markup-compatibility/2006">
-        <mc:Choice xmlns:a14="http://schemas.microsoft.com/office/drawing/2010/main" Requires="a14">
+      <mc:AlternateContent xmlns:mc="http://schemas.openxmlformats.org/markup-compatibility/2006" xmlns:a14="http://schemas.microsoft.com/office/drawing/2010/main">
+        <mc:Choice Requires="a14">
           <p:sp>
             <p:nvSpPr>
               <p:cNvPr id="23" name="Text Placeholder 2">
@@ -22356,6 +22357,7 @@
               <a:bodyPr/>
               <a:lstStyle/>
               <a:p>
+                <a:pPr/>
                 <a14:m>
                   <m:oMathPara xmlns:m="http://schemas.openxmlformats.org/officeDocument/2006/math">
                     <m:oMathParaPr>
@@ -22492,7 +22494,7 @@
             </p:txBody>
           </p:sp>
         </mc:Choice>
-        <mc:Fallback>
+        <mc:Fallback xmlns="">
           <p:sp>
             <p:nvSpPr>
               <p:cNvPr id="23" name="Text Placeholder 2">
@@ -22566,8 +22568,8 @@
           <a:noFill/>
         </p:spPr>
       </p:pic>
-      <mc:AlternateContent xmlns:mc="http://schemas.openxmlformats.org/markup-compatibility/2006">
-        <mc:Choice xmlns:a14="http://schemas.microsoft.com/office/drawing/2010/main" Requires="a14">
+      <mc:AlternateContent xmlns:mc="http://schemas.openxmlformats.org/markup-compatibility/2006" xmlns:a14="http://schemas.microsoft.com/office/drawing/2010/main">
+        <mc:Choice Requires="a14">
           <p:sp>
             <p:nvSpPr>
               <p:cNvPr id="25" name="Text Placeholder 4">
@@ -22641,6 +22643,7 @@
                 </a:endParaRPr>
               </a:p>
               <a:p>
+                <a:pPr/>
                 <a14:m>
                   <m:oMathPara xmlns:m="http://schemas.openxmlformats.org/officeDocument/2006/math">
                     <m:oMathParaPr>
@@ -22777,7 +22780,7 @@
             </p:txBody>
           </p:sp>
         </mc:Choice>
-        <mc:Fallback>
+        <mc:Fallback xmlns="">
           <p:sp>
             <p:nvSpPr>
               <p:cNvPr id="25" name="Text Placeholder 4">
@@ -22853,8 +22856,8 @@
           <a:noFill/>
         </p:spPr>
       </p:pic>
-      <mc:AlternateContent xmlns:mc="http://schemas.openxmlformats.org/markup-compatibility/2006">
-        <mc:Choice xmlns:a14="http://schemas.microsoft.com/office/drawing/2010/main" Requires="a14">
+      <mc:AlternateContent xmlns:mc="http://schemas.openxmlformats.org/markup-compatibility/2006" xmlns:a14="http://schemas.microsoft.com/office/drawing/2010/main">
+        <mc:Choice Requires="a14">
           <p:sp>
             <p:nvSpPr>
               <p:cNvPr id="27" name="Text Placeholder 6">
@@ -22881,6 +22884,7 @@
               <a:bodyPr/>
               <a:lstStyle/>
               <a:p>
+                <a:pPr/>
                 <a14:m>
                   <m:oMathPara xmlns:m="http://schemas.openxmlformats.org/officeDocument/2006/math">
                     <m:oMathParaPr>
@@ -22955,24 +22959,7 @@
                           <a:latin typeface="Cambria Math" panose="02040503050406030204" pitchFamily="18" charset="0"/>
                           <a:ea typeface="Cambria Math" panose="02040503050406030204" pitchFamily="18" charset="0"/>
                         </a:rPr>
-                        <m:t>∗</m:t>
-                      </m:r>
-                      <m:r>
-                        <a:rPr lang="de-DE" sz="1200" b="0" i="1" smtClean="0">
-                          <a:highlight>
-                            <a:srgbClr val="FFFF00"/>
-                          </a:highlight>
-                          <a:latin typeface="Cambria Math" panose="02040503050406030204" pitchFamily="18" charset="0"/>
-                          <a:ea typeface="Cambria Math" panose="02040503050406030204" pitchFamily="18" charset="0"/>
-                        </a:rPr>
-                        <m:t>3</m:t>
-                      </m:r>
-                      <m:r>
-                        <a:rPr lang="de-DE" sz="1200" b="0" i="1" smtClean="0">
-                          <a:latin typeface="Cambria Math" panose="02040503050406030204" pitchFamily="18" charset="0"/>
-                          <a:ea typeface="Cambria Math" panose="02040503050406030204" pitchFamily="18" charset="0"/>
-                        </a:rPr>
-                        <m:t>∗</m:t>
+                        <m:t>∗3∗</m:t>
                       </m:r>
                       <m:sSub>
                         <m:sSubPr>
@@ -23034,7 +23021,7 @@
             </p:txBody>
           </p:sp>
         </mc:Choice>
-        <mc:Fallback>
+        <mc:Fallback xmlns="">
           <p:sp>
             <p:nvSpPr>
               <p:cNvPr id="27" name="Text Placeholder 6">
@@ -23268,8 +23255,8 @@
           </a:prstGeom>
         </p:spPr>
       </p:pic>
-      <mc:AlternateContent xmlns:mc="http://schemas.openxmlformats.org/markup-compatibility/2006">
-        <mc:Choice xmlns:a14="http://schemas.microsoft.com/office/drawing/2010/main" Requires="a14">
+      <mc:AlternateContent xmlns:mc="http://schemas.openxmlformats.org/markup-compatibility/2006" xmlns:a14="http://schemas.microsoft.com/office/drawing/2010/main">
+        <mc:Choice Requires="a14">
           <p:sp>
             <p:nvSpPr>
               <p:cNvPr id="10" name="Textfeld 9">
@@ -23437,7 +23424,7 @@
             </p:txBody>
           </p:sp>
         </mc:Choice>
-        <mc:Fallback>
+        <mc:Fallback xmlns="">
           <p:sp>
             <p:nvSpPr>
               <p:cNvPr id="10" name="Textfeld 9">
@@ -25237,6 +25224,34 @@
 </file>
 
 <file path=customXml/item1.xml><?xml version="1.0" encoding="utf-8"?>
+<p:properties xmlns:p="http://schemas.microsoft.com/office/2006/metadata/properties" xmlns:xsi="http://www.w3.org/2001/XMLSchema-instance" xmlns:pc="http://schemas.microsoft.com/office/infopath/2007/PartnerControls">
+  <documentManagement>
+    <_ip_UnifiedCompliancePolicyUIAction xmlns="http://schemas.microsoft.com/sharepoint/v3" xsi:nil="true"/>
+    <Image xmlns="71af3243-3dd4-4a8d-8c0d-dd76da1f02a5">
+      <Url xsi:nil="true"/>
+      <Description xsi:nil="true"/>
+    </Image>
+    <Status xmlns="71af3243-3dd4-4a8d-8c0d-dd76da1f02a5">Not started</Status>
+    <_ip_UnifiedCompliancePolicyProperties xmlns="http://schemas.microsoft.com/sharepoint/v3" xsi:nil="true"/>
+    <ImageTagsTaxHTField xmlns="71af3243-3dd4-4a8d-8c0d-dd76da1f02a5">
+      <Terms xmlns="http://schemas.microsoft.com/office/infopath/2007/PartnerControls"/>
+    </ImageTagsTaxHTField>
+    <TaxCatchAll xmlns="230e9df3-be65-4c73-a93b-d1236ebd677e"/>
+    <MediaServiceKeyPoints xmlns="71af3243-3dd4-4a8d-8c0d-dd76da1f02a5" xsi:nil="true"/>
+  </documentManagement>
+</p:properties>
+</file>
+
+<file path=customXml/item2.xml><?xml version="1.0" encoding="utf-8"?>
+<?mso-contentType ?>
+<FormTemplates xmlns="http://schemas.microsoft.com/sharepoint/v3/contenttype/forms">
+  <Display>DocumentLibraryForm</Display>
+  <Edit>DocumentLibraryForm</Edit>
+  <New>DocumentLibraryForm</New>
+</FormTemplates>
+</file>
+
+<file path=customXml/item3.xml><?xml version="1.0" encoding="utf-8"?>
 <ct:contentTypeSchema xmlns:ct="http://schemas.microsoft.com/office/2006/metadata/contentType" xmlns:ma="http://schemas.microsoft.com/office/2006/metadata/properties/metaAttributes" ct:_="" ma:_="" ma:contentTypeName="Document" ma:contentTypeID="0x01010079F111ED35F8CC479449609E8A0923A6" ma:contentTypeVersion="20" ma:contentTypeDescription="Create a new document." ma:contentTypeScope="" ma:versionID="1267097ee5f5874adfcc408041ae252e">
   <xsd:schema xmlns:xsd="http://www.w3.org/2001/XMLSchema" xmlns:xs="http://www.w3.org/2001/XMLSchema" xmlns:p="http://schemas.microsoft.com/office/2006/metadata/properties" xmlns:ns1="http://schemas.microsoft.com/sharepoint/v3" xmlns:ns2="71af3243-3dd4-4a8d-8c0d-dd76da1f02a5" xmlns:ns3="16c05727-aa75-4e4a-9b5f-8a80a1165891" xmlns:ns4="230e9df3-be65-4c73-a93b-d1236ebd677e" targetNamespace="http://schemas.microsoft.com/office/2006/metadata/properties" ma:root="true" ma:fieldsID="395891a93df65b14727750f2c06c306c" ns1:_="" ns2:_="" ns3:_="" ns4:_="">
     <xsd:import namespace="http://schemas.microsoft.com/sharepoint/v3"/>
@@ -25512,35 +25527,27 @@
 </ct:contentTypeSchema>
 </file>
 
-<file path=customXml/item2.xml><?xml version="1.0" encoding="utf-8"?>
-<?mso-contentType ?>
-<FormTemplates xmlns="http://schemas.microsoft.com/sharepoint/v3/contenttype/forms">
-  <Display>DocumentLibraryForm</Display>
-  <Edit>DocumentLibraryForm</Edit>
-  <New>DocumentLibraryForm</New>
-</FormTemplates>
+<file path=customXml/itemProps1.xml><?xml version="1.0" encoding="utf-8"?>
+<ds:datastoreItem xmlns:ds="http://schemas.openxmlformats.org/officeDocument/2006/customXml" ds:itemID="{7F97B18F-50BC-4F30-8373-93489E845F83}">
+  <ds:schemaRefs>
+    <ds:schemaRef ds:uri="http://schemas.microsoft.com/office/2006/metadata/properties"/>
+    <ds:schemaRef ds:uri="http://schemas.microsoft.com/office/infopath/2007/PartnerControls"/>
+    <ds:schemaRef ds:uri="http://schemas.microsoft.com/sharepoint/v3"/>
+    <ds:schemaRef ds:uri="71af3243-3dd4-4a8d-8c0d-dd76da1f02a5"/>
+    <ds:schemaRef ds:uri="230e9df3-be65-4c73-a93b-d1236ebd677e"/>
+  </ds:schemaRefs>
+</ds:datastoreItem>
 </file>
 
-<file path=customXml/item3.xml><?xml version="1.0" encoding="utf-8"?>
-<p:properties xmlns:p="http://schemas.microsoft.com/office/2006/metadata/properties" xmlns:xsi="http://www.w3.org/2001/XMLSchema-instance" xmlns:pc="http://schemas.microsoft.com/office/infopath/2007/PartnerControls">
-  <documentManagement>
-    <_ip_UnifiedCompliancePolicyUIAction xmlns="http://schemas.microsoft.com/sharepoint/v3" xsi:nil="true"/>
-    <Image xmlns="71af3243-3dd4-4a8d-8c0d-dd76da1f02a5">
-      <Url xsi:nil="true"/>
-      <Description xsi:nil="true"/>
-    </Image>
-    <Status xmlns="71af3243-3dd4-4a8d-8c0d-dd76da1f02a5">Not started</Status>
-    <_ip_UnifiedCompliancePolicyProperties xmlns="http://schemas.microsoft.com/sharepoint/v3" xsi:nil="true"/>
-    <ImageTagsTaxHTField xmlns="71af3243-3dd4-4a8d-8c0d-dd76da1f02a5">
-      <Terms xmlns="http://schemas.microsoft.com/office/infopath/2007/PartnerControls"/>
-    </ImageTagsTaxHTField>
-    <TaxCatchAll xmlns="230e9df3-be65-4c73-a93b-d1236ebd677e"/>
-    <MediaServiceKeyPoints xmlns="71af3243-3dd4-4a8d-8c0d-dd76da1f02a5" xsi:nil="true"/>
-  </documentManagement>
-</p:properties>
+<file path=customXml/itemProps2.xml><?xml version="1.0" encoding="utf-8"?>
+<ds:datastoreItem xmlns:ds="http://schemas.openxmlformats.org/officeDocument/2006/customXml" ds:itemID="{42BC90D6-94CF-42F7-AAC4-9CF6824C54D5}">
+  <ds:schemaRefs>
+    <ds:schemaRef ds:uri="http://schemas.microsoft.com/sharepoint/v3/contenttype/forms"/>
+  </ds:schemaRefs>
+</ds:datastoreItem>
 </file>
 
-<file path=customXml/itemProps1.xml><?xml version="1.0" encoding="utf-8"?>
+<file path=customXml/itemProps3.xml><?xml version="1.0" encoding="utf-8"?>
 <ds:datastoreItem xmlns:ds="http://schemas.openxmlformats.org/officeDocument/2006/customXml" ds:itemID="{64CF2EF3-001F-4BE9-81B3-86ECBBF9425F}">
   <ds:schemaRefs>
     <ds:schemaRef ds:uri="http://schemas.microsoft.com/office/2006/metadata/contentType"/>
@@ -25561,26 +25568,6 @@
 </ds:datastoreItem>
 </file>
 
-<file path=customXml/itemProps2.xml><?xml version="1.0" encoding="utf-8"?>
-<ds:datastoreItem xmlns:ds="http://schemas.openxmlformats.org/officeDocument/2006/customXml" ds:itemID="{42BC90D6-94CF-42F7-AAC4-9CF6824C54D5}">
-  <ds:schemaRefs>
-    <ds:schemaRef ds:uri="http://schemas.microsoft.com/sharepoint/v3/contenttype/forms"/>
-  </ds:schemaRefs>
-</ds:datastoreItem>
-</file>
-
-<file path=customXml/itemProps3.xml><?xml version="1.0" encoding="utf-8"?>
-<ds:datastoreItem xmlns:ds="http://schemas.openxmlformats.org/officeDocument/2006/customXml" ds:itemID="{7F97B18F-50BC-4F30-8373-93489E845F83}">
-  <ds:schemaRefs>
-    <ds:schemaRef ds:uri="http://schemas.microsoft.com/office/2006/metadata/properties"/>
-    <ds:schemaRef ds:uri="http://schemas.microsoft.com/office/infopath/2007/PartnerControls"/>
-    <ds:schemaRef ds:uri="http://schemas.microsoft.com/sharepoint/v3"/>
-    <ds:schemaRef ds:uri="71af3243-3dd4-4a8d-8c0d-dd76da1f02a5"/>
-    <ds:schemaRef ds:uri="230e9df3-be65-4c73-a93b-d1236ebd677e"/>
-  </ds:schemaRefs>
-</ds:datastoreItem>
-</file>
-
 <file path=docMetadata/LabelInfo.xml><?xml version="1.0" encoding="utf-8"?>
 <clbl:labelList xmlns:clbl="http://schemas.microsoft.com/office/2020/mipLabelMetadata">
   <clbl:label id="{f42aa342-8706-4288-bd11-ebb85995028c}" enabled="1" method="Standard" siteId="{72f988bf-86f1-41af-91ab-2d7cd011db47}" removed="0"/>

--- a/Digitale Sprachverarbeitung.pptx
+++ b/Digitale Sprachverarbeitung.pptx
@@ -5,10 +5,10 @@
     <p:sldMasterId id="2147483666" r:id="rId4"/>
   </p:sldMasterIdLst>
   <p:notesMasterIdLst>
-    <p:notesMasterId r:id="rId21"/>
+    <p:notesMasterId r:id="rId22"/>
   </p:notesMasterIdLst>
   <p:handoutMasterIdLst>
-    <p:handoutMasterId r:id="rId22"/>
+    <p:handoutMasterId r:id="rId23"/>
   </p:handoutMasterIdLst>
   <p:sldIdLst>
     <p:sldId id="256" r:id="rId5"/>
@@ -23,10 +23,11 @@
     <p:sldId id="301" r:id="rId14"/>
     <p:sldId id="302" r:id="rId15"/>
     <p:sldId id="303" r:id="rId16"/>
-    <p:sldId id="304" r:id="rId17"/>
-    <p:sldId id="305" r:id="rId18"/>
-    <p:sldId id="306" r:id="rId19"/>
-    <p:sldId id="276" r:id="rId20"/>
+    <p:sldId id="307" r:id="rId17"/>
+    <p:sldId id="304" r:id="rId18"/>
+    <p:sldId id="305" r:id="rId19"/>
+    <p:sldId id="306" r:id="rId20"/>
+    <p:sldId id="276" r:id="rId21"/>
   </p:sldIdLst>
   <p:sldSz cx="12192000" cy="6858000"/>
   <p:notesSz cx="6858000" cy="9144000"/>
@@ -1030,7 +1031,7 @@
             <a:pPr rtl="0"/>
             <a:fld id="{D4B9A9E5-4F7F-4A7D-9DE1-899232329269}" type="slidenum">
               <a:rPr lang="de-DE" smtClean="0"/>
-              <a:t>16</a:t>
+              <a:t>17</a:t>
             </a:fld>
             <a:endParaRPr lang="de-DE"/>
           </a:p>
@@ -16556,8 +16557,8 @@
         </p:blipFill>
         <p:spPr>
           <a:xfrm>
-            <a:off x="6919278" y="4605661"/>
-            <a:ext cx="4866323" cy="1837142"/>
+            <a:off x="920813" y="4405512"/>
+            <a:ext cx="5708587" cy="2155115"/>
           </a:xfrm>
         </p:spPr>
       </p:pic>
@@ -16613,8 +16614,8 @@
         </p:blipFill>
         <p:spPr>
           <a:xfrm>
-            <a:off x="6919278" y="553637"/>
-            <a:ext cx="4866322" cy="1837142"/>
+            <a:off x="920814" y="166444"/>
+            <a:ext cx="5708586" cy="2155115"/>
           </a:xfrm>
           <a:prstGeom prst="rect">
             <a:avLst/>
@@ -16643,8 +16644,8 @@
         </p:blipFill>
         <p:spPr>
           <a:xfrm>
-            <a:off x="6919278" y="2579649"/>
-            <a:ext cx="4866323" cy="1837142"/>
+            <a:off x="920813" y="2250397"/>
+            <a:ext cx="5708587" cy="2155115"/>
           </a:xfrm>
           <a:prstGeom prst="rect">
             <a:avLst/>
@@ -16681,7 +16682,7 @@
         </p:blipFill>
         <p:spPr>
           <a:xfrm>
-            <a:off x="6318883" y="675478"/>
+            <a:off x="320419" y="517961"/>
             <a:ext cx="487363" cy="487363"/>
           </a:xfrm>
           <a:prstGeom prst="rect">
@@ -16719,7 +16720,7 @@
         </p:blipFill>
         <p:spPr>
           <a:xfrm>
-            <a:off x="6318884" y="2747645"/>
+            <a:off x="320419" y="2485177"/>
             <a:ext cx="487363" cy="487363"/>
           </a:xfrm>
           <a:prstGeom prst="rect">
@@ -16757,7 +16758,7 @@
         </p:blipFill>
         <p:spPr>
           <a:xfrm>
-            <a:off x="6318884" y="4697971"/>
+            <a:off x="320418" y="4571587"/>
             <a:ext cx="487363" cy="487363"/>
           </a:xfrm>
           <a:prstGeom prst="rect">
@@ -16795,7 +16796,7 @@
         </p:blipFill>
         <p:spPr>
           <a:xfrm>
-            <a:off x="6318884" y="1650641"/>
+            <a:off x="320419" y="1447770"/>
             <a:ext cx="487363" cy="487363"/>
           </a:xfrm>
           <a:prstGeom prst="rect">
@@ -16833,7 +16834,7 @@
         </p:blipFill>
         <p:spPr>
           <a:xfrm>
-            <a:off x="6318883" y="3727888"/>
+            <a:off x="320418" y="3465420"/>
             <a:ext cx="487363" cy="487363"/>
           </a:xfrm>
           <a:prstGeom prst="rect">
@@ -16871,7 +16872,7 @@
         </p:blipFill>
         <p:spPr>
           <a:xfrm>
-            <a:off x="6318883" y="5678214"/>
+            <a:off x="320418" y="5483070"/>
             <a:ext cx="487363" cy="487363"/>
           </a:xfrm>
           <a:prstGeom prst="rect">
@@ -16879,6 +16880,56 @@
           </a:prstGeom>
         </p:spPr>
       </p:pic>
+      <p:sp>
+        <p:nvSpPr>
+          <p:cNvPr id="2" name="Textfeld 1">
+            <a:extLst>
+              <a:ext uri="{FF2B5EF4-FFF2-40B4-BE49-F238E27FC236}">
+                <a16:creationId xmlns:a16="http://schemas.microsoft.com/office/drawing/2014/main" id="{E0F253BA-8B47-E260-9C19-17F095DA5ECC}"/>
+              </a:ext>
+            </a:extLst>
+          </p:cNvPr>
+          <p:cNvSpPr txBox="1"/>
+          <p:nvPr/>
+        </p:nvSpPr>
+        <p:spPr>
+          <a:xfrm>
+            <a:off x="7004304" y="2727789"/>
+            <a:ext cx="4745736" cy="1200329"/>
+          </a:xfrm>
+          <a:prstGeom prst="rect">
+            <a:avLst/>
+          </a:prstGeom>
+          <a:noFill/>
+        </p:spPr>
+        <p:txBody>
+          <a:bodyPr wrap="square" rtlCol="0">
+            <a:spAutoFit/>
+          </a:bodyPr>
+          <a:lstStyle/>
+          <a:p>
+            <a:pPr marL="285750" indent="-285750">
+              <a:buFont typeface="Arial" panose="020B0604020202020204" pitchFamily="34" charset="0"/>
+              <a:buChar char="•"/>
+            </a:pPr>
+            <a:r>
+              <a:rPr lang="de-DE" sz="2400" dirty="0"/>
+              <a:t>Frequenz und Amplitude bleiben unverändert</a:t>
+            </a:r>
+          </a:p>
+          <a:p>
+            <a:pPr marL="285750" indent="-285750">
+              <a:buFont typeface="Arial" panose="020B0604020202020204" pitchFamily="34" charset="0"/>
+              <a:buChar char="•"/>
+            </a:pPr>
+            <a:r>
+              <a:rPr lang="de-DE" sz="2400" dirty="0"/>
+              <a:t>Kein hörbarer Unterschied</a:t>
+            </a:r>
+            <a:endParaRPr lang="en-US" sz="2400" dirty="0"/>
+          </a:p>
+        </p:txBody>
+      </p:sp>
     </p:spTree>
     <p:extLst>
       <p:ext uri="{BB962C8B-B14F-4D97-AF65-F5344CB8AC3E}">
@@ -17315,8 +17366,8 @@
         </p:blipFill>
         <p:spPr>
           <a:xfrm>
-            <a:off x="6627813" y="4198938"/>
-            <a:ext cx="5117148" cy="1973542"/>
+            <a:off x="890908" y="2865158"/>
+            <a:ext cx="6400356" cy="2468440"/>
           </a:xfrm>
           <a:prstGeom prst="rect">
             <a:avLst/>
@@ -17353,7 +17404,7 @@
         </p:blipFill>
         <p:spPr>
           <a:xfrm>
-            <a:off x="5996383" y="4468178"/>
+            <a:off x="265858" y="3347865"/>
             <a:ext cx="487363" cy="487363"/>
           </a:xfrm>
           <a:prstGeom prst="rect">
@@ -17391,7 +17442,7 @@
         </p:blipFill>
         <p:spPr>
           <a:xfrm>
-            <a:off x="5996384" y="5470525"/>
+            <a:off x="265859" y="4395926"/>
             <a:ext cx="487363" cy="487363"/>
           </a:xfrm>
           <a:prstGeom prst="rect">
@@ -17421,14 +17472,105 @@
         </p:blipFill>
         <p:spPr>
           <a:xfrm>
-            <a:off x="3830553" y="3526458"/>
-            <a:ext cx="7914408" cy="414988"/>
+            <a:off x="182097" y="1695700"/>
+            <a:ext cx="11385063" cy="596970"/>
           </a:xfrm>
           <a:prstGeom prst="rect">
             <a:avLst/>
           </a:prstGeom>
         </p:spPr>
       </p:pic>
+      <p:sp>
+        <p:nvSpPr>
+          <p:cNvPr id="2" name="Textfeld 1">
+            <a:extLst>
+              <a:ext uri="{FF2B5EF4-FFF2-40B4-BE49-F238E27FC236}">
+                <a16:creationId xmlns:a16="http://schemas.microsoft.com/office/drawing/2014/main" id="{4B9C241F-AE1E-3212-EC86-F1419AA6902E}"/>
+              </a:ext>
+            </a:extLst>
+          </p:cNvPr>
+          <p:cNvSpPr txBox="1"/>
+          <p:nvPr/>
+        </p:nvSpPr>
+        <p:spPr>
+          <a:xfrm>
+            <a:off x="2157984" y="612648"/>
+            <a:ext cx="7104888" cy="523220"/>
+          </a:xfrm>
+          <a:prstGeom prst="rect">
+            <a:avLst/>
+          </a:prstGeom>
+          <a:noFill/>
+        </p:spPr>
+        <p:txBody>
+          <a:bodyPr wrap="square" rtlCol="0">
+            <a:spAutoFit/>
+          </a:bodyPr>
+          <a:lstStyle/>
+          <a:p>
+            <a:pPr algn="ctr"/>
+            <a:r>
+              <a:rPr lang="de-DE" sz="2800" dirty="0">
+                <a:latin typeface="+mj-lt"/>
+              </a:rPr>
+              <a:t>Kombiniertes Signal</a:t>
+            </a:r>
+            <a:endParaRPr lang="en-US" sz="2800" dirty="0">
+              <a:latin typeface="+mj-lt"/>
+            </a:endParaRPr>
+          </a:p>
+        </p:txBody>
+      </p:sp>
+      <p:sp>
+        <p:nvSpPr>
+          <p:cNvPr id="3" name="Textfeld 2">
+            <a:extLst>
+              <a:ext uri="{FF2B5EF4-FFF2-40B4-BE49-F238E27FC236}">
+                <a16:creationId xmlns:a16="http://schemas.microsoft.com/office/drawing/2014/main" id="{B96C5D1B-883C-2FFF-BA04-B484E61B294C}"/>
+              </a:ext>
+            </a:extLst>
+          </p:cNvPr>
+          <p:cNvSpPr txBox="1"/>
+          <p:nvPr/>
+        </p:nvSpPr>
+        <p:spPr>
+          <a:xfrm>
+            <a:off x="7566635" y="3591547"/>
+            <a:ext cx="4253509" cy="1015663"/>
+          </a:xfrm>
+          <a:prstGeom prst="rect">
+            <a:avLst/>
+          </a:prstGeom>
+          <a:noFill/>
+        </p:spPr>
+        <p:txBody>
+          <a:bodyPr wrap="square" rtlCol="0">
+            <a:spAutoFit/>
+          </a:bodyPr>
+          <a:lstStyle/>
+          <a:p>
+            <a:pPr marL="285750" indent="-285750">
+              <a:buFont typeface="Arial" panose="020B0604020202020204" pitchFamily="34" charset="0"/>
+              <a:buChar char="•"/>
+            </a:pPr>
+            <a:r>
+              <a:rPr lang="de-DE" sz="2000" dirty="0"/>
+              <a:t>Veränderung in der Phase und der Amplitude</a:t>
+            </a:r>
+          </a:p>
+          <a:p>
+            <a:pPr marL="285750" indent="-285750">
+              <a:buFont typeface="Arial" panose="020B0604020202020204" pitchFamily="34" charset="0"/>
+              <a:buChar char="•"/>
+            </a:pPr>
+            <a:r>
+              <a:rPr lang="de-DE" sz="2000" dirty="0"/>
+              <a:t>Der Klang ist leiser</a:t>
+            </a:r>
+            <a:endParaRPr lang="en-US" sz="2000" dirty="0"/>
+          </a:p>
+        </p:txBody>
+      </p:sp>
     </p:spTree>
     <p:extLst>
       <p:ext uri="{BB962C8B-B14F-4D97-AF65-F5344CB8AC3E}">
@@ -17535,7 +17677,7 @@
               </p:nextCondLst>
             </p:seq>
             <p:audio>
-              <p:cMediaNode vol="80000">
+              <p:cMediaNode vol="100000">
                 <p:cTn id="11" fill="hold" display="0">
                   <p:stCondLst>
                     <p:cond delay="indefinite"/>
@@ -17554,7 +17696,7 @@
               </p:cMediaNode>
             </p:audio>
             <p:audio>
-              <p:cMediaNode vol="80000">
+              <p:cMediaNode vol="100000">
                 <p:cTn id="12" fill="hold" display="0">
                   <p:stCondLst>
                     <p:cond delay="indefinite"/>
@@ -17657,6 +17799,598 @@
       </p:sp>
       <p:pic>
         <p:nvPicPr>
+          <p:cNvPr id="12" name="Grafik 11">
+            <a:extLst>
+              <a:ext uri="{FF2B5EF4-FFF2-40B4-BE49-F238E27FC236}">
+                <a16:creationId xmlns:a16="http://schemas.microsoft.com/office/drawing/2014/main" id="{A589B016-B55D-31CE-CF55-90A692401F4E}"/>
+              </a:ext>
+            </a:extLst>
+          </p:cNvPr>
+          <p:cNvPicPr>
+            <a:picLocks noChangeAspect="1"/>
+          </p:cNvPicPr>
+          <p:nvPr/>
+        </p:nvPicPr>
+        <p:blipFill>
+          <a:blip r:embed="rId2"/>
+          <a:stretch>
+            <a:fillRect/>
+          </a:stretch>
+        </p:blipFill>
+        <p:spPr>
+          <a:xfrm>
+            <a:off x="108561" y="2541188"/>
+            <a:ext cx="6762163" cy="887812"/>
+          </a:xfrm>
+          <a:prstGeom prst="rect">
+            <a:avLst/>
+          </a:prstGeom>
+        </p:spPr>
+      </p:pic>
+      <p:pic>
+        <p:nvPicPr>
+          <p:cNvPr id="14" name="Grafik 13">
+            <a:extLst>
+              <a:ext uri="{FF2B5EF4-FFF2-40B4-BE49-F238E27FC236}">
+                <a16:creationId xmlns:a16="http://schemas.microsoft.com/office/drawing/2014/main" id="{13C7F0F5-D6EC-337C-5C17-EA5012E2E4D8}"/>
+              </a:ext>
+            </a:extLst>
+          </p:cNvPr>
+          <p:cNvPicPr>
+            <a:picLocks noChangeAspect="1"/>
+          </p:cNvPicPr>
+          <p:nvPr/>
+        </p:nvPicPr>
+        <p:blipFill>
+          <a:blip r:embed="rId3"/>
+          <a:stretch>
+            <a:fillRect/>
+          </a:stretch>
+        </p:blipFill>
+        <p:spPr>
+          <a:xfrm>
+            <a:off x="108562" y="3680325"/>
+            <a:ext cx="6762161" cy="492080"/>
+          </a:xfrm>
+          <a:prstGeom prst="rect">
+            <a:avLst/>
+          </a:prstGeom>
+        </p:spPr>
+      </p:pic>
+      <p:sp>
+        <p:nvSpPr>
+          <p:cNvPr id="2" name="Textfeld 1">
+            <a:extLst>
+              <a:ext uri="{FF2B5EF4-FFF2-40B4-BE49-F238E27FC236}">
+                <a16:creationId xmlns:a16="http://schemas.microsoft.com/office/drawing/2014/main" id="{8D1C2FD1-60B6-7B58-516E-9EE6CE38A852}"/>
+              </a:ext>
+            </a:extLst>
+          </p:cNvPr>
+          <p:cNvSpPr txBox="1"/>
+          <p:nvPr/>
+        </p:nvSpPr>
+        <p:spPr>
+          <a:xfrm>
+            <a:off x="7068312" y="2541188"/>
+            <a:ext cx="4782312" cy="1631216"/>
+          </a:xfrm>
+          <a:prstGeom prst="rect">
+            <a:avLst/>
+          </a:prstGeom>
+          <a:noFill/>
+        </p:spPr>
+        <p:txBody>
+          <a:bodyPr wrap="square" rtlCol="0">
+            <a:spAutoFit/>
+          </a:bodyPr>
+          <a:lstStyle/>
+          <a:p>
+            <a:pPr marL="285750" indent="-285750">
+              <a:buFont typeface="Arial" panose="020B0604020202020204" pitchFamily="34" charset="0"/>
+              <a:buChar char="•"/>
+            </a:pPr>
+            <a:r>
+              <a:rPr lang="de-DE" sz="2000" dirty="0"/>
+              <a:t>Phasenverschiebung um eine halbe Periode</a:t>
+            </a:r>
+          </a:p>
+          <a:p>
+            <a:pPr marL="285750" indent="-285750">
+              <a:buFont typeface="Arial" panose="020B0604020202020204" pitchFamily="34" charset="0"/>
+              <a:buChar char="•"/>
+            </a:pPr>
+            <a:r>
+              <a:rPr lang="de-DE" sz="2000" dirty="0"/>
+              <a:t>Addieren des Kammertons und dem verschobenen Signal</a:t>
+            </a:r>
+          </a:p>
+          <a:p>
+            <a:pPr marL="285750" indent="-285750">
+              <a:buFont typeface="Arial" panose="020B0604020202020204" pitchFamily="34" charset="0"/>
+              <a:buChar char="•"/>
+            </a:pPr>
+            <a:r>
+              <a:rPr lang="de-DE" sz="2000" dirty="0"/>
+              <a:t>Peaks und Täler gleichen sich aus</a:t>
+            </a:r>
+            <a:endParaRPr lang="en-US" sz="2000" dirty="0"/>
+          </a:p>
+        </p:txBody>
+      </p:sp>
+      <mc:AlternateContent xmlns:mc="http://schemas.openxmlformats.org/markup-compatibility/2006">
+        <mc:Choice xmlns:a14="http://schemas.microsoft.com/office/drawing/2010/main" Requires="a14">
+          <p:sp>
+            <p:nvSpPr>
+              <p:cNvPr id="5" name="Textfeld 4">
+                <a:extLst>
+                  <a:ext uri="{FF2B5EF4-FFF2-40B4-BE49-F238E27FC236}">
+                    <a16:creationId xmlns:a16="http://schemas.microsoft.com/office/drawing/2014/main" id="{2ED7287A-0DB0-252B-BF16-C702C9966B6C}"/>
+                  </a:ext>
+                </a:extLst>
+              </p:cNvPr>
+              <p:cNvSpPr txBox="1"/>
+              <p:nvPr/>
+            </p:nvSpPr>
+            <p:spPr>
+              <a:xfrm>
+                <a:off x="2868168" y="4828032"/>
+                <a:ext cx="5257800" cy="1477328"/>
+              </a:xfrm>
+              <a:prstGeom prst="rect">
+                <a:avLst/>
+              </a:prstGeom>
+              <a:noFill/>
+            </p:spPr>
+            <p:txBody>
+              <a:bodyPr wrap="square" rtlCol="0">
+                <a:spAutoFit/>
+              </a:bodyPr>
+              <a:lstStyle/>
+              <a:p>
+                <a14:m>
+                  <m:oMathPara xmlns:m="http://schemas.openxmlformats.org/officeDocument/2006/math">
+                    <m:oMathParaPr>
+                      <m:jc m:val="centerGroup"/>
+                    </m:oMathParaPr>
+                    <m:oMath xmlns:m="http://schemas.openxmlformats.org/officeDocument/2006/math">
+                      <m:sSub>
+                        <m:sSubPr>
+                          <m:ctrlPr>
+                            <a:rPr lang="en-US" sz="2400" i="1" smtClean="0">
+                              <a:effectLst/>
+                            </a:rPr>
+                          </m:ctrlPr>
+                        </m:sSubPr>
+                        <m:e>
+                          <m:r>
+                            <a:rPr lang="de-DE" sz="2400" i="1">
+                              <a:effectLst/>
+                              <a:ea typeface="Aptos" panose="020B0004020202020204" pitchFamily="34" charset="0"/>
+                              <a:cs typeface="Times New Roman" panose="02020603050405020304" pitchFamily="18" charset="0"/>
+                            </a:rPr>
+                            <m:t>𝑦</m:t>
+                          </m:r>
+                        </m:e>
+                        <m:sub>
+                          <m:r>
+                            <a:rPr lang="de-DE" sz="2400" i="1">
+                              <a:effectLst/>
+                              <a:ea typeface="Aptos" panose="020B0004020202020204" pitchFamily="34" charset="0"/>
+                              <a:cs typeface="Times New Roman" panose="02020603050405020304" pitchFamily="18" charset="0"/>
+                            </a:rPr>
+                            <m:t>𝑐𝑜𝑚𝑏𝑖𝑛𝑒𝑑</m:t>
+                          </m:r>
+                        </m:sub>
+                      </m:sSub>
+                      <m:d>
+                        <m:dPr>
+                          <m:ctrlPr>
+                            <a:rPr lang="en-US" sz="2400" i="1">
+                              <a:effectLst/>
+                            </a:rPr>
+                          </m:ctrlPr>
+                        </m:dPr>
+                        <m:e>
+                          <m:r>
+                            <a:rPr lang="de-DE" sz="2400" i="1">
+                              <a:effectLst/>
+                              <a:ea typeface="Aptos" panose="020B0004020202020204" pitchFamily="34" charset="0"/>
+                              <a:cs typeface="Times New Roman" panose="02020603050405020304" pitchFamily="18" charset="0"/>
+                            </a:rPr>
+                            <m:t>𝑡</m:t>
+                          </m:r>
+                        </m:e>
+                      </m:d>
+                      <m:r>
+                        <a:rPr lang="de-DE" sz="2400" i="1">
+                          <a:effectLst/>
+                          <a:ea typeface="Aptos" panose="020B0004020202020204" pitchFamily="34" charset="0"/>
+                          <a:cs typeface="Times New Roman" panose="02020603050405020304" pitchFamily="18" charset="0"/>
+                        </a:rPr>
+                        <m:t>=</m:t>
+                      </m:r>
+                      <m:r>
+                        <a:rPr lang="de-DE" sz="2400" i="1">
+                          <a:effectLst/>
+                          <a:ea typeface="Aptos" panose="020B0004020202020204" pitchFamily="34" charset="0"/>
+                          <a:cs typeface="Times New Roman" panose="02020603050405020304" pitchFamily="18" charset="0"/>
+                        </a:rPr>
+                        <m:t>𝑦</m:t>
+                      </m:r>
+                      <m:d>
+                        <m:dPr>
+                          <m:ctrlPr>
+                            <a:rPr lang="en-US" sz="2400" i="1">
+                              <a:effectLst/>
+                            </a:rPr>
+                          </m:ctrlPr>
+                        </m:dPr>
+                        <m:e>
+                          <m:r>
+                            <a:rPr lang="de-DE" sz="2400" i="1">
+                              <a:effectLst/>
+                              <a:ea typeface="Aptos" panose="020B0004020202020204" pitchFamily="34" charset="0"/>
+                              <a:cs typeface="Times New Roman" panose="02020603050405020304" pitchFamily="18" charset="0"/>
+                            </a:rPr>
+                            <m:t>𝑡</m:t>
+                          </m:r>
+                        </m:e>
+                      </m:d>
+                      <m:r>
+                        <a:rPr lang="de-DE" sz="2400" i="1">
+                          <a:effectLst/>
+                          <a:ea typeface="Aptos" panose="020B0004020202020204" pitchFamily="34" charset="0"/>
+                          <a:cs typeface="Times New Roman" panose="02020603050405020304" pitchFamily="18" charset="0"/>
+                        </a:rPr>
+                        <m:t>+</m:t>
+                      </m:r>
+                      <m:r>
+                        <a:rPr lang="de-DE" sz="2400" i="1">
+                          <a:effectLst/>
+                          <a:ea typeface="Aptos" panose="020B0004020202020204" pitchFamily="34" charset="0"/>
+                          <a:cs typeface="Times New Roman" panose="02020603050405020304" pitchFamily="18" charset="0"/>
+                        </a:rPr>
+                        <m:t>𝑦</m:t>
+                      </m:r>
+                      <m:r>
+                        <a:rPr lang="de-DE" sz="2400" i="1">
+                          <a:effectLst/>
+                          <a:ea typeface="Aptos" panose="020B0004020202020204" pitchFamily="34" charset="0"/>
+                          <a:cs typeface="Times New Roman" panose="02020603050405020304" pitchFamily="18" charset="0"/>
+                        </a:rPr>
+                        <m:t>(</m:t>
+                      </m:r>
+                      <m:r>
+                        <a:rPr lang="de-DE" sz="2400" i="1">
+                          <a:effectLst/>
+                          <a:ea typeface="Aptos" panose="020B0004020202020204" pitchFamily="34" charset="0"/>
+                          <a:cs typeface="Times New Roman" panose="02020603050405020304" pitchFamily="18" charset="0"/>
+                        </a:rPr>
+                        <m:t>𝑡</m:t>
+                      </m:r>
+                      <m:r>
+                        <a:rPr lang="de-DE" sz="2400" i="1">
+                          <a:effectLst/>
+                          <a:ea typeface="Aptos" panose="020B0004020202020204" pitchFamily="34" charset="0"/>
+                          <a:cs typeface="Times New Roman" panose="02020603050405020304" pitchFamily="18" charset="0"/>
+                        </a:rPr>
+                        <m:t>−</m:t>
+                      </m:r>
+                      <m:r>
+                        <a:rPr lang="de-DE" sz="2400" i="1">
+                          <a:effectLst/>
+                          <a:ea typeface="Aptos" panose="020B0004020202020204" pitchFamily="34" charset="0"/>
+                          <a:cs typeface="Times New Roman" panose="02020603050405020304" pitchFamily="18" charset="0"/>
+                        </a:rPr>
+                        <m:t>𝜋</m:t>
+                      </m:r>
+                      <m:r>
+                        <a:rPr lang="de-DE" sz="2400" i="1">
+                          <a:effectLst/>
+                          <a:ea typeface="Aptos" panose="020B0004020202020204" pitchFamily="34" charset="0"/>
+                          <a:cs typeface="Times New Roman" panose="02020603050405020304" pitchFamily="18" charset="0"/>
+                        </a:rPr>
+                        <m:t>)</m:t>
+                      </m:r>
+                    </m:oMath>
+                  </m:oMathPara>
+                </a14:m>
+                <a:endParaRPr lang="en-US" sz="2400" dirty="0"/>
+              </a:p>
+              <a:p>
+                <a:endParaRPr lang="en-US" sz="2400" dirty="0"/>
+              </a:p>
+              <a:p>
+                <a14:m>
+                  <m:oMathPara xmlns:m="http://schemas.openxmlformats.org/officeDocument/2006/math">
+                    <m:oMathParaPr>
+                      <m:jc m:val="centerGroup"/>
+                    </m:oMathParaPr>
+                    <m:oMath xmlns:m="http://schemas.openxmlformats.org/officeDocument/2006/math">
+                      <m:sSub>
+                        <m:sSubPr>
+                          <m:ctrlPr>
+                            <a:rPr lang="en-US" sz="2400" i="1" kern="100" smtClean="0">
+                              <a:effectLst/>
+                              <a:ea typeface="Times New Roman" panose="02020603050405020304" pitchFamily="18" charset="0"/>
+                              <a:cs typeface="Times New Roman" panose="02020603050405020304" pitchFamily="18" charset="0"/>
+                            </a:rPr>
+                          </m:ctrlPr>
+                        </m:sSubPr>
+                        <m:e>
+                          <m:r>
+                            <a:rPr lang="de-DE" sz="2400" i="1" kern="100">
+                              <a:effectLst/>
+                              <a:ea typeface="Times New Roman" panose="02020603050405020304" pitchFamily="18" charset="0"/>
+                              <a:cs typeface="Times New Roman" panose="02020603050405020304" pitchFamily="18" charset="0"/>
+                            </a:rPr>
+                            <m:t>𝑦</m:t>
+                          </m:r>
+                        </m:e>
+                        <m:sub>
+                          <m:r>
+                            <a:rPr lang="de-DE" sz="2400" i="1" kern="100">
+                              <a:effectLst/>
+                              <a:ea typeface="Times New Roman" panose="02020603050405020304" pitchFamily="18" charset="0"/>
+                              <a:cs typeface="Times New Roman" panose="02020603050405020304" pitchFamily="18" charset="0"/>
+                            </a:rPr>
+                            <m:t>𝑐𝑜𝑚𝑏𝑖𝑛𝑒𝑑</m:t>
+                          </m:r>
+                        </m:sub>
+                      </m:sSub>
+                      <m:d>
+                        <m:dPr>
+                          <m:ctrlPr>
+                            <a:rPr lang="en-US" sz="2400" i="1" kern="100">
+                              <a:effectLst/>
+                              <a:ea typeface="Times New Roman" panose="02020603050405020304" pitchFamily="18" charset="0"/>
+                              <a:cs typeface="Times New Roman" panose="02020603050405020304" pitchFamily="18" charset="0"/>
+                            </a:rPr>
+                          </m:ctrlPr>
+                        </m:dPr>
+                        <m:e>
+                          <m:r>
+                            <a:rPr lang="de-DE" sz="2400" i="1" kern="100">
+                              <a:effectLst/>
+                              <a:ea typeface="Times New Roman" panose="02020603050405020304" pitchFamily="18" charset="0"/>
+                              <a:cs typeface="Times New Roman" panose="02020603050405020304" pitchFamily="18" charset="0"/>
+                            </a:rPr>
+                            <m:t>𝑡</m:t>
+                          </m:r>
+                        </m:e>
+                      </m:d>
+                      <m:r>
+                        <a:rPr lang="de-DE" sz="2400" i="1" kern="100">
+                          <a:effectLst/>
+                          <a:ea typeface="Times New Roman" panose="02020603050405020304" pitchFamily="18" charset="0"/>
+                          <a:cs typeface="Times New Roman" panose="02020603050405020304" pitchFamily="18" charset="0"/>
+                        </a:rPr>
+                        <m:t>=</m:t>
+                      </m:r>
+                      <m:r>
+                        <a:rPr lang="de-DE" sz="2400" i="1" kern="100">
+                          <a:effectLst/>
+                          <a:ea typeface="Times New Roman" panose="02020603050405020304" pitchFamily="18" charset="0"/>
+                          <a:cs typeface="Times New Roman" panose="02020603050405020304" pitchFamily="18" charset="0"/>
+                        </a:rPr>
+                        <m:t>𝑦</m:t>
+                      </m:r>
+                      <m:d>
+                        <m:dPr>
+                          <m:ctrlPr>
+                            <a:rPr lang="en-US" sz="2400" i="1" kern="100">
+                              <a:effectLst/>
+                              <a:ea typeface="Times New Roman" panose="02020603050405020304" pitchFamily="18" charset="0"/>
+                              <a:cs typeface="Times New Roman" panose="02020603050405020304" pitchFamily="18" charset="0"/>
+                            </a:rPr>
+                          </m:ctrlPr>
+                        </m:dPr>
+                        <m:e>
+                          <m:r>
+                            <a:rPr lang="de-DE" sz="2400" i="1" kern="100">
+                              <a:effectLst/>
+                              <a:ea typeface="Times New Roman" panose="02020603050405020304" pitchFamily="18" charset="0"/>
+                              <a:cs typeface="Times New Roman" panose="02020603050405020304" pitchFamily="18" charset="0"/>
+                            </a:rPr>
+                            <m:t>𝑡</m:t>
+                          </m:r>
+                        </m:e>
+                      </m:d>
+                      <m:r>
+                        <a:rPr lang="de-DE" sz="2400" i="1" kern="100">
+                          <a:effectLst/>
+                          <a:ea typeface="Times New Roman" panose="02020603050405020304" pitchFamily="18" charset="0"/>
+                          <a:cs typeface="Times New Roman" panose="02020603050405020304" pitchFamily="18" charset="0"/>
+                        </a:rPr>
+                        <m:t>−</m:t>
+                      </m:r>
+                      <m:r>
+                        <a:rPr lang="de-DE" sz="2400" i="1" kern="100">
+                          <a:effectLst/>
+                          <a:ea typeface="Times New Roman" panose="02020603050405020304" pitchFamily="18" charset="0"/>
+                          <a:cs typeface="Times New Roman" panose="02020603050405020304" pitchFamily="18" charset="0"/>
+                        </a:rPr>
+                        <m:t>𝑦</m:t>
+                      </m:r>
+                      <m:d>
+                        <m:dPr>
+                          <m:ctrlPr>
+                            <a:rPr lang="en-US" sz="2400" i="1" kern="100">
+                              <a:effectLst/>
+                              <a:ea typeface="Times New Roman" panose="02020603050405020304" pitchFamily="18" charset="0"/>
+                              <a:cs typeface="Times New Roman" panose="02020603050405020304" pitchFamily="18" charset="0"/>
+                            </a:rPr>
+                          </m:ctrlPr>
+                        </m:dPr>
+                        <m:e>
+                          <m:r>
+                            <a:rPr lang="de-DE" sz="2400" i="1" kern="100">
+                              <a:effectLst/>
+                              <a:ea typeface="Times New Roman" panose="02020603050405020304" pitchFamily="18" charset="0"/>
+                              <a:cs typeface="Times New Roman" panose="02020603050405020304" pitchFamily="18" charset="0"/>
+                            </a:rPr>
+                            <m:t>𝑡</m:t>
+                          </m:r>
+                        </m:e>
+                      </m:d>
+                      <m:r>
+                        <a:rPr lang="de-DE" sz="2400" i="1" kern="100">
+                          <a:effectLst/>
+                          <a:ea typeface="Times New Roman" panose="02020603050405020304" pitchFamily="18" charset="0"/>
+                          <a:cs typeface="Times New Roman" panose="02020603050405020304" pitchFamily="18" charset="0"/>
+                        </a:rPr>
+                        <m:t>=0</m:t>
+                      </m:r>
+                    </m:oMath>
+                  </m:oMathPara>
+                </a14:m>
+                <a:endParaRPr lang="en-US" sz="2400" kern="100" dirty="0">
+                  <a:effectLst/>
+                  <a:ea typeface="Aptos" panose="020B0004020202020204" pitchFamily="34" charset="0"/>
+                  <a:cs typeface="Times New Roman" panose="02020603050405020304" pitchFamily="18" charset="0"/>
+                </a:endParaRPr>
+              </a:p>
+              <a:p>
+                <a:endParaRPr lang="en-US" dirty="0"/>
+              </a:p>
+            </p:txBody>
+          </p:sp>
+        </mc:Choice>
+        <mc:Fallback>
+          <p:sp>
+            <p:nvSpPr>
+              <p:cNvPr id="5" name="Textfeld 4">
+                <a:extLst>
+                  <a:ext uri="{FF2B5EF4-FFF2-40B4-BE49-F238E27FC236}">
+                    <a16:creationId xmlns:a16="http://schemas.microsoft.com/office/drawing/2014/main" id="{2ED7287A-0DB0-252B-BF16-C702C9966B6C}"/>
+                  </a:ext>
+                </a:extLst>
+              </p:cNvPr>
+              <p:cNvSpPr txBox="1">
+                <a:spLocks noRot="1" noChangeAspect="1" noMove="1" noResize="1" noEditPoints="1" noAdjustHandles="1" noChangeArrowheads="1" noChangeShapeType="1" noTextEdit="1"/>
+              </p:cNvSpPr>
+              <p:nvPr/>
+            </p:nvSpPr>
+            <p:spPr>
+              <a:xfrm>
+                <a:off x="2868168" y="4828032"/>
+                <a:ext cx="5257800" cy="1477328"/>
+              </a:xfrm>
+              <a:prstGeom prst="rect">
+                <a:avLst/>
+              </a:prstGeom>
+              <a:blipFill>
+                <a:blip r:embed="rId4"/>
+                <a:stretch>
+                  <a:fillRect/>
+                </a:stretch>
+              </a:blipFill>
+            </p:spPr>
+            <p:txBody>
+              <a:bodyPr/>
+              <a:lstStyle/>
+              <a:p>
+                <a:r>
+                  <a:rPr lang="en-US">
+                    <a:noFill/>
+                  </a:rPr>
+                  <a:t> </a:t>
+                </a:r>
+              </a:p>
+            </p:txBody>
+          </p:sp>
+        </mc:Fallback>
+      </mc:AlternateContent>
+    </p:spTree>
+    <p:extLst>
+      <p:ext uri="{BB962C8B-B14F-4D97-AF65-F5344CB8AC3E}">
+        <p14:creationId xmlns:p14="http://schemas.microsoft.com/office/powerpoint/2010/main" val="1410074824"/>
+      </p:ext>
+    </p:extLst>
+  </p:cSld>
+  <p:clrMapOvr>
+    <a:masterClrMapping/>
+  </p:clrMapOvr>
+</p:sld>
+</file>
+
+<file path=ppt/slides/slide13.xml><?xml version="1.0" encoding="utf-8"?>
+<p:sld xmlns:a="http://schemas.openxmlformats.org/drawingml/2006/main" xmlns:r="http://schemas.openxmlformats.org/officeDocument/2006/relationships" xmlns:p="http://schemas.openxmlformats.org/presentationml/2006/main">
+  <p:cSld>
+    <p:spTree>
+      <p:nvGrpSpPr>
+        <p:cNvPr id="1" name=""/>
+        <p:cNvGrpSpPr/>
+        <p:nvPr/>
+      </p:nvGrpSpPr>
+      <p:grpSpPr>
+        <a:xfrm>
+          <a:off x="0" y="0"/>
+          <a:ext cx="0" cy="0"/>
+          <a:chOff x="0" y="0"/>
+          <a:chExt cx="0" cy="0"/>
+        </a:xfrm>
+      </p:grpSpPr>
+      <p:sp>
+        <p:nvSpPr>
+          <p:cNvPr id="3" name="Titel 2">
+            <a:extLst>
+              <a:ext uri="{FF2B5EF4-FFF2-40B4-BE49-F238E27FC236}">
+                <a16:creationId xmlns:a16="http://schemas.microsoft.com/office/drawing/2014/main" id="{819AE10C-D5B2-1A3B-98D9-04B2A69D199E}"/>
+              </a:ext>
+            </a:extLst>
+          </p:cNvPr>
+          <p:cNvSpPr>
+            <a:spLocks noGrp="1"/>
+          </p:cNvSpPr>
+          <p:nvPr>
+            <p:ph type="title"/>
+          </p:nvPr>
+        </p:nvSpPr>
+        <p:spPr/>
+        <p:txBody>
+          <a:bodyPr/>
+          <a:lstStyle/>
+          <a:p>
+            <a:r>
+              <a:rPr lang="de-DE" dirty="0"/>
+              <a:t>Kammerton auslöschen </a:t>
+            </a:r>
+          </a:p>
+        </p:txBody>
+      </p:sp>
+      <p:sp>
+        <p:nvSpPr>
+          <p:cNvPr id="6" name="Foliennummernplatzhalter 5">
+            <a:extLst>
+              <a:ext uri="{FF2B5EF4-FFF2-40B4-BE49-F238E27FC236}">
+                <a16:creationId xmlns:a16="http://schemas.microsoft.com/office/drawing/2014/main" id="{8C691484-B0EB-6D91-63A1-5DF4341D97EB}"/>
+              </a:ext>
+            </a:extLst>
+          </p:cNvPr>
+          <p:cNvSpPr>
+            <a:spLocks noGrp="1"/>
+          </p:cNvSpPr>
+          <p:nvPr>
+            <p:ph type="sldNum" sz="quarter" idx="12"/>
+          </p:nvPr>
+        </p:nvSpPr>
+        <p:spPr/>
+        <p:txBody>
+          <a:bodyPr/>
+          <a:lstStyle/>
+          <a:p>
+            <a:pPr rtl="0"/>
+            <a:fld id="{B5CEABB6-07DC-46E8-9B57-56EC44A396E5}" type="slidenum">
+              <a:rPr lang="de-DE" noProof="0" smtClean="0"/>
+              <a:t>13</a:t>
+            </a:fld>
+            <a:endParaRPr lang="de-DE" noProof="0"/>
+          </a:p>
+        </p:txBody>
+      </p:sp>
+      <p:pic>
+        <p:nvPicPr>
           <p:cNvPr id="8" name="Grafik 7">
             <a:extLst>
               <a:ext uri="{FF2B5EF4-FFF2-40B4-BE49-F238E27FC236}">
@@ -17677,8 +18411,8 @@
         </p:blipFill>
         <p:spPr>
           <a:xfrm>
-            <a:off x="437197" y="1587817"/>
-            <a:ext cx="4459885" cy="1683703"/>
+            <a:off x="211919" y="2205950"/>
+            <a:ext cx="5673081" cy="2141711"/>
           </a:xfrm>
           <a:prstGeom prst="rect">
             <a:avLst/>
@@ -17707,8 +18441,8 @@
         </p:blipFill>
         <p:spPr>
           <a:xfrm>
-            <a:off x="437196" y="3429000"/>
-            <a:ext cx="4459885" cy="1690197"/>
+            <a:off x="6306999" y="2205950"/>
+            <a:ext cx="5673082" cy="2149972"/>
           </a:xfrm>
           <a:prstGeom prst="rect">
             <a:avLst/>
@@ -17717,17 +18451,25 @@
       </p:pic>
       <p:pic>
         <p:nvPicPr>
-          <p:cNvPr id="12" name="Grafik 11">
-            <a:extLst>
-              <a:ext uri="{FF2B5EF4-FFF2-40B4-BE49-F238E27FC236}">
-                <a16:creationId xmlns:a16="http://schemas.microsoft.com/office/drawing/2014/main" id="{A589B016-B55D-31CE-CF55-90A692401F4E}"/>
+          <p:cNvPr id="17" name="audio2">
+            <a:hlinkClick r:id="" action="ppaction://media"/>
+            <a:extLst>
+              <a:ext uri="{FF2B5EF4-FFF2-40B4-BE49-F238E27FC236}">
+                <a16:creationId xmlns:a16="http://schemas.microsoft.com/office/drawing/2014/main" id="{772540FA-E478-0FC6-8214-464301C86A10}"/>
               </a:ext>
             </a:extLst>
           </p:cNvPr>
           <p:cNvPicPr>
             <a:picLocks noChangeAspect="1"/>
           </p:cNvPicPr>
-          <p:nvPr/>
+          <p:nvPr>
+            <a:audioFile r:link="rId2"/>
+            <p:extLst>
+              <p:ext uri="{DAA4B4D4-6D71-4841-9C94-3DE7FCFB9230}">
+                <p14:media xmlns:p14="http://schemas.microsoft.com/office/powerpoint/2010/main" r:embed="rId1"/>
+              </p:ext>
+            </p:extLst>
+          </p:nvPr>
         </p:nvPicPr>
         <p:blipFill>
           <a:blip r:embed="rId10"/>
@@ -17737,75 +18479,7 @@
         </p:blipFill>
         <p:spPr>
           <a:xfrm>
-            <a:off x="6710531" y="1720513"/>
-            <a:ext cx="4643269" cy="609620"/>
-          </a:xfrm>
-          <a:prstGeom prst="rect">
-            <a:avLst/>
-          </a:prstGeom>
-        </p:spPr>
-      </p:pic>
-      <p:pic>
-        <p:nvPicPr>
-          <p:cNvPr id="14" name="Grafik 13">
-            <a:extLst>
-              <a:ext uri="{FF2B5EF4-FFF2-40B4-BE49-F238E27FC236}">
-                <a16:creationId xmlns:a16="http://schemas.microsoft.com/office/drawing/2014/main" id="{13C7F0F5-D6EC-337C-5C17-EA5012E2E4D8}"/>
-              </a:ext>
-            </a:extLst>
-          </p:cNvPr>
-          <p:cNvPicPr>
-            <a:picLocks noChangeAspect="1"/>
-          </p:cNvPicPr>
-          <p:nvPr/>
-        </p:nvPicPr>
-        <p:blipFill>
-          <a:blip r:embed="rId11"/>
-          <a:stretch>
-            <a:fillRect/>
-          </a:stretch>
-        </p:blipFill>
-        <p:spPr>
-          <a:xfrm>
-            <a:off x="6706782" y="2535480"/>
-            <a:ext cx="4643269" cy="337889"/>
-          </a:xfrm>
-          <a:prstGeom prst="rect">
-            <a:avLst/>
-          </a:prstGeom>
-        </p:spPr>
-      </p:pic>
-      <p:pic>
-        <p:nvPicPr>
-          <p:cNvPr id="17" name="audio2">
-            <a:hlinkClick r:id="" action="ppaction://media"/>
-            <a:extLst>
-              <a:ext uri="{FF2B5EF4-FFF2-40B4-BE49-F238E27FC236}">
-                <a16:creationId xmlns:a16="http://schemas.microsoft.com/office/drawing/2014/main" id="{772540FA-E478-0FC6-8214-464301C86A10}"/>
-              </a:ext>
-            </a:extLst>
-          </p:cNvPr>
-          <p:cNvPicPr>
-            <a:picLocks noChangeAspect="1"/>
-          </p:cNvPicPr>
-          <p:nvPr>
-            <a:audioFile r:link="rId2"/>
-            <p:extLst>
-              <p:ext uri="{DAA4B4D4-6D71-4841-9C94-3DE7FCFB9230}">
-                <p14:media xmlns:p14="http://schemas.microsoft.com/office/powerpoint/2010/main" r:embed="rId1"/>
-              </p:ext>
-            </p:extLst>
-          </p:nvPr>
-        </p:nvPicPr>
-        <p:blipFill>
-          <a:blip r:embed="rId12"/>
-          <a:stretch>
-            <a:fillRect/>
-          </a:stretch>
-        </p:blipFill>
-        <p:spPr>
-          <a:xfrm>
-            <a:off x="594518" y="5541645"/>
+            <a:off x="1008887" y="5297961"/>
             <a:ext cx="487363" cy="487363"/>
           </a:xfrm>
           <a:prstGeom prst="rect">
@@ -17836,14 +18510,14 @@
           </p:nvPr>
         </p:nvPicPr>
         <p:blipFill>
-          <a:blip r:embed="rId12"/>
+          <a:blip r:embed="rId10"/>
           <a:stretch>
             <a:fillRect/>
           </a:stretch>
         </p:blipFill>
         <p:spPr>
           <a:xfrm>
-            <a:off x="2394981" y="5566249"/>
+            <a:off x="4449887" y="5297961"/>
             <a:ext cx="487363" cy="487363"/>
           </a:xfrm>
           <a:prstGeom prst="rect">
@@ -17874,14 +18548,14 @@
           </p:nvPr>
         </p:nvPicPr>
         <p:blipFill>
-          <a:blip r:embed="rId12"/>
+          <a:blip r:embed="rId10"/>
           <a:stretch>
             <a:fillRect/>
           </a:stretch>
         </p:blipFill>
         <p:spPr>
           <a:xfrm>
-            <a:off x="4195445" y="5541644"/>
+            <a:off x="9175258" y="5297963"/>
             <a:ext cx="487363" cy="487363"/>
           </a:xfrm>
           <a:prstGeom prst="rect">
@@ -17892,7 +18566,7 @@
     </p:spTree>
     <p:extLst>
       <p:ext uri="{BB962C8B-B14F-4D97-AF65-F5344CB8AC3E}">
-        <p14:creationId xmlns:p14="http://schemas.microsoft.com/office/powerpoint/2010/main" val="1410074824"/>
+        <p14:creationId xmlns:p14="http://schemas.microsoft.com/office/powerpoint/2010/main" val="2922249950"/>
       </p:ext>
     </p:extLst>
   </p:cSld>
@@ -18094,137 +18768,6 @@
 </p:sld>
 </file>
 
-<file path=ppt/slides/slide13.xml><?xml version="1.0" encoding="utf-8"?>
-<p:sld xmlns:a="http://schemas.openxmlformats.org/drawingml/2006/main" xmlns:r="http://schemas.openxmlformats.org/officeDocument/2006/relationships" xmlns:p="http://schemas.openxmlformats.org/presentationml/2006/main">
-  <p:cSld>
-    <p:spTree>
-      <p:nvGrpSpPr>
-        <p:cNvPr id="1" name=""/>
-        <p:cNvGrpSpPr/>
-        <p:nvPr/>
-      </p:nvGrpSpPr>
-      <p:grpSpPr>
-        <a:xfrm>
-          <a:off x="0" y="0"/>
-          <a:ext cx="0" cy="0"/>
-          <a:chOff x="0" y="0"/>
-          <a:chExt cx="0" cy="0"/>
-        </a:xfrm>
-      </p:grpSpPr>
-      <p:sp>
-        <p:nvSpPr>
-          <p:cNvPr id="6" name="Foliennummernplatzhalter 5">
-            <a:extLst>
-              <a:ext uri="{FF2B5EF4-FFF2-40B4-BE49-F238E27FC236}">
-                <a16:creationId xmlns:a16="http://schemas.microsoft.com/office/drawing/2014/main" id="{BE788CA4-A504-DC1F-41F4-7D22B30DDD69}"/>
-              </a:ext>
-            </a:extLst>
-          </p:cNvPr>
-          <p:cNvSpPr>
-            <a:spLocks noGrp="1"/>
-          </p:cNvSpPr>
-          <p:nvPr>
-            <p:ph type="sldNum" sz="quarter" idx="12"/>
-          </p:nvPr>
-        </p:nvSpPr>
-        <p:spPr/>
-        <p:txBody>
-          <a:bodyPr/>
-          <a:lstStyle/>
-          <a:p>
-            <a:pPr rtl="0"/>
-            <a:fld id="{B5CEABB6-07DC-46E8-9B57-56EC44A396E5}" type="slidenum">
-              <a:rPr lang="de-DE" noProof="0" smtClean="0"/>
-              <a:t>13</a:t>
-            </a:fld>
-            <a:endParaRPr lang="de-DE" noProof="0"/>
-          </a:p>
-        </p:txBody>
-      </p:sp>
-      <p:sp>
-        <p:nvSpPr>
-          <p:cNvPr id="8" name="Titel 2">
-            <a:extLst>
-              <a:ext uri="{FF2B5EF4-FFF2-40B4-BE49-F238E27FC236}">
-                <a16:creationId xmlns:a16="http://schemas.microsoft.com/office/drawing/2014/main" id="{C570B848-DF6D-B96C-5741-468A33877E28}"/>
-              </a:ext>
-            </a:extLst>
-          </p:cNvPr>
-          <p:cNvSpPr>
-            <a:spLocks noGrp="1"/>
-          </p:cNvSpPr>
-          <p:nvPr>
-            <p:ph type="title"/>
-          </p:nvPr>
-        </p:nvSpPr>
-        <p:spPr>
-          <a:xfrm>
-            <a:off x="838200" y="365125"/>
-            <a:ext cx="10515600" cy="1325563"/>
-          </a:xfrm>
-        </p:spPr>
-        <p:txBody>
-          <a:bodyPr/>
-          <a:lstStyle/>
-          <a:p>
-            <a:r>
-              <a:rPr lang="de-DE" sz="1800" dirty="0">
-                <a:effectLst/>
-                <a:latin typeface="Aptos" panose="020B0004020202020204" pitchFamily="34" charset="0"/>
-                <a:ea typeface="Aptos" panose="020B0004020202020204" pitchFamily="34" charset="0"/>
-                <a:cs typeface="Times New Roman" panose="02020603050405020304" pitchFamily="18" charset="0"/>
-              </a:rPr>
-              <a:t>Die Approximation einer Rechteckswelle </a:t>
-            </a:r>
-            <a:r>
-              <a:rPr lang="de-DE" dirty="0"/>
-              <a:t> </a:t>
-            </a:r>
-          </a:p>
-        </p:txBody>
-      </p:sp>
-      <p:pic>
-        <p:nvPicPr>
-          <p:cNvPr id="12" name="Grafik 11">
-            <a:extLst>
-              <a:ext uri="{FF2B5EF4-FFF2-40B4-BE49-F238E27FC236}">
-                <a16:creationId xmlns:a16="http://schemas.microsoft.com/office/drawing/2014/main" id="{A5D2332E-D191-5E47-F6AA-5F95B4A7529E}"/>
-              </a:ext>
-            </a:extLst>
-          </p:cNvPr>
-          <p:cNvPicPr>
-            <a:picLocks noChangeAspect="1"/>
-          </p:cNvPicPr>
-          <p:nvPr/>
-        </p:nvPicPr>
-        <p:blipFill rotWithShape="1">
-          <a:blip r:embed="rId2"/>
-          <a:srcRect/>
-          <a:stretch/>
-        </p:blipFill>
-        <p:spPr>
-          <a:xfrm>
-            <a:off x="423443" y="1590421"/>
-            <a:ext cx="6315916" cy="4866196"/>
-          </a:xfrm>
-          <a:prstGeom prst="rect">
-            <a:avLst/>
-          </a:prstGeom>
-        </p:spPr>
-      </p:pic>
-    </p:spTree>
-    <p:extLst>
-      <p:ext uri="{BB962C8B-B14F-4D97-AF65-F5344CB8AC3E}">
-        <p14:creationId xmlns:p14="http://schemas.microsoft.com/office/powerpoint/2010/main" val="1153299213"/>
-      </p:ext>
-    </p:extLst>
-  </p:cSld>
-  <p:clrMapOvr>
-    <a:masterClrMapping/>
-  </p:clrMapOvr>
-</p:sld>
-</file>
-
 <file path=ppt/slides/slide14.xml><?xml version="1.0" encoding="utf-8"?>
 <p:sld xmlns:a="http://schemas.openxmlformats.org/drawingml/2006/main" xmlns:r="http://schemas.openxmlformats.org/officeDocument/2006/relationships" xmlns:p="http://schemas.openxmlformats.org/presentationml/2006/main">
   <p:cSld>
@@ -18247,7 +18790,7 @@
           <p:cNvPr id="6" name="Foliennummernplatzhalter 5">
             <a:extLst>
               <a:ext uri="{FF2B5EF4-FFF2-40B4-BE49-F238E27FC236}">
-                <a16:creationId xmlns:a16="http://schemas.microsoft.com/office/drawing/2014/main" id="{954EFB3D-4B1F-6518-EF9E-CB69FF193CAE}"/>
+                <a16:creationId xmlns:a16="http://schemas.microsoft.com/office/drawing/2014/main" id="{BE788CA4-A504-DC1F-41F4-7D22B30DDD69}"/>
               </a:ext>
             </a:extLst>
           </p:cNvPr>
@@ -18267,6 +18810,137 @@
             <a:fld id="{B5CEABB6-07DC-46E8-9B57-56EC44A396E5}" type="slidenum">
               <a:rPr lang="de-DE" noProof="0" smtClean="0"/>
               <a:t>14</a:t>
+            </a:fld>
+            <a:endParaRPr lang="de-DE" noProof="0"/>
+          </a:p>
+        </p:txBody>
+      </p:sp>
+      <p:sp>
+        <p:nvSpPr>
+          <p:cNvPr id="8" name="Titel 2">
+            <a:extLst>
+              <a:ext uri="{FF2B5EF4-FFF2-40B4-BE49-F238E27FC236}">
+                <a16:creationId xmlns:a16="http://schemas.microsoft.com/office/drawing/2014/main" id="{C570B848-DF6D-B96C-5741-468A33877E28}"/>
+              </a:ext>
+            </a:extLst>
+          </p:cNvPr>
+          <p:cNvSpPr>
+            <a:spLocks noGrp="1"/>
+          </p:cNvSpPr>
+          <p:nvPr>
+            <p:ph type="title"/>
+          </p:nvPr>
+        </p:nvSpPr>
+        <p:spPr>
+          <a:xfrm>
+            <a:off x="838200" y="365125"/>
+            <a:ext cx="10515600" cy="1325563"/>
+          </a:xfrm>
+        </p:spPr>
+        <p:txBody>
+          <a:bodyPr/>
+          <a:lstStyle/>
+          <a:p>
+            <a:r>
+              <a:rPr lang="de-DE" sz="1800" dirty="0">
+                <a:effectLst/>
+                <a:latin typeface="Aptos" panose="020B0004020202020204" pitchFamily="34" charset="0"/>
+                <a:ea typeface="Aptos" panose="020B0004020202020204" pitchFamily="34" charset="0"/>
+                <a:cs typeface="Times New Roman" panose="02020603050405020304" pitchFamily="18" charset="0"/>
+              </a:rPr>
+              <a:t>Die Approximation einer Rechteckswelle </a:t>
+            </a:r>
+            <a:r>
+              <a:rPr lang="de-DE" dirty="0"/>
+              <a:t> </a:t>
+            </a:r>
+          </a:p>
+        </p:txBody>
+      </p:sp>
+      <p:pic>
+        <p:nvPicPr>
+          <p:cNvPr id="12" name="Grafik 11">
+            <a:extLst>
+              <a:ext uri="{FF2B5EF4-FFF2-40B4-BE49-F238E27FC236}">
+                <a16:creationId xmlns:a16="http://schemas.microsoft.com/office/drawing/2014/main" id="{A5D2332E-D191-5E47-F6AA-5F95B4A7529E}"/>
+              </a:ext>
+            </a:extLst>
+          </p:cNvPr>
+          <p:cNvPicPr>
+            <a:picLocks noChangeAspect="1"/>
+          </p:cNvPicPr>
+          <p:nvPr/>
+        </p:nvPicPr>
+        <p:blipFill rotWithShape="1">
+          <a:blip r:embed="rId2"/>
+          <a:srcRect/>
+          <a:stretch/>
+        </p:blipFill>
+        <p:spPr>
+          <a:xfrm>
+            <a:off x="423443" y="1590421"/>
+            <a:ext cx="6315916" cy="4866196"/>
+          </a:xfrm>
+          <a:prstGeom prst="rect">
+            <a:avLst/>
+          </a:prstGeom>
+        </p:spPr>
+      </p:pic>
+    </p:spTree>
+    <p:extLst>
+      <p:ext uri="{BB962C8B-B14F-4D97-AF65-F5344CB8AC3E}">
+        <p14:creationId xmlns:p14="http://schemas.microsoft.com/office/powerpoint/2010/main" val="1153299213"/>
+      </p:ext>
+    </p:extLst>
+  </p:cSld>
+  <p:clrMapOvr>
+    <a:masterClrMapping/>
+  </p:clrMapOvr>
+</p:sld>
+</file>
+
+<file path=ppt/slides/slide15.xml><?xml version="1.0" encoding="utf-8"?>
+<p:sld xmlns:a="http://schemas.openxmlformats.org/drawingml/2006/main" xmlns:r="http://schemas.openxmlformats.org/officeDocument/2006/relationships" xmlns:p="http://schemas.openxmlformats.org/presentationml/2006/main">
+  <p:cSld>
+    <p:spTree>
+      <p:nvGrpSpPr>
+        <p:cNvPr id="1" name=""/>
+        <p:cNvGrpSpPr/>
+        <p:nvPr/>
+      </p:nvGrpSpPr>
+      <p:grpSpPr>
+        <a:xfrm>
+          <a:off x="0" y="0"/>
+          <a:ext cx="0" cy="0"/>
+          <a:chOff x="0" y="0"/>
+          <a:chExt cx="0" cy="0"/>
+        </a:xfrm>
+      </p:grpSpPr>
+      <p:sp>
+        <p:nvSpPr>
+          <p:cNvPr id="6" name="Foliennummernplatzhalter 5">
+            <a:extLst>
+              <a:ext uri="{FF2B5EF4-FFF2-40B4-BE49-F238E27FC236}">
+                <a16:creationId xmlns:a16="http://schemas.microsoft.com/office/drawing/2014/main" id="{954EFB3D-4B1F-6518-EF9E-CB69FF193CAE}"/>
+              </a:ext>
+            </a:extLst>
+          </p:cNvPr>
+          <p:cNvSpPr>
+            <a:spLocks noGrp="1"/>
+          </p:cNvSpPr>
+          <p:nvPr>
+            <p:ph type="sldNum" sz="quarter" idx="12"/>
+          </p:nvPr>
+        </p:nvSpPr>
+        <p:spPr/>
+        <p:txBody>
+          <a:bodyPr/>
+          <a:lstStyle/>
+          <a:p>
+            <a:pPr rtl="0"/>
+            <a:fld id="{B5CEABB6-07DC-46E8-9B57-56EC44A396E5}" type="slidenum">
+              <a:rPr lang="de-DE" noProof="0" smtClean="0"/>
+              <a:t>15</a:t>
             </a:fld>
             <a:endParaRPr lang="de-DE" noProof="0"/>
           </a:p>
@@ -18621,7 +19295,7 @@
 </p:sld>
 </file>
 
-<file path=ppt/slides/slide15.xml><?xml version="1.0" encoding="utf-8"?>
+<file path=ppt/slides/slide16.xml><?xml version="1.0" encoding="utf-8"?>
 <p:sld xmlns:a="http://schemas.openxmlformats.org/drawingml/2006/main" xmlns:r="http://schemas.openxmlformats.org/officeDocument/2006/relationships" xmlns:p="http://schemas.openxmlformats.org/presentationml/2006/main">
   <p:cSld>
     <p:spTree>
@@ -18687,7 +19361,7 @@
             <a:pPr rtl="0"/>
             <a:fld id="{B5CEABB6-07DC-46E8-9B57-56EC44A396E5}" type="slidenum">
               <a:rPr lang="de-DE" noProof="0" smtClean="0"/>
-              <a:t>15</a:t>
+              <a:t>16</a:t>
             </a:fld>
             <a:endParaRPr lang="de-DE" noProof="0"/>
           </a:p>
@@ -18980,7 +19654,7 @@
 </p:sld>
 </file>
 
-<file path=ppt/slides/slide16.xml><?xml version="1.0" encoding="utf-8"?>
+<file path=ppt/slides/slide17.xml><?xml version="1.0" encoding="utf-8"?>
 <p:sld xmlns:a="http://schemas.openxmlformats.org/drawingml/2006/main" xmlns:r="http://schemas.openxmlformats.org/officeDocument/2006/relationships" xmlns:p="http://schemas.openxmlformats.org/presentationml/2006/main">
   <p:cSld>
     <p:spTree>
@@ -19127,7 +19801,7 @@
             <a:fld id="{B5CEABB6-07DC-46E8-9B57-56EC44A396E5}" type="slidenum">
               <a:rPr lang="de-DE" smtClean="0"/>
               <a:pPr rtl="0"/>
-              <a:t>16</a:t>
+              <a:t>17</a:t>
             </a:fld>
             <a:endParaRPr lang="de-DE"/>
           </a:p>
@@ -24347,15 +25021,25 @@
             <p:ph type="title"/>
           </p:nvPr>
         </p:nvSpPr>
-        <p:spPr/>
+        <p:spPr>
+          <a:xfrm>
+            <a:off x="1289304" y="892177"/>
+            <a:ext cx="10140696" cy="1325563"/>
+          </a:xfrm>
+        </p:spPr>
         <p:txBody>
           <a:bodyPr/>
           <a:lstStyle/>
           <a:p>
             <a:r>
               <a:rPr lang="de-DE" dirty="0"/>
-              <a:t>Zufällige Phasenverschiebung </a:t>
-            </a:r>
+              <a:t>Phasenverschiebung der drei Einzeltöne mit einer </a:t>
+            </a:r>
+            <a:r>
+              <a:rPr lang="de-DE" dirty="0" err="1"/>
+              <a:t>zufallsfunktion</a:t>
+            </a:r>
+            <a:endParaRPr lang="de-DE" dirty="0"/>
           </a:p>
         </p:txBody>
       </p:sp>
@@ -24411,14 +25095,389 @@
         </p:blipFill>
         <p:spPr>
           <a:xfrm>
-            <a:off x="626023" y="2045035"/>
-            <a:ext cx="5910753" cy="1494673"/>
+            <a:off x="1430695" y="2036611"/>
+            <a:ext cx="8828873" cy="2232588"/>
           </a:xfrm>
           <a:prstGeom prst="rect">
             <a:avLst/>
           </a:prstGeom>
         </p:spPr>
       </p:pic>
+      <p:sp>
+        <p:nvSpPr>
+          <p:cNvPr id="3" name="Textfeld 2">
+            <a:extLst>
+              <a:ext uri="{FF2B5EF4-FFF2-40B4-BE49-F238E27FC236}">
+                <a16:creationId xmlns:a16="http://schemas.microsoft.com/office/drawing/2014/main" id="{76907542-5B21-DDE3-B1BD-4D8A8B936B8B}"/>
+              </a:ext>
+            </a:extLst>
+          </p:cNvPr>
+          <p:cNvSpPr txBox="1"/>
+          <p:nvPr/>
+        </p:nvSpPr>
+        <p:spPr>
+          <a:xfrm>
+            <a:off x="6693408" y="4523889"/>
+            <a:ext cx="4736592" cy="1938992"/>
+          </a:xfrm>
+          <a:prstGeom prst="rect">
+            <a:avLst/>
+          </a:prstGeom>
+          <a:noFill/>
+        </p:spPr>
+        <p:txBody>
+          <a:bodyPr wrap="square" rtlCol="0">
+            <a:spAutoFit/>
+          </a:bodyPr>
+          <a:lstStyle/>
+          <a:p>
+            <a:pPr marL="285750" indent="-285750">
+              <a:buFont typeface="Arial" panose="020B0604020202020204" pitchFamily="34" charset="0"/>
+              <a:buChar char="•"/>
+            </a:pPr>
+            <a:r>
+              <a:rPr lang="de-DE" sz="2000" dirty="0"/>
+              <a:t>Generieren drei zufälliger Phasenverschiebungen von 0 bis 2π</a:t>
+            </a:r>
+          </a:p>
+          <a:p>
+            <a:pPr marL="285750" indent="-285750">
+              <a:buFont typeface="Arial" panose="020B0604020202020204" pitchFamily="34" charset="0"/>
+              <a:buChar char="•"/>
+            </a:pPr>
+            <a:r>
+              <a:rPr lang="de-DE" sz="2000" dirty="0"/>
+              <a:t>Addition der Phasenverschiebung zu Zeit</a:t>
+            </a:r>
+          </a:p>
+          <a:p>
+            <a:pPr marL="285750" indent="-285750">
+              <a:buFont typeface="Arial" panose="020B0604020202020204" pitchFamily="34" charset="0"/>
+              <a:buChar char="•"/>
+            </a:pPr>
+            <a:r>
+              <a:rPr lang="de-DE" sz="2000" dirty="0"/>
+              <a:t>Linksverschiebung der Sinuswelle</a:t>
+            </a:r>
+          </a:p>
+          <a:p>
+            <a:pPr marL="285750" indent="-285750">
+              <a:buFont typeface="Arial" panose="020B0604020202020204" pitchFamily="34" charset="0"/>
+              <a:buChar char="•"/>
+            </a:pPr>
+            <a:endParaRPr lang="en-US" sz="2000" dirty="0"/>
+          </a:p>
+        </p:txBody>
+      </p:sp>
+      <mc:AlternateContent xmlns:mc="http://schemas.openxmlformats.org/markup-compatibility/2006">
+        <mc:Choice xmlns:a14="http://schemas.microsoft.com/office/drawing/2010/main" Requires="a14">
+          <p:sp>
+            <p:nvSpPr>
+              <p:cNvPr id="4" name="Textfeld 3">
+                <a:extLst>
+                  <a:ext uri="{FF2B5EF4-FFF2-40B4-BE49-F238E27FC236}">
+                    <a16:creationId xmlns:a16="http://schemas.microsoft.com/office/drawing/2014/main" id="{98572317-6841-2F6C-5D13-5E1642D40B57}"/>
+                  </a:ext>
+                </a:extLst>
+              </p:cNvPr>
+              <p:cNvSpPr txBox="1"/>
+              <p:nvPr/>
+            </p:nvSpPr>
+            <p:spPr>
+              <a:xfrm>
+                <a:off x="155448" y="5135018"/>
+                <a:ext cx="4901184" cy="716735"/>
+              </a:xfrm>
+              <a:prstGeom prst="rect">
+                <a:avLst/>
+              </a:prstGeom>
+              <a:noFill/>
+            </p:spPr>
+            <p:txBody>
+              <a:bodyPr wrap="square" rtlCol="0">
+                <a:spAutoFit/>
+              </a:bodyPr>
+              <a:lstStyle/>
+              <a:p>
+                <a14:m>
+                  <m:oMathPara xmlns:m="http://schemas.openxmlformats.org/officeDocument/2006/math">
+                    <m:oMathParaPr>
+                      <m:jc m:val="centerGroup"/>
+                    </m:oMathParaPr>
+                    <m:oMath xmlns:m="http://schemas.openxmlformats.org/officeDocument/2006/math">
+                      <m:r>
+                        <a:rPr lang="de-DE" sz="2000" i="1" kern="100" smtClean="0">
+                          <a:effectLst/>
+                          <a:latin typeface="Cambria Math" panose="02040503050406030204" pitchFamily="18" charset="0"/>
+                          <a:ea typeface="Times New Roman" panose="02020603050405020304" pitchFamily="18" charset="0"/>
+                          <a:cs typeface="Times New Roman" panose="02020603050405020304" pitchFamily="18" charset="0"/>
+                        </a:rPr>
+                        <m:t>𝑦</m:t>
+                      </m:r>
+                      <m:d>
+                        <m:dPr>
+                          <m:ctrlPr>
+                            <a:rPr lang="en-US" sz="2000" i="1" kern="100">
+                              <a:effectLst/>
+                              <a:latin typeface="Cambria Math" panose="02040503050406030204" pitchFamily="18" charset="0"/>
+                              <a:ea typeface="Times New Roman" panose="02020603050405020304" pitchFamily="18" charset="0"/>
+                              <a:cs typeface="Times New Roman" panose="02020603050405020304" pitchFamily="18" charset="0"/>
+                            </a:rPr>
+                          </m:ctrlPr>
+                        </m:dPr>
+                        <m:e>
+                          <m:r>
+                            <a:rPr lang="de-DE" sz="2000" i="1" kern="100">
+                              <a:effectLst/>
+                              <a:latin typeface="Cambria Math" panose="02040503050406030204" pitchFamily="18" charset="0"/>
+                              <a:ea typeface="Times New Roman" panose="02020603050405020304" pitchFamily="18" charset="0"/>
+                              <a:cs typeface="Times New Roman" panose="02020603050405020304" pitchFamily="18" charset="0"/>
+                            </a:rPr>
+                            <m:t>𝑡</m:t>
+                          </m:r>
+                        </m:e>
+                      </m:d>
+                      <m:r>
+                        <a:rPr lang="de-DE" sz="2000" i="1" kern="100">
+                          <a:effectLst/>
+                          <a:latin typeface="Cambria Math" panose="02040503050406030204" pitchFamily="18" charset="0"/>
+                          <a:ea typeface="Times New Roman" panose="02020603050405020304" pitchFamily="18" charset="0"/>
+                          <a:cs typeface="Times New Roman" panose="02020603050405020304" pitchFamily="18" charset="0"/>
+                        </a:rPr>
+                        <m:t>=</m:t>
+                      </m:r>
+                      <m:r>
+                        <a:rPr lang="de-DE" sz="2000" i="1" kern="100">
+                          <a:effectLst/>
+                          <a:latin typeface="Cambria Math" panose="02040503050406030204" pitchFamily="18" charset="0"/>
+                          <a:ea typeface="Times New Roman" panose="02020603050405020304" pitchFamily="18" charset="0"/>
+                          <a:cs typeface="Times New Roman" panose="02020603050405020304" pitchFamily="18" charset="0"/>
+                        </a:rPr>
+                        <m:t>𝑎</m:t>
+                      </m:r>
+                      <m:r>
+                        <a:rPr lang="de-DE" sz="2000" i="1" kern="100">
+                          <a:effectLst/>
+                          <a:latin typeface="Cambria Math" panose="02040503050406030204" pitchFamily="18" charset="0"/>
+                          <a:ea typeface="Times New Roman" panose="02020603050405020304" pitchFamily="18" charset="0"/>
+                          <a:cs typeface="Times New Roman" panose="02020603050405020304" pitchFamily="18" charset="0"/>
+                        </a:rPr>
+                        <m:t>∗</m:t>
+                      </m:r>
+                      <m:func>
+                        <m:funcPr>
+                          <m:ctrlPr>
+                            <a:rPr lang="en-US" sz="2000" i="1" kern="100">
+                              <a:effectLst/>
+                              <a:latin typeface="Cambria Math" panose="02040503050406030204" pitchFamily="18" charset="0"/>
+                              <a:ea typeface="Times New Roman" panose="02020603050405020304" pitchFamily="18" charset="0"/>
+                              <a:cs typeface="Times New Roman" panose="02020603050405020304" pitchFamily="18" charset="0"/>
+                            </a:rPr>
+                          </m:ctrlPr>
+                        </m:funcPr>
+                        <m:fName>
+                          <m:r>
+                            <m:rPr>
+                              <m:sty m:val="p"/>
+                            </m:rPr>
+                            <a:rPr lang="de-DE" sz="2000" kern="100">
+                              <a:effectLst/>
+                              <a:latin typeface="Cambria Math" panose="02040503050406030204" pitchFamily="18" charset="0"/>
+                              <a:ea typeface="Times New Roman" panose="02020603050405020304" pitchFamily="18" charset="0"/>
+                              <a:cs typeface="Times New Roman" panose="02020603050405020304" pitchFamily="18" charset="0"/>
+                            </a:rPr>
+                            <m:t>sin</m:t>
+                          </m:r>
+                        </m:fName>
+                        <m:e>
+                          <m:d>
+                            <m:dPr>
+                              <m:ctrlPr>
+                                <a:rPr lang="en-US" sz="2000" i="1" kern="100">
+                                  <a:effectLst/>
+                                  <a:latin typeface="Cambria Math" panose="02040503050406030204" pitchFamily="18" charset="0"/>
+                                  <a:ea typeface="Times New Roman" panose="02020603050405020304" pitchFamily="18" charset="0"/>
+                                  <a:cs typeface="Times New Roman" panose="02020603050405020304" pitchFamily="18" charset="0"/>
+                                </a:rPr>
+                              </m:ctrlPr>
+                            </m:dPr>
+                            <m:e>
+                              <m:r>
+                                <a:rPr lang="de-DE" sz="2000" i="1" kern="100">
+                                  <a:effectLst/>
+                                  <a:latin typeface="Cambria Math" panose="02040503050406030204" pitchFamily="18" charset="0"/>
+                                  <a:ea typeface="Times New Roman" panose="02020603050405020304" pitchFamily="18" charset="0"/>
+                                  <a:cs typeface="Times New Roman" panose="02020603050405020304" pitchFamily="18" charset="0"/>
+                                </a:rPr>
+                                <m:t>2∗</m:t>
+                              </m:r>
+                              <m:r>
+                                <a:rPr lang="de-DE" sz="2000" i="1" kern="100">
+                                  <a:effectLst/>
+                                  <a:latin typeface="Cambria Math" panose="02040503050406030204" pitchFamily="18" charset="0"/>
+                                  <a:ea typeface="Times New Roman" panose="02020603050405020304" pitchFamily="18" charset="0"/>
+                                  <a:cs typeface="Times New Roman" panose="02020603050405020304" pitchFamily="18" charset="0"/>
+                                </a:rPr>
+                                <m:t>𝜋</m:t>
+                              </m:r>
+                              <m:r>
+                                <a:rPr lang="de-DE" sz="2000" i="1" kern="100">
+                                  <a:effectLst/>
+                                  <a:latin typeface="Cambria Math" panose="02040503050406030204" pitchFamily="18" charset="0"/>
+                                  <a:ea typeface="Times New Roman" panose="02020603050405020304" pitchFamily="18" charset="0"/>
+                                  <a:cs typeface="Times New Roman" panose="02020603050405020304" pitchFamily="18" charset="0"/>
+                                </a:rPr>
+                                <m:t>∗</m:t>
+                              </m:r>
+                              <m:r>
+                                <a:rPr lang="de-DE" sz="2000" i="1" kern="100">
+                                  <a:effectLst/>
+                                  <a:latin typeface="Cambria Math" panose="02040503050406030204" pitchFamily="18" charset="0"/>
+                                  <a:ea typeface="Times New Roman" panose="02020603050405020304" pitchFamily="18" charset="0"/>
+                                  <a:cs typeface="Times New Roman" panose="02020603050405020304" pitchFamily="18" charset="0"/>
+                                </a:rPr>
+                                <m:t>𝑘</m:t>
+                              </m:r>
+                              <m:r>
+                                <a:rPr lang="de-DE" sz="2000" i="1" kern="100">
+                                  <a:effectLst/>
+                                  <a:latin typeface="Cambria Math" panose="02040503050406030204" pitchFamily="18" charset="0"/>
+                                  <a:ea typeface="Times New Roman" panose="02020603050405020304" pitchFamily="18" charset="0"/>
+                                  <a:cs typeface="Times New Roman" panose="02020603050405020304" pitchFamily="18" charset="0"/>
+                                </a:rPr>
+                                <m:t>∗</m:t>
+                              </m:r>
+                              <m:sSub>
+                                <m:sSubPr>
+                                  <m:ctrlPr>
+                                    <a:rPr lang="en-US" sz="2000" i="1" kern="100">
+                                      <a:effectLst/>
+                                      <a:latin typeface="Cambria Math" panose="02040503050406030204" pitchFamily="18" charset="0"/>
+                                      <a:ea typeface="Times New Roman" panose="02020603050405020304" pitchFamily="18" charset="0"/>
+                                      <a:cs typeface="Times New Roman" panose="02020603050405020304" pitchFamily="18" charset="0"/>
+                                    </a:rPr>
+                                  </m:ctrlPr>
+                                </m:sSubPr>
+                                <m:e>
+                                  <m:r>
+                                    <a:rPr lang="de-DE" sz="2000" i="1" kern="100">
+                                      <a:effectLst/>
+                                      <a:latin typeface="Cambria Math" panose="02040503050406030204" pitchFamily="18" charset="0"/>
+                                      <a:ea typeface="Times New Roman" panose="02020603050405020304" pitchFamily="18" charset="0"/>
+                                      <a:cs typeface="Times New Roman" panose="02020603050405020304" pitchFamily="18" charset="0"/>
+                                    </a:rPr>
+                                    <m:t>𝑓</m:t>
+                                  </m:r>
+                                </m:e>
+                                <m:sub>
+                                  <m:r>
+                                    <a:rPr lang="de-DE" sz="2000" i="1" kern="100">
+                                      <a:effectLst/>
+                                      <a:latin typeface="Cambria Math" panose="02040503050406030204" pitchFamily="18" charset="0"/>
+                                      <a:ea typeface="Times New Roman" panose="02020603050405020304" pitchFamily="18" charset="0"/>
+                                      <a:cs typeface="Times New Roman" panose="02020603050405020304" pitchFamily="18" charset="0"/>
+                                    </a:rPr>
+                                    <m:t>0</m:t>
+                                  </m:r>
+                                </m:sub>
+                              </m:sSub>
+                              <m:d>
+                                <m:dPr>
+                                  <m:ctrlPr>
+                                    <a:rPr lang="en-US" sz="2000" i="1" kern="100">
+                                      <a:effectLst/>
+                                      <a:latin typeface="Cambria Math" panose="02040503050406030204" pitchFamily="18" charset="0"/>
+                                      <a:ea typeface="Times New Roman" panose="02020603050405020304" pitchFamily="18" charset="0"/>
+                                      <a:cs typeface="Times New Roman" panose="02020603050405020304" pitchFamily="18" charset="0"/>
+                                    </a:rPr>
+                                  </m:ctrlPr>
+                                </m:dPr>
+                                <m:e>
+                                  <m:r>
+                                    <a:rPr lang="de-DE" sz="2000" i="1" kern="100">
+                                      <a:effectLst/>
+                                      <a:latin typeface="Cambria Math" panose="02040503050406030204" pitchFamily="18" charset="0"/>
+                                      <a:ea typeface="Times New Roman" panose="02020603050405020304" pitchFamily="18" charset="0"/>
+                                      <a:cs typeface="Times New Roman" panose="02020603050405020304" pitchFamily="18" charset="0"/>
+                                    </a:rPr>
+                                    <m:t>𝑡</m:t>
+                                  </m:r>
+                                  <m:r>
+                                    <a:rPr lang="de-DE" sz="2000" i="1" kern="100">
+                                      <a:effectLst/>
+                                      <a:latin typeface="Cambria Math" panose="02040503050406030204" pitchFamily="18" charset="0"/>
+                                      <a:ea typeface="Times New Roman" panose="02020603050405020304" pitchFamily="18" charset="0"/>
+                                      <a:cs typeface="Times New Roman" panose="02020603050405020304" pitchFamily="18" charset="0"/>
+                                    </a:rPr>
+                                    <m:t>+∅</m:t>
+                                  </m:r>
+                                </m:e>
+                              </m:d>
+                            </m:e>
+                          </m:d>
+                        </m:e>
+                      </m:func>
+                    </m:oMath>
+                  </m:oMathPara>
+                </a14:m>
+                <a:endParaRPr lang="en-US" sz="1800" kern="100" dirty="0">
+                  <a:effectLst/>
+                  <a:latin typeface="Aptos" panose="020B0004020202020204" pitchFamily="34" charset="0"/>
+                  <a:ea typeface="Aptos" panose="020B0004020202020204" pitchFamily="34" charset="0"/>
+                  <a:cs typeface="Times New Roman" panose="02020603050405020304" pitchFamily="18" charset="0"/>
+                </a:endParaRPr>
+              </a:p>
+              <a:p>
+                <a:endParaRPr lang="en-US" dirty="0"/>
+              </a:p>
+            </p:txBody>
+          </p:sp>
+        </mc:Choice>
+        <mc:Fallback>
+          <p:sp>
+            <p:nvSpPr>
+              <p:cNvPr id="4" name="Textfeld 3">
+                <a:extLst>
+                  <a:ext uri="{FF2B5EF4-FFF2-40B4-BE49-F238E27FC236}">
+                    <a16:creationId xmlns:a16="http://schemas.microsoft.com/office/drawing/2014/main" id="{98572317-6841-2F6C-5D13-5E1642D40B57}"/>
+                  </a:ext>
+                </a:extLst>
+              </p:cNvPr>
+              <p:cNvSpPr txBox="1">
+                <a:spLocks noRot="1" noChangeAspect="1" noMove="1" noResize="1" noEditPoints="1" noAdjustHandles="1" noChangeArrowheads="1" noChangeShapeType="1" noTextEdit="1"/>
+              </p:cNvSpPr>
+              <p:nvPr/>
+            </p:nvSpPr>
+            <p:spPr>
+              <a:xfrm>
+                <a:off x="155448" y="5135018"/>
+                <a:ext cx="4901184" cy="716735"/>
+              </a:xfrm>
+              <a:prstGeom prst="rect">
+                <a:avLst/>
+              </a:prstGeom>
+              <a:blipFill>
+                <a:blip r:embed="rId3"/>
+                <a:stretch>
+                  <a:fillRect/>
+                </a:stretch>
+              </a:blipFill>
+            </p:spPr>
+            <p:txBody>
+              <a:bodyPr/>
+              <a:lstStyle/>
+              <a:p>
+                <a:r>
+                  <a:rPr lang="en-US">
+                    <a:noFill/>
+                  </a:rPr>
+                  <a:t> </a:t>
+                </a:r>
+              </a:p>
+            </p:txBody>
+          </p:sp>
+        </mc:Fallback>
+      </mc:AlternateContent>
     </p:spTree>
     <p:extLst>
       <p:ext uri="{BB962C8B-B14F-4D97-AF65-F5344CB8AC3E}">

--- a/Digitale Sprachverarbeitung.pptx
+++ b/Digitale Sprachverarbeitung.pptx
@@ -17917,8 +17917,8 @@
           </a:p>
         </p:txBody>
       </p:sp>
-      <mc:AlternateContent xmlns:mc="http://schemas.openxmlformats.org/markup-compatibility/2006">
-        <mc:Choice xmlns:a14="http://schemas.microsoft.com/office/drawing/2010/main" Requires="a14">
+      <mc:AlternateContent xmlns:mc="http://schemas.openxmlformats.org/markup-compatibility/2006" xmlns:a14="http://schemas.microsoft.com/office/drawing/2010/main">
+        <mc:Choice Requires="a14">
           <p:sp>
             <p:nvSpPr>
               <p:cNvPr id="5" name="Textfeld 4">
@@ -17947,6 +17947,7 @@
               </a:bodyPr>
               <a:lstStyle/>
               <a:p>
+                <a:pPr/>
                 <a14:m>
                   <m:oMathPara xmlns:m="http://schemas.openxmlformats.org/officeDocument/2006/math">
                     <m:oMathParaPr>
@@ -17958,6 +17959,7 @@
                           <m:ctrlPr>
                             <a:rPr lang="en-US" sz="2400" i="1" smtClean="0">
                               <a:effectLst/>
+                              <a:latin typeface="Cambria Math" panose="02040503050406030204" pitchFamily="18" charset="0"/>
                             </a:rPr>
                           </m:ctrlPr>
                         </m:sSubPr>
@@ -17965,6 +17967,7 @@
                           <m:r>
                             <a:rPr lang="de-DE" sz="2400" i="1">
                               <a:effectLst/>
+                              <a:latin typeface="Cambria Math" panose="02040503050406030204" pitchFamily="18" charset="0"/>
                               <a:ea typeface="Aptos" panose="020B0004020202020204" pitchFamily="34" charset="0"/>
                               <a:cs typeface="Times New Roman" panose="02020603050405020304" pitchFamily="18" charset="0"/>
                             </a:rPr>
@@ -17975,6 +17978,7 @@
                           <m:r>
                             <a:rPr lang="de-DE" sz="2400" i="1">
                               <a:effectLst/>
+                              <a:latin typeface="Cambria Math" panose="02040503050406030204" pitchFamily="18" charset="0"/>
                               <a:ea typeface="Aptos" panose="020B0004020202020204" pitchFamily="34" charset="0"/>
                               <a:cs typeface="Times New Roman" panose="02020603050405020304" pitchFamily="18" charset="0"/>
                             </a:rPr>
@@ -17987,6 +17991,7 @@
                           <m:ctrlPr>
                             <a:rPr lang="en-US" sz="2400" i="1">
                               <a:effectLst/>
+                              <a:latin typeface="Cambria Math" panose="02040503050406030204" pitchFamily="18" charset="0"/>
                             </a:rPr>
                           </m:ctrlPr>
                         </m:dPr>
@@ -17994,6 +17999,7 @@
                           <m:r>
                             <a:rPr lang="de-DE" sz="2400" i="1">
                               <a:effectLst/>
+                              <a:latin typeface="Cambria Math" panose="02040503050406030204" pitchFamily="18" charset="0"/>
                               <a:ea typeface="Aptos" panose="020B0004020202020204" pitchFamily="34" charset="0"/>
                               <a:cs typeface="Times New Roman" panose="02020603050405020304" pitchFamily="18" charset="0"/>
                             </a:rPr>
@@ -18004,6 +18010,7 @@
                       <m:r>
                         <a:rPr lang="de-DE" sz="2400" i="1">
                           <a:effectLst/>
+                          <a:latin typeface="Cambria Math" panose="02040503050406030204" pitchFamily="18" charset="0"/>
                           <a:ea typeface="Aptos" panose="020B0004020202020204" pitchFamily="34" charset="0"/>
                           <a:cs typeface="Times New Roman" panose="02020603050405020304" pitchFamily="18" charset="0"/>
                         </a:rPr>
@@ -18012,6 +18019,7 @@
                       <m:r>
                         <a:rPr lang="de-DE" sz="2400" i="1">
                           <a:effectLst/>
+                          <a:latin typeface="Cambria Math" panose="02040503050406030204" pitchFamily="18" charset="0"/>
                           <a:ea typeface="Aptos" panose="020B0004020202020204" pitchFamily="34" charset="0"/>
                           <a:cs typeface="Times New Roman" panose="02020603050405020304" pitchFamily="18" charset="0"/>
                         </a:rPr>
@@ -18022,6 +18030,7 @@
                           <m:ctrlPr>
                             <a:rPr lang="en-US" sz="2400" i="1">
                               <a:effectLst/>
+                              <a:latin typeface="Cambria Math" panose="02040503050406030204" pitchFamily="18" charset="0"/>
                             </a:rPr>
                           </m:ctrlPr>
                         </m:dPr>
@@ -18029,6 +18038,7 @@
                           <m:r>
                             <a:rPr lang="de-DE" sz="2400" i="1">
                               <a:effectLst/>
+                              <a:latin typeface="Cambria Math" panose="02040503050406030204" pitchFamily="18" charset="0"/>
                               <a:ea typeface="Aptos" panose="020B0004020202020204" pitchFamily="34" charset="0"/>
                               <a:cs typeface="Times New Roman" panose="02020603050405020304" pitchFamily="18" charset="0"/>
                             </a:rPr>
@@ -18039,6 +18049,7 @@
                       <m:r>
                         <a:rPr lang="de-DE" sz="2400" i="1">
                           <a:effectLst/>
+                          <a:latin typeface="Cambria Math" panose="02040503050406030204" pitchFamily="18" charset="0"/>
                           <a:ea typeface="Aptos" panose="020B0004020202020204" pitchFamily="34" charset="0"/>
                           <a:cs typeface="Times New Roman" panose="02020603050405020304" pitchFamily="18" charset="0"/>
                         </a:rPr>
@@ -18047,6 +18058,7 @@
                       <m:r>
                         <a:rPr lang="de-DE" sz="2400" i="1">
                           <a:effectLst/>
+                          <a:latin typeface="Cambria Math" panose="02040503050406030204" pitchFamily="18" charset="0"/>
                           <a:ea typeface="Aptos" panose="020B0004020202020204" pitchFamily="34" charset="0"/>
                           <a:cs typeface="Times New Roman" panose="02020603050405020304" pitchFamily="18" charset="0"/>
                         </a:rPr>
@@ -18055,6 +18067,7 @@
                       <m:r>
                         <a:rPr lang="de-DE" sz="2400" i="1">
                           <a:effectLst/>
+                          <a:latin typeface="Cambria Math" panose="02040503050406030204" pitchFamily="18" charset="0"/>
                           <a:ea typeface="Aptos" panose="020B0004020202020204" pitchFamily="34" charset="0"/>
                           <a:cs typeface="Times New Roman" panose="02020603050405020304" pitchFamily="18" charset="0"/>
                         </a:rPr>
@@ -18063,6 +18076,7 @@
                       <m:r>
                         <a:rPr lang="de-DE" sz="2400" i="1">
                           <a:effectLst/>
+                          <a:latin typeface="Cambria Math" panose="02040503050406030204" pitchFamily="18" charset="0"/>
                           <a:ea typeface="Aptos" panose="020B0004020202020204" pitchFamily="34" charset="0"/>
                           <a:cs typeface="Times New Roman" panose="02020603050405020304" pitchFamily="18" charset="0"/>
                         </a:rPr>
@@ -18071,6 +18085,7 @@
                       <m:r>
                         <a:rPr lang="de-DE" sz="2400" i="1">
                           <a:effectLst/>
+                          <a:latin typeface="Cambria Math" panose="02040503050406030204" pitchFamily="18" charset="0"/>
                           <a:ea typeface="Aptos" panose="020B0004020202020204" pitchFamily="34" charset="0"/>
                           <a:cs typeface="Times New Roman" panose="02020603050405020304" pitchFamily="18" charset="0"/>
                         </a:rPr>
@@ -18079,6 +18094,7 @@
                       <m:r>
                         <a:rPr lang="de-DE" sz="2400" i="1">
                           <a:effectLst/>
+                          <a:latin typeface="Cambria Math" panose="02040503050406030204" pitchFamily="18" charset="0"/>
                           <a:ea typeface="Aptos" panose="020B0004020202020204" pitchFamily="34" charset="0"/>
                           <a:cs typeface="Times New Roman" panose="02020603050405020304" pitchFamily="18" charset="0"/>
                         </a:rPr>
@@ -18087,6 +18103,7 @@
                       <m:r>
                         <a:rPr lang="de-DE" sz="2400" i="1">
                           <a:effectLst/>
+                          <a:latin typeface="Cambria Math" panose="02040503050406030204" pitchFamily="18" charset="0"/>
                           <a:ea typeface="Aptos" panose="020B0004020202020204" pitchFamily="34" charset="0"/>
                           <a:cs typeface="Times New Roman" panose="02020603050405020304" pitchFamily="18" charset="0"/>
                         </a:rPr>
@@ -18101,6 +18118,7 @@
                 <a:endParaRPr lang="en-US" sz="2400" dirty="0"/>
               </a:p>
               <a:p>
+                <a:pPr/>
                 <a14:m>
                   <m:oMathPara xmlns:m="http://schemas.openxmlformats.org/officeDocument/2006/math">
                     <m:oMathParaPr>
@@ -18112,6 +18130,7 @@
                           <m:ctrlPr>
                             <a:rPr lang="en-US" sz="2400" i="1" kern="100" smtClean="0">
                               <a:effectLst/>
+                              <a:latin typeface="Cambria Math" panose="02040503050406030204" pitchFamily="18" charset="0"/>
                               <a:ea typeface="Times New Roman" panose="02020603050405020304" pitchFamily="18" charset="0"/>
                               <a:cs typeface="Times New Roman" panose="02020603050405020304" pitchFamily="18" charset="0"/>
                             </a:rPr>
@@ -18121,6 +18140,7 @@
                           <m:r>
                             <a:rPr lang="de-DE" sz="2400" i="1" kern="100">
                               <a:effectLst/>
+                              <a:latin typeface="Cambria Math" panose="02040503050406030204" pitchFamily="18" charset="0"/>
                               <a:ea typeface="Times New Roman" panose="02020603050405020304" pitchFamily="18" charset="0"/>
                               <a:cs typeface="Times New Roman" panose="02020603050405020304" pitchFamily="18" charset="0"/>
                             </a:rPr>
@@ -18131,6 +18151,7 @@
                           <m:r>
                             <a:rPr lang="de-DE" sz="2400" i="1" kern="100">
                               <a:effectLst/>
+                              <a:latin typeface="Cambria Math" panose="02040503050406030204" pitchFamily="18" charset="0"/>
                               <a:ea typeface="Times New Roman" panose="02020603050405020304" pitchFamily="18" charset="0"/>
                               <a:cs typeface="Times New Roman" panose="02020603050405020304" pitchFamily="18" charset="0"/>
                             </a:rPr>
@@ -18143,6 +18164,7 @@
                           <m:ctrlPr>
                             <a:rPr lang="en-US" sz="2400" i="1" kern="100">
                               <a:effectLst/>
+                              <a:latin typeface="Cambria Math" panose="02040503050406030204" pitchFamily="18" charset="0"/>
                               <a:ea typeface="Times New Roman" panose="02020603050405020304" pitchFamily="18" charset="0"/>
                               <a:cs typeface="Times New Roman" panose="02020603050405020304" pitchFamily="18" charset="0"/>
                             </a:rPr>
@@ -18152,6 +18174,7 @@
                           <m:r>
                             <a:rPr lang="de-DE" sz="2400" i="1" kern="100">
                               <a:effectLst/>
+                              <a:latin typeface="Cambria Math" panose="02040503050406030204" pitchFamily="18" charset="0"/>
                               <a:ea typeface="Times New Roman" panose="02020603050405020304" pitchFamily="18" charset="0"/>
                               <a:cs typeface="Times New Roman" panose="02020603050405020304" pitchFamily="18" charset="0"/>
                             </a:rPr>
@@ -18162,6 +18185,7 @@
                       <m:r>
                         <a:rPr lang="de-DE" sz="2400" i="1" kern="100">
                           <a:effectLst/>
+                          <a:latin typeface="Cambria Math" panose="02040503050406030204" pitchFamily="18" charset="0"/>
                           <a:ea typeface="Times New Roman" panose="02020603050405020304" pitchFamily="18" charset="0"/>
                           <a:cs typeface="Times New Roman" panose="02020603050405020304" pitchFamily="18" charset="0"/>
                         </a:rPr>
@@ -18170,6 +18194,7 @@
                       <m:r>
                         <a:rPr lang="de-DE" sz="2400" i="1" kern="100">
                           <a:effectLst/>
+                          <a:latin typeface="Cambria Math" panose="02040503050406030204" pitchFamily="18" charset="0"/>
                           <a:ea typeface="Times New Roman" panose="02020603050405020304" pitchFamily="18" charset="0"/>
                           <a:cs typeface="Times New Roman" panose="02020603050405020304" pitchFamily="18" charset="0"/>
                         </a:rPr>
@@ -18180,6 +18205,7 @@
                           <m:ctrlPr>
                             <a:rPr lang="en-US" sz="2400" i="1" kern="100">
                               <a:effectLst/>
+                              <a:latin typeface="Cambria Math" panose="02040503050406030204" pitchFamily="18" charset="0"/>
                               <a:ea typeface="Times New Roman" panose="02020603050405020304" pitchFamily="18" charset="0"/>
                               <a:cs typeface="Times New Roman" panose="02020603050405020304" pitchFamily="18" charset="0"/>
                             </a:rPr>
@@ -18189,6 +18215,7 @@
                           <m:r>
                             <a:rPr lang="de-DE" sz="2400" i="1" kern="100">
                               <a:effectLst/>
+                              <a:latin typeface="Cambria Math" panose="02040503050406030204" pitchFamily="18" charset="0"/>
                               <a:ea typeface="Times New Roman" panose="02020603050405020304" pitchFamily="18" charset="0"/>
                               <a:cs typeface="Times New Roman" panose="02020603050405020304" pitchFamily="18" charset="0"/>
                             </a:rPr>
@@ -18199,6 +18226,7 @@
                       <m:r>
                         <a:rPr lang="de-DE" sz="2400" i="1" kern="100">
                           <a:effectLst/>
+                          <a:latin typeface="Cambria Math" panose="02040503050406030204" pitchFamily="18" charset="0"/>
                           <a:ea typeface="Times New Roman" panose="02020603050405020304" pitchFamily="18" charset="0"/>
                           <a:cs typeface="Times New Roman" panose="02020603050405020304" pitchFamily="18" charset="0"/>
                         </a:rPr>
@@ -18207,6 +18235,7 @@
                       <m:r>
                         <a:rPr lang="de-DE" sz="2400" i="1" kern="100">
                           <a:effectLst/>
+                          <a:latin typeface="Cambria Math" panose="02040503050406030204" pitchFamily="18" charset="0"/>
                           <a:ea typeface="Times New Roman" panose="02020603050405020304" pitchFamily="18" charset="0"/>
                           <a:cs typeface="Times New Roman" panose="02020603050405020304" pitchFamily="18" charset="0"/>
                         </a:rPr>
@@ -18217,6 +18246,7 @@
                           <m:ctrlPr>
                             <a:rPr lang="en-US" sz="2400" i="1" kern="100">
                               <a:effectLst/>
+                              <a:latin typeface="Cambria Math" panose="02040503050406030204" pitchFamily="18" charset="0"/>
                               <a:ea typeface="Times New Roman" panose="02020603050405020304" pitchFamily="18" charset="0"/>
                               <a:cs typeface="Times New Roman" panose="02020603050405020304" pitchFamily="18" charset="0"/>
                             </a:rPr>
@@ -18226,6 +18256,7 @@
                           <m:r>
                             <a:rPr lang="de-DE" sz="2400" i="1" kern="100">
                               <a:effectLst/>
+                              <a:latin typeface="Cambria Math" panose="02040503050406030204" pitchFamily="18" charset="0"/>
                               <a:ea typeface="Times New Roman" panose="02020603050405020304" pitchFamily="18" charset="0"/>
                               <a:cs typeface="Times New Roman" panose="02020603050405020304" pitchFamily="18" charset="0"/>
                             </a:rPr>
@@ -18236,6 +18267,7 @@
                       <m:r>
                         <a:rPr lang="de-DE" sz="2400" i="1" kern="100">
                           <a:effectLst/>
+                          <a:latin typeface="Cambria Math" panose="02040503050406030204" pitchFamily="18" charset="0"/>
                           <a:ea typeface="Times New Roman" panose="02020603050405020304" pitchFamily="18" charset="0"/>
                           <a:cs typeface="Times New Roman" panose="02020603050405020304" pitchFamily="18" charset="0"/>
                         </a:rPr>
@@ -18256,7 +18288,7 @@
             </p:txBody>
           </p:sp>
         </mc:Choice>
-        <mc:Fallback>
+        <mc:Fallback xmlns="">
           <p:sp>
             <p:nvSpPr>
               <p:cNvPr id="5" name="Textfeld 4">
@@ -25199,6 +25231,7 @@
               </a:bodyPr>
               <a:lstStyle/>
               <a:p>
+                <a:pPr/>
                 <a14:m>
                   <m:oMathPara xmlns:m="http://schemas.openxmlformats.org/officeDocument/2006/math">
                     <m:oMathParaPr>
@@ -26302,15 +26335,6 @@
 </file>
 
 <file path=customXml/item2.xml><?xml version="1.0" encoding="utf-8"?>
-<?mso-contentType ?>
-<FormTemplates xmlns="http://schemas.microsoft.com/sharepoint/v3/contenttype/forms">
-  <Display>DocumentLibraryForm</Display>
-  <Edit>DocumentLibraryForm</Edit>
-  <New>DocumentLibraryForm</New>
-</FormTemplates>
-</file>
-
-<file path=customXml/item3.xml><?xml version="1.0" encoding="utf-8"?>
 <ct:contentTypeSchema xmlns:ct="http://schemas.microsoft.com/office/2006/metadata/contentType" xmlns:ma="http://schemas.microsoft.com/office/2006/metadata/properties/metaAttributes" ct:_="" ma:_="" ma:contentTypeName="Document" ma:contentTypeID="0x01010079F111ED35F8CC479449609E8A0923A6" ma:contentTypeVersion="20" ma:contentTypeDescription="Create a new document." ma:contentTypeScope="" ma:versionID="1267097ee5f5874adfcc408041ae252e">
   <xsd:schema xmlns:xsd="http://www.w3.org/2001/XMLSchema" xmlns:xs="http://www.w3.org/2001/XMLSchema" xmlns:p="http://schemas.microsoft.com/office/2006/metadata/properties" xmlns:ns1="http://schemas.microsoft.com/sharepoint/v3" xmlns:ns2="71af3243-3dd4-4a8d-8c0d-dd76da1f02a5" xmlns:ns3="16c05727-aa75-4e4a-9b5f-8a80a1165891" xmlns:ns4="230e9df3-be65-4c73-a93b-d1236ebd677e" targetNamespace="http://schemas.microsoft.com/office/2006/metadata/properties" ma:root="true" ma:fieldsID="395891a93df65b14727750f2c06c306c" ns1:_="" ns2:_="" ns3:_="" ns4:_="">
     <xsd:import namespace="http://schemas.microsoft.com/sharepoint/v3"/>
@@ -26586,6 +26610,15 @@
 </ct:contentTypeSchema>
 </file>
 
+<file path=customXml/item3.xml><?xml version="1.0" encoding="utf-8"?>
+<?mso-contentType ?>
+<FormTemplates xmlns="http://schemas.microsoft.com/sharepoint/v3/contenttype/forms">
+  <Display>DocumentLibraryForm</Display>
+  <Edit>DocumentLibraryForm</Edit>
+  <New>DocumentLibraryForm</New>
+</FormTemplates>
+</file>
+
 <file path=customXml/itemProps1.xml><?xml version="1.0" encoding="utf-8"?>
 <ds:datastoreItem xmlns:ds="http://schemas.openxmlformats.org/officeDocument/2006/customXml" ds:itemID="{7F97B18F-50BC-4F30-8373-93489E845F83}">
   <ds:schemaRefs>
@@ -26599,14 +26632,6 @@
 </file>
 
 <file path=customXml/itemProps2.xml><?xml version="1.0" encoding="utf-8"?>
-<ds:datastoreItem xmlns:ds="http://schemas.openxmlformats.org/officeDocument/2006/customXml" ds:itemID="{42BC90D6-94CF-42F7-AAC4-9CF6824C54D5}">
-  <ds:schemaRefs>
-    <ds:schemaRef ds:uri="http://schemas.microsoft.com/sharepoint/v3/contenttype/forms"/>
-  </ds:schemaRefs>
-</ds:datastoreItem>
-</file>
-
-<file path=customXml/itemProps3.xml><?xml version="1.0" encoding="utf-8"?>
 <ds:datastoreItem xmlns:ds="http://schemas.openxmlformats.org/officeDocument/2006/customXml" ds:itemID="{64CF2EF3-001F-4BE9-81B3-86ECBBF9425F}">
   <ds:schemaRefs>
     <ds:schemaRef ds:uri="http://schemas.microsoft.com/office/2006/metadata/contentType"/>
@@ -26627,6 +26652,14 @@
 </ds:datastoreItem>
 </file>
 
+<file path=customXml/itemProps3.xml><?xml version="1.0" encoding="utf-8"?>
+<ds:datastoreItem xmlns:ds="http://schemas.openxmlformats.org/officeDocument/2006/customXml" ds:itemID="{42BC90D6-94CF-42F7-AAC4-9CF6824C54D5}">
+  <ds:schemaRefs>
+    <ds:schemaRef ds:uri="http://schemas.microsoft.com/sharepoint/v3/contenttype/forms"/>
+  </ds:schemaRefs>
+</ds:datastoreItem>
+</file>
+
 <file path=docMetadata/LabelInfo.xml><?xml version="1.0" encoding="utf-8"?>
 <clbl:labelList xmlns:clbl="http://schemas.microsoft.com/office/2020/mipLabelMetadata">
   <clbl:label id="{f42aa342-8706-4288-bd11-ebb85995028c}" enabled="1" method="Standard" siteId="{72f988bf-86f1-41af-91ab-2d7cd011db47}" removed="0"/>

--- a/Digitale Sprachverarbeitung.pptx
+++ b/Digitale Sprachverarbeitung.pptx
@@ -5,10 +5,10 @@
     <p:sldMasterId id="2147483666" r:id="rId4"/>
   </p:sldMasterIdLst>
   <p:notesMasterIdLst>
-    <p:notesMasterId r:id="rId22"/>
+    <p:notesMasterId r:id="rId21"/>
   </p:notesMasterIdLst>
   <p:handoutMasterIdLst>
-    <p:handoutMasterId r:id="rId23"/>
+    <p:handoutMasterId r:id="rId22"/>
   </p:handoutMasterIdLst>
   <p:sldIdLst>
     <p:sldId id="256" r:id="rId5"/>
@@ -23,11 +23,10 @@
     <p:sldId id="301" r:id="rId14"/>
     <p:sldId id="302" r:id="rId15"/>
     <p:sldId id="303" r:id="rId16"/>
-    <p:sldId id="307" r:id="rId17"/>
-    <p:sldId id="304" r:id="rId18"/>
-    <p:sldId id="305" r:id="rId19"/>
-    <p:sldId id="306" r:id="rId20"/>
-    <p:sldId id="276" r:id="rId21"/>
+    <p:sldId id="304" r:id="rId17"/>
+    <p:sldId id="305" r:id="rId18"/>
+    <p:sldId id="306" r:id="rId19"/>
+    <p:sldId id="276" r:id="rId20"/>
   </p:sldIdLst>
   <p:sldSz cx="12192000" cy="6858000"/>
   <p:notesSz cx="6858000" cy="9144000"/>
@@ -1031,7 +1030,7 @@
             <a:pPr rtl="0"/>
             <a:fld id="{D4B9A9E5-4F7F-4A7D-9DE1-899232329269}" type="slidenum">
               <a:rPr lang="de-DE" smtClean="0"/>
-              <a:t>17</a:t>
+              <a:t>16</a:t>
             </a:fld>
             <a:endParaRPr lang="de-DE"/>
           </a:p>
@@ -16557,8 +16556,8 @@
         </p:blipFill>
         <p:spPr>
           <a:xfrm>
-            <a:off x="920813" y="4405512"/>
-            <a:ext cx="5708587" cy="2155115"/>
+            <a:off x="6919278" y="4605661"/>
+            <a:ext cx="4866323" cy="1837142"/>
           </a:xfrm>
         </p:spPr>
       </p:pic>
@@ -16614,8 +16613,8 @@
         </p:blipFill>
         <p:spPr>
           <a:xfrm>
-            <a:off x="920814" y="166444"/>
-            <a:ext cx="5708586" cy="2155115"/>
+            <a:off x="6919278" y="553637"/>
+            <a:ext cx="4866322" cy="1837142"/>
           </a:xfrm>
           <a:prstGeom prst="rect">
             <a:avLst/>
@@ -16644,8 +16643,8 @@
         </p:blipFill>
         <p:spPr>
           <a:xfrm>
-            <a:off x="920813" y="2250397"/>
-            <a:ext cx="5708587" cy="2155115"/>
+            <a:off x="6919278" y="2579649"/>
+            <a:ext cx="4866323" cy="1837142"/>
           </a:xfrm>
           <a:prstGeom prst="rect">
             <a:avLst/>
@@ -16682,7 +16681,7 @@
         </p:blipFill>
         <p:spPr>
           <a:xfrm>
-            <a:off x="320419" y="517961"/>
+            <a:off x="6318883" y="675478"/>
             <a:ext cx="487363" cy="487363"/>
           </a:xfrm>
           <a:prstGeom prst="rect">
@@ -16720,7 +16719,7 @@
         </p:blipFill>
         <p:spPr>
           <a:xfrm>
-            <a:off x="320419" y="2485177"/>
+            <a:off x="6318884" y="2747645"/>
             <a:ext cx="487363" cy="487363"/>
           </a:xfrm>
           <a:prstGeom prst="rect">
@@ -16758,7 +16757,7 @@
         </p:blipFill>
         <p:spPr>
           <a:xfrm>
-            <a:off x="320418" y="4571587"/>
+            <a:off x="6318884" y="4697971"/>
             <a:ext cx="487363" cy="487363"/>
           </a:xfrm>
           <a:prstGeom prst="rect">
@@ -16796,7 +16795,7 @@
         </p:blipFill>
         <p:spPr>
           <a:xfrm>
-            <a:off x="320419" y="1447770"/>
+            <a:off x="6318884" y="1650641"/>
             <a:ext cx="487363" cy="487363"/>
           </a:xfrm>
           <a:prstGeom prst="rect">
@@ -16834,7 +16833,7 @@
         </p:blipFill>
         <p:spPr>
           <a:xfrm>
-            <a:off x="320418" y="3465420"/>
+            <a:off x="6318883" y="3727888"/>
             <a:ext cx="487363" cy="487363"/>
           </a:xfrm>
           <a:prstGeom prst="rect">
@@ -16872,7 +16871,7 @@
         </p:blipFill>
         <p:spPr>
           <a:xfrm>
-            <a:off x="320418" y="5483070"/>
+            <a:off x="6318883" y="5678214"/>
             <a:ext cx="487363" cy="487363"/>
           </a:xfrm>
           <a:prstGeom prst="rect">
@@ -16880,56 +16879,6 @@
           </a:prstGeom>
         </p:spPr>
       </p:pic>
-      <p:sp>
-        <p:nvSpPr>
-          <p:cNvPr id="2" name="Textfeld 1">
-            <a:extLst>
-              <a:ext uri="{FF2B5EF4-FFF2-40B4-BE49-F238E27FC236}">
-                <a16:creationId xmlns:a16="http://schemas.microsoft.com/office/drawing/2014/main" id="{E0F253BA-8B47-E260-9C19-17F095DA5ECC}"/>
-              </a:ext>
-            </a:extLst>
-          </p:cNvPr>
-          <p:cNvSpPr txBox="1"/>
-          <p:nvPr/>
-        </p:nvSpPr>
-        <p:spPr>
-          <a:xfrm>
-            <a:off x="7004304" y="2727789"/>
-            <a:ext cx="4745736" cy="1200329"/>
-          </a:xfrm>
-          <a:prstGeom prst="rect">
-            <a:avLst/>
-          </a:prstGeom>
-          <a:noFill/>
-        </p:spPr>
-        <p:txBody>
-          <a:bodyPr wrap="square" rtlCol="0">
-            <a:spAutoFit/>
-          </a:bodyPr>
-          <a:lstStyle/>
-          <a:p>
-            <a:pPr marL="285750" indent="-285750">
-              <a:buFont typeface="Arial" panose="020B0604020202020204" pitchFamily="34" charset="0"/>
-              <a:buChar char="•"/>
-            </a:pPr>
-            <a:r>
-              <a:rPr lang="de-DE" sz="2400" dirty="0"/>
-              <a:t>Frequenz und Amplitude bleiben unverändert</a:t>
-            </a:r>
-          </a:p>
-          <a:p>
-            <a:pPr marL="285750" indent="-285750">
-              <a:buFont typeface="Arial" panose="020B0604020202020204" pitchFamily="34" charset="0"/>
-              <a:buChar char="•"/>
-            </a:pPr>
-            <a:r>
-              <a:rPr lang="de-DE" sz="2400" dirty="0"/>
-              <a:t>Kein hörbarer Unterschied</a:t>
-            </a:r>
-            <a:endParaRPr lang="en-US" sz="2400" dirty="0"/>
-          </a:p>
-        </p:txBody>
-      </p:sp>
     </p:spTree>
     <p:extLst>
       <p:ext uri="{BB962C8B-B14F-4D97-AF65-F5344CB8AC3E}">
@@ -17005,7 +16954,7 @@
                                       <p:cBhvr>
                                         <p:cTn id="10" dur="1000" fill="hold"/>
                                         <p:tgtEl>
-                                          <p:spTgt spid="21"/>
+                                          <p:spTgt spid="19"/>
                                         </p:tgtEl>
                                       </p:cBhvr>
                                     </p:cmd>
@@ -17040,7 +16989,7 @@
                                       <p:cBhvr>
                                         <p:cTn id="14" dur="1000" fill="hold"/>
                                         <p:tgtEl>
-                                          <p:spTgt spid="19"/>
+                                          <p:spTgt spid="20"/>
                                         </p:tgtEl>
                                       </p:cBhvr>
                                     </p:cmd>
@@ -17075,7 +17024,7 @@
                                       <p:cBhvr>
                                         <p:cTn id="18" dur="1000" fill="hold"/>
                                         <p:tgtEl>
-                                          <p:spTgt spid="22"/>
+                                          <p:spTgt spid="21"/>
                                         </p:tgtEl>
                                       </p:cBhvr>
                                     </p:cmd>
@@ -17110,7 +17059,7 @@
                                       <p:cBhvr>
                                         <p:cTn id="22" dur="1000" fill="hold"/>
                                         <p:tgtEl>
-                                          <p:spTgt spid="20"/>
+                                          <p:spTgt spid="22"/>
                                         </p:tgtEl>
                                       </p:cBhvr>
                                     </p:cmd>
@@ -17366,8 +17315,8 @@
         </p:blipFill>
         <p:spPr>
           <a:xfrm>
-            <a:off x="890908" y="2865158"/>
-            <a:ext cx="6400356" cy="2468440"/>
+            <a:off x="6627813" y="4198938"/>
+            <a:ext cx="5117148" cy="1973542"/>
           </a:xfrm>
           <a:prstGeom prst="rect">
             <a:avLst/>
@@ -17404,7 +17353,7 @@
         </p:blipFill>
         <p:spPr>
           <a:xfrm>
-            <a:off x="265858" y="3347865"/>
+            <a:off x="5996383" y="4468178"/>
             <a:ext cx="487363" cy="487363"/>
           </a:xfrm>
           <a:prstGeom prst="rect">
@@ -17442,7 +17391,7 @@
         </p:blipFill>
         <p:spPr>
           <a:xfrm>
-            <a:off x="265859" y="4395926"/>
+            <a:off x="5996384" y="5470525"/>
             <a:ext cx="487363" cy="487363"/>
           </a:xfrm>
           <a:prstGeom prst="rect">
@@ -17472,105 +17421,14 @@
         </p:blipFill>
         <p:spPr>
           <a:xfrm>
-            <a:off x="182097" y="1695700"/>
-            <a:ext cx="11385063" cy="596970"/>
+            <a:off x="3830553" y="3526458"/>
+            <a:ext cx="7914408" cy="414988"/>
           </a:xfrm>
           <a:prstGeom prst="rect">
             <a:avLst/>
           </a:prstGeom>
         </p:spPr>
       </p:pic>
-      <p:sp>
-        <p:nvSpPr>
-          <p:cNvPr id="2" name="Textfeld 1">
-            <a:extLst>
-              <a:ext uri="{FF2B5EF4-FFF2-40B4-BE49-F238E27FC236}">
-                <a16:creationId xmlns:a16="http://schemas.microsoft.com/office/drawing/2014/main" id="{4B9C241F-AE1E-3212-EC86-F1419AA6902E}"/>
-              </a:ext>
-            </a:extLst>
-          </p:cNvPr>
-          <p:cNvSpPr txBox="1"/>
-          <p:nvPr/>
-        </p:nvSpPr>
-        <p:spPr>
-          <a:xfrm>
-            <a:off x="2157984" y="612648"/>
-            <a:ext cx="7104888" cy="523220"/>
-          </a:xfrm>
-          <a:prstGeom prst="rect">
-            <a:avLst/>
-          </a:prstGeom>
-          <a:noFill/>
-        </p:spPr>
-        <p:txBody>
-          <a:bodyPr wrap="square" rtlCol="0">
-            <a:spAutoFit/>
-          </a:bodyPr>
-          <a:lstStyle/>
-          <a:p>
-            <a:pPr algn="ctr"/>
-            <a:r>
-              <a:rPr lang="de-DE" sz="2800" dirty="0">
-                <a:latin typeface="+mj-lt"/>
-              </a:rPr>
-              <a:t>Kombiniertes Signal</a:t>
-            </a:r>
-            <a:endParaRPr lang="en-US" sz="2800" dirty="0">
-              <a:latin typeface="+mj-lt"/>
-            </a:endParaRPr>
-          </a:p>
-        </p:txBody>
-      </p:sp>
-      <p:sp>
-        <p:nvSpPr>
-          <p:cNvPr id="3" name="Textfeld 2">
-            <a:extLst>
-              <a:ext uri="{FF2B5EF4-FFF2-40B4-BE49-F238E27FC236}">
-                <a16:creationId xmlns:a16="http://schemas.microsoft.com/office/drawing/2014/main" id="{B96C5D1B-883C-2FFF-BA04-B484E61B294C}"/>
-              </a:ext>
-            </a:extLst>
-          </p:cNvPr>
-          <p:cNvSpPr txBox="1"/>
-          <p:nvPr/>
-        </p:nvSpPr>
-        <p:spPr>
-          <a:xfrm>
-            <a:off x="7566635" y="3591547"/>
-            <a:ext cx="4253509" cy="1015663"/>
-          </a:xfrm>
-          <a:prstGeom prst="rect">
-            <a:avLst/>
-          </a:prstGeom>
-          <a:noFill/>
-        </p:spPr>
-        <p:txBody>
-          <a:bodyPr wrap="square" rtlCol="0">
-            <a:spAutoFit/>
-          </a:bodyPr>
-          <a:lstStyle/>
-          <a:p>
-            <a:pPr marL="285750" indent="-285750">
-              <a:buFont typeface="Arial" panose="020B0604020202020204" pitchFamily="34" charset="0"/>
-              <a:buChar char="•"/>
-            </a:pPr>
-            <a:r>
-              <a:rPr lang="de-DE" sz="2000" dirty="0"/>
-              <a:t>Veränderung in der Phase und der Amplitude</a:t>
-            </a:r>
-          </a:p>
-          <a:p>
-            <a:pPr marL="285750" indent="-285750">
-              <a:buFont typeface="Arial" panose="020B0604020202020204" pitchFamily="34" charset="0"/>
-              <a:buChar char="•"/>
-            </a:pPr>
-            <a:r>
-              <a:rPr lang="de-DE" sz="2000" dirty="0"/>
-              <a:t>Der Klang ist leiser</a:t>
-            </a:r>
-            <a:endParaRPr lang="en-US" sz="2000" dirty="0"/>
-          </a:p>
-        </p:txBody>
-      </p:sp>
     </p:spTree>
     <p:extLst>
       <p:ext uri="{BB962C8B-B14F-4D97-AF65-F5344CB8AC3E}">
@@ -17677,7 +17535,7 @@
               </p:nextCondLst>
             </p:seq>
             <p:audio>
-              <p:cMediaNode vol="100000">
+              <p:cMediaNode vol="80000">
                 <p:cTn id="11" fill="hold" display="0">
                   <p:stCondLst>
                     <p:cond delay="indefinite"/>
@@ -17696,7 +17554,7 @@
               </p:cMediaNode>
             </p:audio>
             <p:audio>
-              <p:cMediaNode vol="100000">
+              <p:cMediaNode vol="80000">
                 <p:cTn id="12" fill="hold" display="0">
                   <p:stCondLst>
                     <p:cond delay="indefinite"/>
@@ -17799,630 +17657,6 @@
       </p:sp>
       <p:pic>
         <p:nvPicPr>
-          <p:cNvPr id="12" name="Grafik 11">
-            <a:extLst>
-              <a:ext uri="{FF2B5EF4-FFF2-40B4-BE49-F238E27FC236}">
-                <a16:creationId xmlns:a16="http://schemas.microsoft.com/office/drawing/2014/main" id="{A589B016-B55D-31CE-CF55-90A692401F4E}"/>
-              </a:ext>
-            </a:extLst>
-          </p:cNvPr>
-          <p:cNvPicPr>
-            <a:picLocks noChangeAspect="1"/>
-          </p:cNvPicPr>
-          <p:nvPr/>
-        </p:nvPicPr>
-        <p:blipFill>
-          <a:blip r:embed="rId2"/>
-          <a:stretch>
-            <a:fillRect/>
-          </a:stretch>
-        </p:blipFill>
-        <p:spPr>
-          <a:xfrm>
-            <a:off x="108561" y="2541188"/>
-            <a:ext cx="6762163" cy="887812"/>
-          </a:xfrm>
-          <a:prstGeom prst="rect">
-            <a:avLst/>
-          </a:prstGeom>
-        </p:spPr>
-      </p:pic>
-      <p:pic>
-        <p:nvPicPr>
-          <p:cNvPr id="14" name="Grafik 13">
-            <a:extLst>
-              <a:ext uri="{FF2B5EF4-FFF2-40B4-BE49-F238E27FC236}">
-                <a16:creationId xmlns:a16="http://schemas.microsoft.com/office/drawing/2014/main" id="{13C7F0F5-D6EC-337C-5C17-EA5012E2E4D8}"/>
-              </a:ext>
-            </a:extLst>
-          </p:cNvPr>
-          <p:cNvPicPr>
-            <a:picLocks noChangeAspect="1"/>
-          </p:cNvPicPr>
-          <p:nvPr/>
-        </p:nvPicPr>
-        <p:blipFill>
-          <a:blip r:embed="rId3"/>
-          <a:stretch>
-            <a:fillRect/>
-          </a:stretch>
-        </p:blipFill>
-        <p:spPr>
-          <a:xfrm>
-            <a:off x="108562" y="3680325"/>
-            <a:ext cx="6762161" cy="492080"/>
-          </a:xfrm>
-          <a:prstGeom prst="rect">
-            <a:avLst/>
-          </a:prstGeom>
-        </p:spPr>
-      </p:pic>
-      <p:sp>
-        <p:nvSpPr>
-          <p:cNvPr id="2" name="Textfeld 1">
-            <a:extLst>
-              <a:ext uri="{FF2B5EF4-FFF2-40B4-BE49-F238E27FC236}">
-                <a16:creationId xmlns:a16="http://schemas.microsoft.com/office/drawing/2014/main" id="{8D1C2FD1-60B6-7B58-516E-9EE6CE38A852}"/>
-              </a:ext>
-            </a:extLst>
-          </p:cNvPr>
-          <p:cNvSpPr txBox="1"/>
-          <p:nvPr/>
-        </p:nvSpPr>
-        <p:spPr>
-          <a:xfrm>
-            <a:off x="7068312" y="2541188"/>
-            <a:ext cx="4782312" cy="1631216"/>
-          </a:xfrm>
-          <a:prstGeom prst="rect">
-            <a:avLst/>
-          </a:prstGeom>
-          <a:noFill/>
-        </p:spPr>
-        <p:txBody>
-          <a:bodyPr wrap="square" rtlCol="0">
-            <a:spAutoFit/>
-          </a:bodyPr>
-          <a:lstStyle/>
-          <a:p>
-            <a:pPr marL="285750" indent="-285750">
-              <a:buFont typeface="Arial" panose="020B0604020202020204" pitchFamily="34" charset="0"/>
-              <a:buChar char="•"/>
-            </a:pPr>
-            <a:r>
-              <a:rPr lang="de-DE" sz="2000" dirty="0"/>
-              <a:t>Phasenverschiebung um eine halbe Periode</a:t>
-            </a:r>
-          </a:p>
-          <a:p>
-            <a:pPr marL="285750" indent="-285750">
-              <a:buFont typeface="Arial" panose="020B0604020202020204" pitchFamily="34" charset="0"/>
-              <a:buChar char="•"/>
-            </a:pPr>
-            <a:r>
-              <a:rPr lang="de-DE" sz="2000" dirty="0"/>
-              <a:t>Addieren des Kammertons und dem verschobenen Signal</a:t>
-            </a:r>
-          </a:p>
-          <a:p>
-            <a:pPr marL="285750" indent="-285750">
-              <a:buFont typeface="Arial" panose="020B0604020202020204" pitchFamily="34" charset="0"/>
-              <a:buChar char="•"/>
-            </a:pPr>
-            <a:r>
-              <a:rPr lang="de-DE" sz="2000" dirty="0"/>
-              <a:t>Peaks und Täler gleichen sich aus</a:t>
-            </a:r>
-            <a:endParaRPr lang="en-US" sz="2000" dirty="0"/>
-          </a:p>
-        </p:txBody>
-      </p:sp>
-      <mc:AlternateContent xmlns:mc="http://schemas.openxmlformats.org/markup-compatibility/2006" xmlns:a14="http://schemas.microsoft.com/office/drawing/2010/main">
-        <mc:Choice Requires="a14">
-          <p:sp>
-            <p:nvSpPr>
-              <p:cNvPr id="5" name="Textfeld 4">
-                <a:extLst>
-                  <a:ext uri="{FF2B5EF4-FFF2-40B4-BE49-F238E27FC236}">
-                    <a16:creationId xmlns:a16="http://schemas.microsoft.com/office/drawing/2014/main" id="{2ED7287A-0DB0-252B-BF16-C702C9966B6C}"/>
-                  </a:ext>
-                </a:extLst>
-              </p:cNvPr>
-              <p:cNvSpPr txBox="1"/>
-              <p:nvPr/>
-            </p:nvSpPr>
-            <p:spPr>
-              <a:xfrm>
-                <a:off x="2868168" y="4828032"/>
-                <a:ext cx="5257800" cy="1477328"/>
-              </a:xfrm>
-              <a:prstGeom prst="rect">
-                <a:avLst/>
-              </a:prstGeom>
-              <a:noFill/>
-            </p:spPr>
-            <p:txBody>
-              <a:bodyPr wrap="square" rtlCol="0">
-                <a:spAutoFit/>
-              </a:bodyPr>
-              <a:lstStyle/>
-              <a:p>
-                <a:pPr/>
-                <a14:m>
-                  <m:oMathPara xmlns:m="http://schemas.openxmlformats.org/officeDocument/2006/math">
-                    <m:oMathParaPr>
-                      <m:jc m:val="centerGroup"/>
-                    </m:oMathParaPr>
-                    <m:oMath xmlns:m="http://schemas.openxmlformats.org/officeDocument/2006/math">
-                      <m:sSub>
-                        <m:sSubPr>
-                          <m:ctrlPr>
-                            <a:rPr lang="en-US" sz="2400" i="1" smtClean="0">
-                              <a:effectLst/>
-                              <a:latin typeface="Cambria Math" panose="02040503050406030204" pitchFamily="18" charset="0"/>
-                            </a:rPr>
-                          </m:ctrlPr>
-                        </m:sSubPr>
-                        <m:e>
-                          <m:r>
-                            <a:rPr lang="de-DE" sz="2400" i="1">
-                              <a:effectLst/>
-                              <a:latin typeface="Cambria Math" panose="02040503050406030204" pitchFamily="18" charset="0"/>
-                              <a:ea typeface="Aptos" panose="020B0004020202020204" pitchFamily="34" charset="0"/>
-                              <a:cs typeface="Times New Roman" panose="02020603050405020304" pitchFamily="18" charset="0"/>
-                            </a:rPr>
-                            <m:t>𝑦</m:t>
-                          </m:r>
-                        </m:e>
-                        <m:sub>
-                          <m:r>
-                            <a:rPr lang="de-DE" sz="2400" i="1">
-                              <a:effectLst/>
-                              <a:latin typeface="Cambria Math" panose="02040503050406030204" pitchFamily="18" charset="0"/>
-                              <a:ea typeface="Aptos" panose="020B0004020202020204" pitchFamily="34" charset="0"/>
-                              <a:cs typeface="Times New Roman" panose="02020603050405020304" pitchFamily="18" charset="0"/>
-                            </a:rPr>
-                            <m:t>𝑐𝑜𝑚𝑏𝑖𝑛𝑒𝑑</m:t>
-                          </m:r>
-                        </m:sub>
-                      </m:sSub>
-                      <m:d>
-                        <m:dPr>
-                          <m:ctrlPr>
-                            <a:rPr lang="en-US" sz="2400" i="1">
-                              <a:effectLst/>
-                              <a:latin typeface="Cambria Math" panose="02040503050406030204" pitchFamily="18" charset="0"/>
-                            </a:rPr>
-                          </m:ctrlPr>
-                        </m:dPr>
-                        <m:e>
-                          <m:r>
-                            <a:rPr lang="de-DE" sz="2400" i="1">
-                              <a:effectLst/>
-                              <a:latin typeface="Cambria Math" panose="02040503050406030204" pitchFamily="18" charset="0"/>
-                              <a:ea typeface="Aptos" panose="020B0004020202020204" pitchFamily="34" charset="0"/>
-                              <a:cs typeface="Times New Roman" panose="02020603050405020304" pitchFamily="18" charset="0"/>
-                            </a:rPr>
-                            <m:t>𝑡</m:t>
-                          </m:r>
-                        </m:e>
-                      </m:d>
-                      <m:r>
-                        <a:rPr lang="de-DE" sz="2400" i="1">
-                          <a:effectLst/>
-                          <a:latin typeface="Cambria Math" panose="02040503050406030204" pitchFamily="18" charset="0"/>
-                          <a:ea typeface="Aptos" panose="020B0004020202020204" pitchFamily="34" charset="0"/>
-                          <a:cs typeface="Times New Roman" panose="02020603050405020304" pitchFamily="18" charset="0"/>
-                        </a:rPr>
-                        <m:t>=</m:t>
-                      </m:r>
-                      <m:r>
-                        <a:rPr lang="de-DE" sz="2400" i="1">
-                          <a:effectLst/>
-                          <a:latin typeface="Cambria Math" panose="02040503050406030204" pitchFamily="18" charset="0"/>
-                          <a:ea typeface="Aptos" panose="020B0004020202020204" pitchFamily="34" charset="0"/>
-                          <a:cs typeface="Times New Roman" panose="02020603050405020304" pitchFamily="18" charset="0"/>
-                        </a:rPr>
-                        <m:t>𝑦</m:t>
-                      </m:r>
-                      <m:d>
-                        <m:dPr>
-                          <m:ctrlPr>
-                            <a:rPr lang="en-US" sz="2400" i="1">
-                              <a:effectLst/>
-                              <a:latin typeface="Cambria Math" panose="02040503050406030204" pitchFamily="18" charset="0"/>
-                            </a:rPr>
-                          </m:ctrlPr>
-                        </m:dPr>
-                        <m:e>
-                          <m:r>
-                            <a:rPr lang="de-DE" sz="2400" i="1">
-                              <a:effectLst/>
-                              <a:latin typeface="Cambria Math" panose="02040503050406030204" pitchFamily="18" charset="0"/>
-                              <a:ea typeface="Aptos" panose="020B0004020202020204" pitchFamily="34" charset="0"/>
-                              <a:cs typeface="Times New Roman" panose="02020603050405020304" pitchFamily="18" charset="0"/>
-                            </a:rPr>
-                            <m:t>𝑡</m:t>
-                          </m:r>
-                        </m:e>
-                      </m:d>
-                      <m:r>
-                        <a:rPr lang="de-DE" sz="2400" i="1">
-                          <a:effectLst/>
-                          <a:latin typeface="Cambria Math" panose="02040503050406030204" pitchFamily="18" charset="0"/>
-                          <a:ea typeface="Aptos" panose="020B0004020202020204" pitchFamily="34" charset="0"/>
-                          <a:cs typeface="Times New Roman" panose="02020603050405020304" pitchFamily="18" charset="0"/>
-                        </a:rPr>
-                        <m:t>+</m:t>
-                      </m:r>
-                      <m:r>
-                        <a:rPr lang="de-DE" sz="2400" i="1">
-                          <a:effectLst/>
-                          <a:latin typeface="Cambria Math" panose="02040503050406030204" pitchFamily="18" charset="0"/>
-                          <a:ea typeface="Aptos" panose="020B0004020202020204" pitchFamily="34" charset="0"/>
-                          <a:cs typeface="Times New Roman" panose="02020603050405020304" pitchFamily="18" charset="0"/>
-                        </a:rPr>
-                        <m:t>𝑦</m:t>
-                      </m:r>
-                      <m:r>
-                        <a:rPr lang="de-DE" sz="2400" i="1">
-                          <a:effectLst/>
-                          <a:latin typeface="Cambria Math" panose="02040503050406030204" pitchFamily="18" charset="0"/>
-                          <a:ea typeface="Aptos" panose="020B0004020202020204" pitchFamily="34" charset="0"/>
-                          <a:cs typeface="Times New Roman" panose="02020603050405020304" pitchFamily="18" charset="0"/>
-                        </a:rPr>
-                        <m:t>(</m:t>
-                      </m:r>
-                      <m:r>
-                        <a:rPr lang="de-DE" sz="2400" i="1">
-                          <a:effectLst/>
-                          <a:latin typeface="Cambria Math" panose="02040503050406030204" pitchFamily="18" charset="0"/>
-                          <a:ea typeface="Aptos" panose="020B0004020202020204" pitchFamily="34" charset="0"/>
-                          <a:cs typeface="Times New Roman" panose="02020603050405020304" pitchFamily="18" charset="0"/>
-                        </a:rPr>
-                        <m:t>𝑡</m:t>
-                      </m:r>
-                      <m:r>
-                        <a:rPr lang="de-DE" sz="2400" i="1">
-                          <a:effectLst/>
-                          <a:latin typeface="Cambria Math" panose="02040503050406030204" pitchFamily="18" charset="0"/>
-                          <a:ea typeface="Aptos" panose="020B0004020202020204" pitchFamily="34" charset="0"/>
-                          <a:cs typeface="Times New Roman" panose="02020603050405020304" pitchFamily="18" charset="0"/>
-                        </a:rPr>
-                        <m:t>−</m:t>
-                      </m:r>
-                      <m:r>
-                        <a:rPr lang="de-DE" sz="2400" i="1">
-                          <a:effectLst/>
-                          <a:latin typeface="Cambria Math" panose="02040503050406030204" pitchFamily="18" charset="0"/>
-                          <a:ea typeface="Aptos" panose="020B0004020202020204" pitchFamily="34" charset="0"/>
-                          <a:cs typeface="Times New Roman" panose="02020603050405020304" pitchFamily="18" charset="0"/>
-                        </a:rPr>
-                        <m:t>𝜋</m:t>
-                      </m:r>
-                      <m:r>
-                        <a:rPr lang="de-DE" sz="2400" i="1">
-                          <a:effectLst/>
-                          <a:latin typeface="Cambria Math" panose="02040503050406030204" pitchFamily="18" charset="0"/>
-                          <a:ea typeface="Aptos" panose="020B0004020202020204" pitchFamily="34" charset="0"/>
-                          <a:cs typeface="Times New Roman" panose="02020603050405020304" pitchFamily="18" charset="0"/>
-                        </a:rPr>
-                        <m:t>)</m:t>
-                      </m:r>
-                    </m:oMath>
-                  </m:oMathPara>
-                </a14:m>
-                <a:endParaRPr lang="en-US" sz="2400" dirty="0"/>
-              </a:p>
-              <a:p>
-                <a:endParaRPr lang="en-US" sz="2400" dirty="0"/>
-              </a:p>
-              <a:p>
-                <a:pPr/>
-                <a14:m>
-                  <m:oMathPara xmlns:m="http://schemas.openxmlformats.org/officeDocument/2006/math">
-                    <m:oMathParaPr>
-                      <m:jc m:val="centerGroup"/>
-                    </m:oMathParaPr>
-                    <m:oMath xmlns:m="http://schemas.openxmlformats.org/officeDocument/2006/math">
-                      <m:sSub>
-                        <m:sSubPr>
-                          <m:ctrlPr>
-                            <a:rPr lang="en-US" sz="2400" i="1" kern="100" smtClean="0">
-                              <a:effectLst/>
-                              <a:latin typeface="Cambria Math" panose="02040503050406030204" pitchFamily="18" charset="0"/>
-                              <a:ea typeface="Times New Roman" panose="02020603050405020304" pitchFamily="18" charset="0"/>
-                              <a:cs typeface="Times New Roman" panose="02020603050405020304" pitchFamily="18" charset="0"/>
-                            </a:rPr>
-                          </m:ctrlPr>
-                        </m:sSubPr>
-                        <m:e>
-                          <m:r>
-                            <a:rPr lang="de-DE" sz="2400" i="1" kern="100">
-                              <a:effectLst/>
-                              <a:latin typeface="Cambria Math" panose="02040503050406030204" pitchFamily="18" charset="0"/>
-                              <a:ea typeface="Times New Roman" panose="02020603050405020304" pitchFamily="18" charset="0"/>
-                              <a:cs typeface="Times New Roman" panose="02020603050405020304" pitchFamily="18" charset="0"/>
-                            </a:rPr>
-                            <m:t>𝑦</m:t>
-                          </m:r>
-                        </m:e>
-                        <m:sub>
-                          <m:r>
-                            <a:rPr lang="de-DE" sz="2400" i="1" kern="100">
-                              <a:effectLst/>
-                              <a:latin typeface="Cambria Math" panose="02040503050406030204" pitchFamily="18" charset="0"/>
-                              <a:ea typeface="Times New Roman" panose="02020603050405020304" pitchFamily="18" charset="0"/>
-                              <a:cs typeface="Times New Roman" panose="02020603050405020304" pitchFamily="18" charset="0"/>
-                            </a:rPr>
-                            <m:t>𝑐𝑜𝑚𝑏𝑖𝑛𝑒𝑑</m:t>
-                          </m:r>
-                        </m:sub>
-                      </m:sSub>
-                      <m:d>
-                        <m:dPr>
-                          <m:ctrlPr>
-                            <a:rPr lang="en-US" sz="2400" i="1" kern="100">
-                              <a:effectLst/>
-                              <a:latin typeface="Cambria Math" panose="02040503050406030204" pitchFamily="18" charset="0"/>
-                              <a:ea typeface="Times New Roman" panose="02020603050405020304" pitchFamily="18" charset="0"/>
-                              <a:cs typeface="Times New Roman" panose="02020603050405020304" pitchFamily="18" charset="0"/>
-                            </a:rPr>
-                          </m:ctrlPr>
-                        </m:dPr>
-                        <m:e>
-                          <m:r>
-                            <a:rPr lang="de-DE" sz="2400" i="1" kern="100">
-                              <a:effectLst/>
-                              <a:latin typeface="Cambria Math" panose="02040503050406030204" pitchFamily="18" charset="0"/>
-                              <a:ea typeface="Times New Roman" panose="02020603050405020304" pitchFamily="18" charset="0"/>
-                              <a:cs typeface="Times New Roman" panose="02020603050405020304" pitchFamily="18" charset="0"/>
-                            </a:rPr>
-                            <m:t>𝑡</m:t>
-                          </m:r>
-                        </m:e>
-                      </m:d>
-                      <m:r>
-                        <a:rPr lang="de-DE" sz="2400" i="1" kern="100">
-                          <a:effectLst/>
-                          <a:latin typeface="Cambria Math" panose="02040503050406030204" pitchFamily="18" charset="0"/>
-                          <a:ea typeface="Times New Roman" panose="02020603050405020304" pitchFamily="18" charset="0"/>
-                          <a:cs typeface="Times New Roman" panose="02020603050405020304" pitchFamily="18" charset="0"/>
-                        </a:rPr>
-                        <m:t>=</m:t>
-                      </m:r>
-                      <m:r>
-                        <a:rPr lang="de-DE" sz="2400" i="1" kern="100">
-                          <a:effectLst/>
-                          <a:latin typeface="Cambria Math" panose="02040503050406030204" pitchFamily="18" charset="0"/>
-                          <a:ea typeface="Times New Roman" panose="02020603050405020304" pitchFamily="18" charset="0"/>
-                          <a:cs typeface="Times New Roman" panose="02020603050405020304" pitchFamily="18" charset="0"/>
-                        </a:rPr>
-                        <m:t>𝑦</m:t>
-                      </m:r>
-                      <m:d>
-                        <m:dPr>
-                          <m:ctrlPr>
-                            <a:rPr lang="en-US" sz="2400" i="1" kern="100">
-                              <a:effectLst/>
-                              <a:latin typeface="Cambria Math" panose="02040503050406030204" pitchFamily="18" charset="0"/>
-                              <a:ea typeface="Times New Roman" panose="02020603050405020304" pitchFamily="18" charset="0"/>
-                              <a:cs typeface="Times New Roman" panose="02020603050405020304" pitchFamily="18" charset="0"/>
-                            </a:rPr>
-                          </m:ctrlPr>
-                        </m:dPr>
-                        <m:e>
-                          <m:r>
-                            <a:rPr lang="de-DE" sz="2400" i="1" kern="100">
-                              <a:effectLst/>
-                              <a:latin typeface="Cambria Math" panose="02040503050406030204" pitchFamily="18" charset="0"/>
-                              <a:ea typeface="Times New Roman" panose="02020603050405020304" pitchFamily="18" charset="0"/>
-                              <a:cs typeface="Times New Roman" panose="02020603050405020304" pitchFamily="18" charset="0"/>
-                            </a:rPr>
-                            <m:t>𝑡</m:t>
-                          </m:r>
-                        </m:e>
-                      </m:d>
-                      <m:r>
-                        <a:rPr lang="de-DE" sz="2400" i="1" kern="100">
-                          <a:effectLst/>
-                          <a:latin typeface="Cambria Math" panose="02040503050406030204" pitchFamily="18" charset="0"/>
-                          <a:ea typeface="Times New Roman" panose="02020603050405020304" pitchFamily="18" charset="0"/>
-                          <a:cs typeface="Times New Roman" panose="02020603050405020304" pitchFamily="18" charset="0"/>
-                        </a:rPr>
-                        <m:t>−</m:t>
-                      </m:r>
-                      <m:r>
-                        <a:rPr lang="de-DE" sz="2400" i="1" kern="100">
-                          <a:effectLst/>
-                          <a:latin typeface="Cambria Math" panose="02040503050406030204" pitchFamily="18" charset="0"/>
-                          <a:ea typeface="Times New Roman" panose="02020603050405020304" pitchFamily="18" charset="0"/>
-                          <a:cs typeface="Times New Roman" panose="02020603050405020304" pitchFamily="18" charset="0"/>
-                        </a:rPr>
-                        <m:t>𝑦</m:t>
-                      </m:r>
-                      <m:d>
-                        <m:dPr>
-                          <m:ctrlPr>
-                            <a:rPr lang="en-US" sz="2400" i="1" kern="100">
-                              <a:effectLst/>
-                              <a:latin typeface="Cambria Math" panose="02040503050406030204" pitchFamily="18" charset="0"/>
-                              <a:ea typeface="Times New Roman" panose="02020603050405020304" pitchFamily="18" charset="0"/>
-                              <a:cs typeface="Times New Roman" panose="02020603050405020304" pitchFamily="18" charset="0"/>
-                            </a:rPr>
-                          </m:ctrlPr>
-                        </m:dPr>
-                        <m:e>
-                          <m:r>
-                            <a:rPr lang="de-DE" sz="2400" i="1" kern="100">
-                              <a:effectLst/>
-                              <a:latin typeface="Cambria Math" panose="02040503050406030204" pitchFamily="18" charset="0"/>
-                              <a:ea typeface="Times New Roman" panose="02020603050405020304" pitchFamily="18" charset="0"/>
-                              <a:cs typeface="Times New Roman" panose="02020603050405020304" pitchFamily="18" charset="0"/>
-                            </a:rPr>
-                            <m:t>𝑡</m:t>
-                          </m:r>
-                        </m:e>
-                      </m:d>
-                      <m:r>
-                        <a:rPr lang="de-DE" sz="2400" i="1" kern="100">
-                          <a:effectLst/>
-                          <a:latin typeface="Cambria Math" panose="02040503050406030204" pitchFamily="18" charset="0"/>
-                          <a:ea typeface="Times New Roman" panose="02020603050405020304" pitchFamily="18" charset="0"/>
-                          <a:cs typeface="Times New Roman" panose="02020603050405020304" pitchFamily="18" charset="0"/>
-                        </a:rPr>
-                        <m:t>=0</m:t>
-                      </m:r>
-                    </m:oMath>
-                  </m:oMathPara>
-                </a14:m>
-                <a:endParaRPr lang="en-US" sz="2400" kern="100" dirty="0">
-                  <a:effectLst/>
-                  <a:ea typeface="Aptos" panose="020B0004020202020204" pitchFamily="34" charset="0"/>
-                  <a:cs typeface="Times New Roman" panose="02020603050405020304" pitchFamily="18" charset="0"/>
-                </a:endParaRPr>
-              </a:p>
-              <a:p>
-                <a:endParaRPr lang="en-US" dirty="0"/>
-              </a:p>
-            </p:txBody>
-          </p:sp>
-        </mc:Choice>
-        <mc:Fallback xmlns="">
-          <p:sp>
-            <p:nvSpPr>
-              <p:cNvPr id="5" name="Textfeld 4">
-                <a:extLst>
-                  <a:ext uri="{FF2B5EF4-FFF2-40B4-BE49-F238E27FC236}">
-                    <a16:creationId xmlns:a16="http://schemas.microsoft.com/office/drawing/2014/main" id="{2ED7287A-0DB0-252B-BF16-C702C9966B6C}"/>
-                  </a:ext>
-                </a:extLst>
-              </p:cNvPr>
-              <p:cNvSpPr txBox="1">
-                <a:spLocks noRot="1" noChangeAspect="1" noMove="1" noResize="1" noEditPoints="1" noAdjustHandles="1" noChangeArrowheads="1" noChangeShapeType="1" noTextEdit="1"/>
-              </p:cNvSpPr>
-              <p:nvPr/>
-            </p:nvSpPr>
-            <p:spPr>
-              <a:xfrm>
-                <a:off x="2868168" y="4828032"/>
-                <a:ext cx="5257800" cy="1477328"/>
-              </a:xfrm>
-              <a:prstGeom prst="rect">
-                <a:avLst/>
-              </a:prstGeom>
-              <a:blipFill>
-                <a:blip r:embed="rId4"/>
-                <a:stretch>
-                  <a:fillRect/>
-                </a:stretch>
-              </a:blipFill>
-            </p:spPr>
-            <p:txBody>
-              <a:bodyPr/>
-              <a:lstStyle/>
-              <a:p>
-                <a:r>
-                  <a:rPr lang="en-US">
-                    <a:noFill/>
-                  </a:rPr>
-                  <a:t> </a:t>
-                </a:r>
-              </a:p>
-            </p:txBody>
-          </p:sp>
-        </mc:Fallback>
-      </mc:AlternateContent>
-    </p:spTree>
-    <p:extLst>
-      <p:ext uri="{BB962C8B-B14F-4D97-AF65-F5344CB8AC3E}">
-        <p14:creationId xmlns:p14="http://schemas.microsoft.com/office/powerpoint/2010/main" val="1410074824"/>
-      </p:ext>
-    </p:extLst>
-  </p:cSld>
-  <p:clrMapOvr>
-    <a:masterClrMapping/>
-  </p:clrMapOvr>
-</p:sld>
-</file>
-
-<file path=ppt/slides/slide13.xml><?xml version="1.0" encoding="utf-8"?>
-<p:sld xmlns:a="http://schemas.openxmlformats.org/drawingml/2006/main" xmlns:r="http://schemas.openxmlformats.org/officeDocument/2006/relationships" xmlns:p="http://schemas.openxmlformats.org/presentationml/2006/main">
-  <p:cSld>
-    <p:spTree>
-      <p:nvGrpSpPr>
-        <p:cNvPr id="1" name=""/>
-        <p:cNvGrpSpPr/>
-        <p:nvPr/>
-      </p:nvGrpSpPr>
-      <p:grpSpPr>
-        <a:xfrm>
-          <a:off x="0" y="0"/>
-          <a:ext cx="0" cy="0"/>
-          <a:chOff x="0" y="0"/>
-          <a:chExt cx="0" cy="0"/>
-        </a:xfrm>
-      </p:grpSpPr>
-      <p:sp>
-        <p:nvSpPr>
-          <p:cNvPr id="3" name="Titel 2">
-            <a:extLst>
-              <a:ext uri="{FF2B5EF4-FFF2-40B4-BE49-F238E27FC236}">
-                <a16:creationId xmlns:a16="http://schemas.microsoft.com/office/drawing/2014/main" id="{819AE10C-D5B2-1A3B-98D9-04B2A69D199E}"/>
-              </a:ext>
-            </a:extLst>
-          </p:cNvPr>
-          <p:cNvSpPr>
-            <a:spLocks noGrp="1"/>
-          </p:cNvSpPr>
-          <p:nvPr>
-            <p:ph type="title"/>
-          </p:nvPr>
-        </p:nvSpPr>
-        <p:spPr/>
-        <p:txBody>
-          <a:bodyPr/>
-          <a:lstStyle/>
-          <a:p>
-            <a:r>
-              <a:rPr lang="de-DE" dirty="0"/>
-              <a:t>Kammerton auslöschen </a:t>
-            </a:r>
-          </a:p>
-        </p:txBody>
-      </p:sp>
-      <p:sp>
-        <p:nvSpPr>
-          <p:cNvPr id="6" name="Foliennummernplatzhalter 5">
-            <a:extLst>
-              <a:ext uri="{FF2B5EF4-FFF2-40B4-BE49-F238E27FC236}">
-                <a16:creationId xmlns:a16="http://schemas.microsoft.com/office/drawing/2014/main" id="{8C691484-B0EB-6D91-63A1-5DF4341D97EB}"/>
-              </a:ext>
-            </a:extLst>
-          </p:cNvPr>
-          <p:cNvSpPr>
-            <a:spLocks noGrp="1"/>
-          </p:cNvSpPr>
-          <p:nvPr>
-            <p:ph type="sldNum" sz="quarter" idx="12"/>
-          </p:nvPr>
-        </p:nvSpPr>
-        <p:spPr/>
-        <p:txBody>
-          <a:bodyPr/>
-          <a:lstStyle/>
-          <a:p>
-            <a:pPr rtl="0"/>
-            <a:fld id="{B5CEABB6-07DC-46E8-9B57-56EC44A396E5}" type="slidenum">
-              <a:rPr lang="de-DE" noProof="0" smtClean="0"/>
-              <a:t>13</a:t>
-            </a:fld>
-            <a:endParaRPr lang="de-DE" noProof="0"/>
-          </a:p>
-        </p:txBody>
-      </p:sp>
-      <p:pic>
-        <p:nvPicPr>
           <p:cNvPr id="8" name="Grafik 7">
             <a:extLst>
               <a:ext uri="{FF2B5EF4-FFF2-40B4-BE49-F238E27FC236}">
@@ -18443,8 +17677,8 @@
         </p:blipFill>
         <p:spPr>
           <a:xfrm>
-            <a:off x="211919" y="2205950"/>
-            <a:ext cx="5673081" cy="2141711"/>
+            <a:off x="437197" y="1587817"/>
+            <a:ext cx="4459885" cy="1683703"/>
           </a:xfrm>
           <a:prstGeom prst="rect">
             <a:avLst/>
@@ -18473,8 +17707,8 @@
         </p:blipFill>
         <p:spPr>
           <a:xfrm>
-            <a:off x="6306999" y="2205950"/>
-            <a:ext cx="5673082" cy="2149972"/>
+            <a:off x="437196" y="3429000"/>
+            <a:ext cx="4459885" cy="1690197"/>
           </a:xfrm>
           <a:prstGeom prst="rect">
             <a:avLst/>
@@ -18483,25 +17717,17 @@
       </p:pic>
       <p:pic>
         <p:nvPicPr>
-          <p:cNvPr id="17" name="audio2">
-            <a:hlinkClick r:id="" action="ppaction://media"/>
-            <a:extLst>
-              <a:ext uri="{FF2B5EF4-FFF2-40B4-BE49-F238E27FC236}">
-                <a16:creationId xmlns:a16="http://schemas.microsoft.com/office/drawing/2014/main" id="{772540FA-E478-0FC6-8214-464301C86A10}"/>
+          <p:cNvPr id="12" name="Grafik 11">
+            <a:extLst>
+              <a:ext uri="{FF2B5EF4-FFF2-40B4-BE49-F238E27FC236}">
+                <a16:creationId xmlns:a16="http://schemas.microsoft.com/office/drawing/2014/main" id="{A589B016-B55D-31CE-CF55-90A692401F4E}"/>
               </a:ext>
             </a:extLst>
           </p:cNvPr>
           <p:cNvPicPr>
             <a:picLocks noChangeAspect="1"/>
           </p:cNvPicPr>
-          <p:nvPr>
-            <a:audioFile r:link="rId2"/>
-            <p:extLst>
-              <p:ext uri="{DAA4B4D4-6D71-4841-9C94-3DE7FCFB9230}">
-                <p14:media xmlns:p14="http://schemas.microsoft.com/office/powerpoint/2010/main" r:embed="rId1"/>
-              </p:ext>
-            </p:extLst>
-          </p:nvPr>
+          <p:nvPr/>
         </p:nvPicPr>
         <p:blipFill>
           <a:blip r:embed="rId10"/>
@@ -18511,7 +17737,75 @@
         </p:blipFill>
         <p:spPr>
           <a:xfrm>
-            <a:off x="1008887" y="5297961"/>
+            <a:off x="6710531" y="1720513"/>
+            <a:ext cx="4643269" cy="609620"/>
+          </a:xfrm>
+          <a:prstGeom prst="rect">
+            <a:avLst/>
+          </a:prstGeom>
+        </p:spPr>
+      </p:pic>
+      <p:pic>
+        <p:nvPicPr>
+          <p:cNvPr id="14" name="Grafik 13">
+            <a:extLst>
+              <a:ext uri="{FF2B5EF4-FFF2-40B4-BE49-F238E27FC236}">
+                <a16:creationId xmlns:a16="http://schemas.microsoft.com/office/drawing/2014/main" id="{13C7F0F5-D6EC-337C-5C17-EA5012E2E4D8}"/>
+              </a:ext>
+            </a:extLst>
+          </p:cNvPr>
+          <p:cNvPicPr>
+            <a:picLocks noChangeAspect="1"/>
+          </p:cNvPicPr>
+          <p:nvPr/>
+        </p:nvPicPr>
+        <p:blipFill>
+          <a:blip r:embed="rId11"/>
+          <a:stretch>
+            <a:fillRect/>
+          </a:stretch>
+        </p:blipFill>
+        <p:spPr>
+          <a:xfrm>
+            <a:off x="6706782" y="2535480"/>
+            <a:ext cx="4643269" cy="337889"/>
+          </a:xfrm>
+          <a:prstGeom prst="rect">
+            <a:avLst/>
+          </a:prstGeom>
+        </p:spPr>
+      </p:pic>
+      <p:pic>
+        <p:nvPicPr>
+          <p:cNvPr id="17" name="audio2">
+            <a:hlinkClick r:id="" action="ppaction://media"/>
+            <a:extLst>
+              <a:ext uri="{FF2B5EF4-FFF2-40B4-BE49-F238E27FC236}">
+                <a16:creationId xmlns:a16="http://schemas.microsoft.com/office/drawing/2014/main" id="{772540FA-E478-0FC6-8214-464301C86A10}"/>
+              </a:ext>
+            </a:extLst>
+          </p:cNvPr>
+          <p:cNvPicPr>
+            <a:picLocks noChangeAspect="1"/>
+          </p:cNvPicPr>
+          <p:nvPr>
+            <a:audioFile r:link="rId2"/>
+            <p:extLst>
+              <p:ext uri="{DAA4B4D4-6D71-4841-9C94-3DE7FCFB9230}">
+                <p14:media xmlns:p14="http://schemas.microsoft.com/office/powerpoint/2010/main" r:embed="rId1"/>
+              </p:ext>
+            </p:extLst>
+          </p:nvPr>
+        </p:nvPicPr>
+        <p:blipFill>
+          <a:blip r:embed="rId12"/>
+          <a:stretch>
+            <a:fillRect/>
+          </a:stretch>
+        </p:blipFill>
+        <p:spPr>
+          <a:xfrm>
+            <a:off x="594518" y="5541645"/>
             <a:ext cx="487363" cy="487363"/>
           </a:xfrm>
           <a:prstGeom prst="rect">
@@ -18542,14 +17836,14 @@
           </p:nvPr>
         </p:nvPicPr>
         <p:blipFill>
-          <a:blip r:embed="rId10"/>
+          <a:blip r:embed="rId12"/>
           <a:stretch>
             <a:fillRect/>
           </a:stretch>
         </p:blipFill>
         <p:spPr>
           <a:xfrm>
-            <a:off x="4449887" y="5297961"/>
+            <a:off x="2394981" y="5566249"/>
             <a:ext cx="487363" cy="487363"/>
           </a:xfrm>
           <a:prstGeom prst="rect">
@@ -18580,14 +17874,14 @@
           </p:nvPr>
         </p:nvPicPr>
         <p:blipFill>
-          <a:blip r:embed="rId10"/>
+          <a:blip r:embed="rId12"/>
           <a:stretch>
             <a:fillRect/>
           </a:stretch>
         </p:blipFill>
         <p:spPr>
           <a:xfrm>
-            <a:off x="9175258" y="5297963"/>
+            <a:off x="4195445" y="5541644"/>
             <a:ext cx="487363" cy="487363"/>
           </a:xfrm>
           <a:prstGeom prst="rect">
@@ -18598,7 +17892,7 @@
     </p:spTree>
     <p:extLst>
       <p:ext uri="{BB962C8B-B14F-4D97-AF65-F5344CB8AC3E}">
-        <p14:creationId xmlns:p14="http://schemas.microsoft.com/office/powerpoint/2010/main" val="2922249950"/>
+        <p14:creationId xmlns:p14="http://schemas.microsoft.com/office/powerpoint/2010/main" val="1410074824"/>
       </p:ext>
     </p:extLst>
   </p:cSld>
@@ -18800,6 +18094,137 @@
 </p:sld>
 </file>
 
+<file path=ppt/slides/slide13.xml><?xml version="1.0" encoding="utf-8"?>
+<p:sld xmlns:a="http://schemas.openxmlformats.org/drawingml/2006/main" xmlns:r="http://schemas.openxmlformats.org/officeDocument/2006/relationships" xmlns:p="http://schemas.openxmlformats.org/presentationml/2006/main">
+  <p:cSld>
+    <p:spTree>
+      <p:nvGrpSpPr>
+        <p:cNvPr id="1" name=""/>
+        <p:cNvGrpSpPr/>
+        <p:nvPr/>
+      </p:nvGrpSpPr>
+      <p:grpSpPr>
+        <a:xfrm>
+          <a:off x="0" y="0"/>
+          <a:ext cx="0" cy="0"/>
+          <a:chOff x="0" y="0"/>
+          <a:chExt cx="0" cy="0"/>
+        </a:xfrm>
+      </p:grpSpPr>
+      <p:sp>
+        <p:nvSpPr>
+          <p:cNvPr id="6" name="Foliennummernplatzhalter 5">
+            <a:extLst>
+              <a:ext uri="{FF2B5EF4-FFF2-40B4-BE49-F238E27FC236}">
+                <a16:creationId xmlns:a16="http://schemas.microsoft.com/office/drawing/2014/main" id="{BE788CA4-A504-DC1F-41F4-7D22B30DDD69}"/>
+              </a:ext>
+            </a:extLst>
+          </p:cNvPr>
+          <p:cNvSpPr>
+            <a:spLocks noGrp="1"/>
+          </p:cNvSpPr>
+          <p:nvPr>
+            <p:ph type="sldNum" sz="quarter" idx="12"/>
+          </p:nvPr>
+        </p:nvSpPr>
+        <p:spPr/>
+        <p:txBody>
+          <a:bodyPr/>
+          <a:lstStyle/>
+          <a:p>
+            <a:pPr rtl="0"/>
+            <a:fld id="{B5CEABB6-07DC-46E8-9B57-56EC44A396E5}" type="slidenum">
+              <a:rPr lang="de-DE" noProof="0" smtClean="0"/>
+              <a:t>13</a:t>
+            </a:fld>
+            <a:endParaRPr lang="de-DE" noProof="0"/>
+          </a:p>
+        </p:txBody>
+      </p:sp>
+      <p:sp>
+        <p:nvSpPr>
+          <p:cNvPr id="8" name="Titel 2">
+            <a:extLst>
+              <a:ext uri="{FF2B5EF4-FFF2-40B4-BE49-F238E27FC236}">
+                <a16:creationId xmlns:a16="http://schemas.microsoft.com/office/drawing/2014/main" id="{C570B848-DF6D-B96C-5741-468A33877E28}"/>
+              </a:ext>
+            </a:extLst>
+          </p:cNvPr>
+          <p:cNvSpPr>
+            <a:spLocks noGrp="1"/>
+          </p:cNvSpPr>
+          <p:nvPr>
+            <p:ph type="title"/>
+          </p:nvPr>
+        </p:nvSpPr>
+        <p:spPr>
+          <a:xfrm>
+            <a:off x="838200" y="365125"/>
+            <a:ext cx="10515600" cy="1325563"/>
+          </a:xfrm>
+        </p:spPr>
+        <p:txBody>
+          <a:bodyPr/>
+          <a:lstStyle/>
+          <a:p>
+            <a:r>
+              <a:rPr lang="de-DE" sz="1800" dirty="0">
+                <a:effectLst/>
+                <a:latin typeface="Aptos" panose="020B0004020202020204" pitchFamily="34" charset="0"/>
+                <a:ea typeface="Aptos" panose="020B0004020202020204" pitchFamily="34" charset="0"/>
+                <a:cs typeface="Times New Roman" panose="02020603050405020304" pitchFamily="18" charset="0"/>
+              </a:rPr>
+              <a:t>Die Approximation einer Rechteckswelle </a:t>
+            </a:r>
+            <a:r>
+              <a:rPr lang="de-DE" dirty="0"/>
+              <a:t> </a:t>
+            </a:r>
+          </a:p>
+        </p:txBody>
+      </p:sp>
+      <p:pic>
+        <p:nvPicPr>
+          <p:cNvPr id="12" name="Grafik 11">
+            <a:extLst>
+              <a:ext uri="{FF2B5EF4-FFF2-40B4-BE49-F238E27FC236}">
+                <a16:creationId xmlns:a16="http://schemas.microsoft.com/office/drawing/2014/main" id="{A5D2332E-D191-5E47-F6AA-5F95B4A7529E}"/>
+              </a:ext>
+            </a:extLst>
+          </p:cNvPr>
+          <p:cNvPicPr>
+            <a:picLocks noChangeAspect="1"/>
+          </p:cNvPicPr>
+          <p:nvPr/>
+        </p:nvPicPr>
+        <p:blipFill rotWithShape="1">
+          <a:blip r:embed="rId2"/>
+          <a:srcRect/>
+          <a:stretch/>
+        </p:blipFill>
+        <p:spPr>
+          <a:xfrm>
+            <a:off x="423443" y="1590421"/>
+            <a:ext cx="6315916" cy="4866196"/>
+          </a:xfrm>
+          <a:prstGeom prst="rect">
+            <a:avLst/>
+          </a:prstGeom>
+        </p:spPr>
+      </p:pic>
+    </p:spTree>
+    <p:extLst>
+      <p:ext uri="{BB962C8B-B14F-4D97-AF65-F5344CB8AC3E}">
+        <p14:creationId xmlns:p14="http://schemas.microsoft.com/office/powerpoint/2010/main" val="1153299213"/>
+      </p:ext>
+    </p:extLst>
+  </p:cSld>
+  <p:clrMapOvr>
+    <a:masterClrMapping/>
+  </p:clrMapOvr>
+</p:sld>
+</file>
+
 <file path=ppt/slides/slide14.xml><?xml version="1.0" encoding="utf-8"?>
 <p:sld xmlns:a="http://schemas.openxmlformats.org/drawingml/2006/main" xmlns:r="http://schemas.openxmlformats.org/officeDocument/2006/relationships" xmlns:p="http://schemas.openxmlformats.org/presentationml/2006/main">
   <p:cSld>
@@ -18822,7 +18247,7 @@
           <p:cNvPr id="6" name="Foliennummernplatzhalter 5">
             <a:extLst>
               <a:ext uri="{FF2B5EF4-FFF2-40B4-BE49-F238E27FC236}">
-                <a16:creationId xmlns:a16="http://schemas.microsoft.com/office/drawing/2014/main" id="{BE788CA4-A504-DC1F-41F4-7D22B30DDD69}"/>
+                <a16:creationId xmlns:a16="http://schemas.microsoft.com/office/drawing/2014/main" id="{954EFB3D-4B1F-6518-EF9E-CB69FF193CAE}"/>
               </a:ext>
             </a:extLst>
           </p:cNvPr>
@@ -18842,137 +18267,6 @@
             <a:fld id="{B5CEABB6-07DC-46E8-9B57-56EC44A396E5}" type="slidenum">
               <a:rPr lang="de-DE" noProof="0" smtClean="0"/>
               <a:t>14</a:t>
-            </a:fld>
-            <a:endParaRPr lang="de-DE" noProof="0"/>
-          </a:p>
-        </p:txBody>
-      </p:sp>
-      <p:sp>
-        <p:nvSpPr>
-          <p:cNvPr id="8" name="Titel 2">
-            <a:extLst>
-              <a:ext uri="{FF2B5EF4-FFF2-40B4-BE49-F238E27FC236}">
-                <a16:creationId xmlns:a16="http://schemas.microsoft.com/office/drawing/2014/main" id="{C570B848-DF6D-B96C-5741-468A33877E28}"/>
-              </a:ext>
-            </a:extLst>
-          </p:cNvPr>
-          <p:cNvSpPr>
-            <a:spLocks noGrp="1"/>
-          </p:cNvSpPr>
-          <p:nvPr>
-            <p:ph type="title"/>
-          </p:nvPr>
-        </p:nvSpPr>
-        <p:spPr>
-          <a:xfrm>
-            <a:off x="838200" y="365125"/>
-            <a:ext cx="10515600" cy="1325563"/>
-          </a:xfrm>
-        </p:spPr>
-        <p:txBody>
-          <a:bodyPr/>
-          <a:lstStyle/>
-          <a:p>
-            <a:r>
-              <a:rPr lang="de-DE" sz="1800" dirty="0">
-                <a:effectLst/>
-                <a:latin typeface="Aptos" panose="020B0004020202020204" pitchFamily="34" charset="0"/>
-                <a:ea typeface="Aptos" panose="020B0004020202020204" pitchFamily="34" charset="0"/>
-                <a:cs typeface="Times New Roman" panose="02020603050405020304" pitchFamily="18" charset="0"/>
-              </a:rPr>
-              <a:t>Die Approximation einer Rechteckswelle </a:t>
-            </a:r>
-            <a:r>
-              <a:rPr lang="de-DE" dirty="0"/>
-              <a:t> </a:t>
-            </a:r>
-          </a:p>
-        </p:txBody>
-      </p:sp>
-      <p:pic>
-        <p:nvPicPr>
-          <p:cNvPr id="12" name="Grafik 11">
-            <a:extLst>
-              <a:ext uri="{FF2B5EF4-FFF2-40B4-BE49-F238E27FC236}">
-                <a16:creationId xmlns:a16="http://schemas.microsoft.com/office/drawing/2014/main" id="{A5D2332E-D191-5E47-F6AA-5F95B4A7529E}"/>
-              </a:ext>
-            </a:extLst>
-          </p:cNvPr>
-          <p:cNvPicPr>
-            <a:picLocks noChangeAspect="1"/>
-          </p:cNvPicPr>
-          <p:nvPr/>
-        </p:nvPicPr>
-        <p:blipFill rotWithShape="1">
-          <a:blip r:embed="rId2"/>
-          <a:srcRect/>
-          <a:stretch/>
-        </p:blipFill>
-        <p:spPr>
-          <a:xfrm>
-            <a:off x="423443" y="1590421"/>
-            <a:ext cx="6315916" cy="4866196"/>
-          </a:xfrm>
-          <a:prstGeom prst="rect">
-            <a:avLst/>
-          </a:prstGeom>
-        </p:spPr>
-      </p:pic>
-    </p:spTree>
-    <p:extLst>
-      <p:ext uri="{BB962C8B-B14F-4D97-AF65-F5344CB8AC3E}">
-        <p14:creationId xmlns:p14="http://schemas.microsoft.com/office/powerpoint/2010/main" val="1153299213"/>
-      </p:ext>
-    </p:extLst>
-  </p:cSld>
-  <p:clrMapOvr>
-    <a:masterClrMapping/>
-  </p:clrMapOvr>
-</p:sld>
-</file>
-
-<file path=ppt/slides/slide15.xml><?xml version="1.0" encoding="utf-8"?>
-<p:sld xmlns:a="http://schemas.openxmlformats.org/drawingml/2006/main" xmlns:r="http://schemas.openxmlformats.org/officeDocument/2006/relationships" xmlns:p="http://schemas.openxmlformats.org/presentationml/2006/main">
-  <p:cSld>
-    <p:spTree>
-      <p:nvGrpSpPr>
-        <p:cNvPr id="1" name=""/>
-        <p:cNvGrpSpPr/>
-        <p:nvPr/>
-      </p:nvGrpSpPr>
-      <p:grpSpPr>
-        <a:xfrm>
-          <a:off x="0" y="0"/>
-          <a:ext cx="0" cy="0"/>
-          <a:chOff x="0" y="0"/>
-          <a:chExt cx="0" cy="0"/>
-        </a:xfrm>
-      </p:grpSpPr>
-      <p:sp>
-        <p:nvSpPr>
-          <p:cNvPr id="6" name="Foliennummernplatzhalter 5">
-            <a:extLst>
-              <a:ext uri="{FF2B5EF4-FFF2-40B4-BE49-F238E27FC236}">
-                <a16:creationId xmlns:a16="http://schemas.microsoft.com/office/drawing/2014/main" id="{954EFB3D-4B1F-6518-EF9E-CB69FF193CAE}"/>
-              </a:ext>
-            </a:extLst>
-          </p:cNvPr>
-          <p:cNvSpPr>
-            <a:spLocks noGrp="1"/>
-          </p:cNvSpPr>
-          <p:nvPr>
-            <p:ph type="sldNum" sz="quarter" idx="12"/>
-          </p:nvPr>
-        </p:nvSpPr>
-        <p:spPr/>
-        <p:txBody>
-          <a:bodyPr/>
-          <a:lstStyle/>
-          <a:p>
-            <a:pPr rtl="0"/>
-            <a:fld id="{B5CEABB6-07DC-46E8-9B57-56EC44A396E5}" type="slidenum">
-              <a:rPr lang="de-DE" noProof="0" smtClean="0"/>
-              <a:t>15</a:t>
             </a:fld>
             <a:endParaRPr lang="de-DE" noProof="0"/>
           </a:p>
@@ -19000,8 +18294,8 @@
         </p:blipFill>
         <p:spPr>
           <a:xfrm>
-            <a:off x="546099" y="3429001"/>
-            <a:ext cx="5959245" cy="2771860"/>
+            <a:off x="546099" y="2204357"/>
+            <a:ext cx="8592117" cy="3996504"/>
           </a:xfrm>
           <a:prstGeom prst="rect">
             <a:avLst/>
@@ -19038,7 +18332,7 @@
         </p:blipFill>
         <p:spPr>
           <a:xfrm>
-            <a:off x="6786245" y="3429000"/>
+            <a:off x="9467623" y="2498272"/>
             <a:ext cx="487363" cy="487363"/>
           </a:xfrm>
           <a:prstGeom prst="rect">
@@ -19076,7 +18370,7 @@
         </p:blipFill>
         <p:spPr>
           <a:xfrm>
-            <a:off x="6786244" y="4444365"/>
+            <a:off x="9407751" y="3845468"/>
             <a:ext cx="487363" cy="487363"/>
           </a:xfrm>
           <a:prstGeom prst="rect">
@@ -19114,7 +18408,7 @@
         </p:blipFill>
         <p:spPr>
           <a:xfrm>
-            <a:off x="6786244" y="5459730"/>
+            <a:off x="9397816" y="5192664"/>
             <a:ext cx="487363" cy="487363"/>
           </a:xfrm>
           <a:prstGeom prst="rect">
@@ -19327,7 +18621,7 @@
 </p:sld>
 </file>
 
-<file path=ppt/slides/slide16.xml><?xml version="1.0" encoding="utf-8"?>
+<file path=ppt/slides/slide15.xml><?xml version="1.0" encoding="utf-8"?>
 <p:sld xmlns:a="http://schemas.openxmlformats.org/drawingml/2006/main" xmlns:r="http://schemas.openxmlformats.org/officeDocument/2006/relationships" xmlns:p="http://schemas.openxmlformats.org/presentationml/2006/main">
   <p:cSld>
     <p:spTree>
@@ -19393,7 +18687,7 @@
             <a:pPr rtl="0"/>
             <a:fld id="{B5CEABB6-07DC-46E8-9B57-56EC44A396E5}" type="slidenum">
               <a:rPr lang="de-DE" noProof="0" smtClean="0"/>
-              <a:t>16</a:t>
+              <a:t>15</a:t>
             </a:fld>
             <a:endParaRPr lang="de-DE" noProof="0"/>
           </a:p>
@@ -19686,7 +18980,7 @@
 </p:sld>
 </file>
 
-<file path=ppt/slides/slide17.xml><?xml version="1.0" encoding="utf-8"?>
+<file path=ppt/slides/slide16.xml><?xml version="1.0" encoding="utf-8"?>
 <p:sld xmlns:a="http://schemas.openxmlformats.org/drawingml/2006/main" xmlns:r="http://schemas.openxmlformats.org/officeDocument/2006/relationships" xmlns:p="http://schemas.openxmlformats.org/presentationml/2006/main">
   <p:cSld>
     <p:spTree>
@@ -19833,7 +19127,7 @@
             <a:fld id="{B5CEABB6-07DC-46E8-9B57-56EC44A396E5}" type="slidenum">
               <a:rPr lang="de-DE" smtClean="0"/>
               <a:pPr rtl="0"/>
-              <a:t>17</a:t>
+              <a:t>16</a:t>
             </a:fld>
             <a:endParaRPr lang="de-DE"/>
           </a:p>
@@ -21802,8 +21096,8 @@
           </a:prstGeom>
         </p:spPr>
       </p:pic>
-      <mc:AlternateContent xmlns:mc="http://schemas.openxmlformats.org/markup-compatibility/2006" xmlns:a14="http://schemas.microsoft.com/office/drawing/2010/main">
-        <mc:Choice Requires="a14">
+      <mc:AlternateContent xmlns:mc="http://schemas.openxmlformats.org/markup-compatibility/2006">
+        <mc:Choice xmlns:a14="http://schemas.microsoft.com/office/drawing/2010/main" Requires="a14">
           <p:sp>
             <p:nvSpPr>
               <p:cNvPr id="19" name="Textfeld 18">
@@ -21877,7 +21171,6 @@
                 </a:r>
               </a:p>
               <a:p>
-                <a:pPr/>
                 <a14:m>
                   <m:oMathPara xmlns:m="http://schemas.openxmlformats.org/officeDocument/2006/math">
                     <m:oMathParaPr>
@@ -21971,7 +21264,7 @@
             </p:txBody>
           </p:sp>
         </mc:Choice>
-        <mc:Fallback xmlns="">
+        <mc:Fallback>
           <p:sp>
             <p:nvSpPr>
               <p:cNvPr id="19" name="Textfeld 18">
@@ -22016,8 +21309,8 @@
           </p:sp>
         </mc:Fallback>
       </mc:AlternateContent>
-      <mc:AlternateContent xmlns:mc="http://schemas.openxmlformats.org/markup-compatibility/2006" xmlns:a14="http://schemas.microsoft.com/office/drawing/2010/main">
-        <mc:Choice Requires="a14">
+      <mc:AlternateContent xmlns:mc="http://schemas.openxmlformats.org/markup-compatibility/2006">
+        <mc:Choice xmlns:a14="http://schemas.microsoft.com/office/drawing/2010/main" Requires="a14">
           <p:sp>
             <p:nvSpPr>
               <p:cNvPr id="21" name="Textfeld 20">
@@ -22120,7 +21413,7 @@
             </p:txBody>
           </p:sp>
         </mc:Choice>
-        <mc:Fallback xmlns="">
+        <mc:Fallback>
           <p:sp>
             <p:nvSpPr>
               <p:cNvPr id="21" name="Textfeld 20">
@@ -22146,7 +21439,7 @@
               <a:blipFill>
                 <a:blip r:embed="rId9"/>
                 <a:stretch>
-                  <a:fillRect/>
+                  <a:fillRect b="-1198"/>
                 </a:stretch>
               </a:blipFill>
             </p:spPr>
@@ -22431,8 +21724,8 @@
           </a:prstGeom>
         </p:spPr>
       </p:pic>
-      <mc:AlternateContent xmlns:mc="http://schemas.openxmlformats.org/markup-compatibility/2006" xmlns:a14="http://schemas.microsoft.com/office/drawing/2010/main">
-        <mc:Choice Requires="a14">
+      <mc:AlternateContent xmlns:mc="http://schemas.openxmlformats.org/markup-compatibility/2006">
+        <mc:Choice xmlns:a14="http://schemas.microsoft.com/office/drawing/2010/main" Requires="a14">
           <p:sp>
             <p:nvSpPr>
               <p:cNvPr id="10" name="Textfeld 9">
@@ -22903,7 +22196,7 @@
             </p:txBody>
           </p:sp>
         </mc:Choice>
-        <mc:Fallback xmlns="">
+        <mc:Fallback>
           <p:sp>
             <p:nvSpPr>
               <p:cNvPr id="10" name="Textfeld 9">
@@ -23035,8 +22328,8 @@
           </a:p>
         </p:txBody>
       </p:sp>
-      <mc:AlternateContent xmlns:mc="http://schemas.openxmlformats.org/markup-compatibility/2006" xmlns:a14="http://schemas.microsoft.com/office/drawing/2010/main">
-        <mc:Choice Requires="a14">
+      <mc:AlternateContent xmlns:mc="http://schemas.openxmlformats.org/markup-compatibility/2006">
+        <mc:Choice xmlns:a14="http://schemas.microsoft.com/office/drawing/2010/main" Requires="a14">
           <p:sp>
             <p:nvSpPr>
               <p:cNvPr id="23" name="Text Placeholder 2">
@@ -23063,7 +22356,6 @@
               <a:bodyPr/>
               <a:lstStyle/>
               <a:p>
-                <a:pPr/>
                 <a14:m>
                   <m:oMathPara xmlns:m="http://schemas.openxmlformats.org/officeDocument/2006/math">
                     <m:oMathParaPr>
@@ -23200,7 +22492,7 @@
             </p:txBody>
           </p:sp>
         </mc:Choice>
-        <mc:Fallback xmlns="">
+        <mc:Fallback>
           <p:sp>
             <p:nvSpPr>
               <p:cNvPr id="23" name="Text Placeholder 2">
@@ -23274,8 +22566,8 @@
           <a:noFill/>
         </p:spPr>
       </p:pic>
-      <mc:AlternateContent xmlns:mc="http://schemas.openxmlformats.org/markup-compatibility/2006" xmlns:a14="http://schemas.microsoft.com/office/drawing/2010/main">
-        <mc:Choice Requires="a14">
+      <mc:AlternateContent xmlns:mc="http://schemas.openxmlformats.org/markup-compatibility/2006">
+        <mc:Choice xmlns:a14="http://schemas.microsoft.com/office/drawing/2010/main" Requires="a14">
           <p:sp>
             <p:nvSpPr>
               <p:cNvPr id="25" name="Text Placeholder 4">
@@ -23349,7 +22641,6 @@
                 </a:endParaRPr>
               </a:p>
               <a:p>
-                <a:pPr/>
                 <a14:m>
                   <m:oMathPara xmlns:m="http://schemas.openxmlformats.org/officeDocument/2006/math">
                     <m:oMathParaPr>
@@ -23486,7 +22777,7 @@
             </p:txBody>
           </p:sp>
         </mc:Choice>
-        <mc:Fallback xmlns="">
+        <mc:Fallback>
           <p:sp>
             <p:nvSpPr>
               <p:cNvPr id="25" name="Text Placeholder 4">
@@ -23562,8 +22853,8 @@
           <a:noFill/>
         </p:spPr>
       </p:pic>
-      <mc:AlternateContent xmlns:mc="http://schemas.openxmlformats.org/markup-compatibility/2006" xmlns:a14="http://schemas.microsoft.com/office/drawing/2010/main">
-        <mc:Choice Requires="a14">
+      <mc:AlternateContent xmlns:mc="http://schemas.openxmlformats.org/markup-compatibility/2006">
+        <mc:Choice xmlns:a14="http://schemas.microsoft.com/office/drawing/2010/main" Requires="a14">
           <p:sp>
             <p:nvSpPr>
               <p:cNvPr id="27" name="Text Placeholder 6">
@@ -23590,7 +22881,6 @@
               <a:bodyPr/>
               <a:lstStyle/>
               <a:p>
-                <a:pPr/>
                 <a14:m>
                   <m:oMathPara xmlns:m="http://schemas.openxmlformats.org/officeDocument/2006/math">
                     <m:oMathParaPr>
@@ -23665,7 +22955,24 @@
                           <a:latin typeface="Cambria Math" panose="02040503050406030204" pitchFamily="18" charset="0"/>
                           <a:ea typeface="Cambria Math" panose="02040503050406030204" pitchFamily="18" charset="0"/>
                         </a:rPr>
-                        <m:t>∗3∗</m:t>
+                        <m:t>∗</m:t>
+                      </m:r>
+                      <m:r>
+                        <a:rPr lang="de-DE" sz="1200" b="0" i="1" smtClean="0">
+                          <a:highlight>
+                            <a:srgbClr val="FFFF00"/>
+                          </a:highlight>
+                          <a:latin typeface="Cambria Math" panose="02040503050406030204" pitchFamily="18" charset="0"/>
+                          <a:ea typeface="Cambria Math" panose="02040503050406030204" pitchFamily="18" charset="0"/>
+                        </a:rPr>
+                        <m:t>3</m:t>
+                      </m:r>
+                      <m:r>
+                        <a:rPr lang="de-DE" sz="1200" b="0" i="1" smtClean="0">
+                          <a:latin typeface="Cambria Math" panose="02040503050406030204" pitchFamily="18" charset="0"/>
+                          <a:ea typeface="Cambria Math" panose="02040503050406030204" pitchFamily="18" charset="0"/>
+                        </a:rPr>
+                        <m:t>∗</m:t>
                       </m:r>
                       <m:sSub>
                         <m:sSubPr>
@@ -23727,7 +23034,7 @@
             </p:txBody>
           </p:sp>
         </mc:Choice>
-        <mc:Fallback xmlns="">
+        <mc:Fallback>
           <p:sp>
             <p:nvSpPr>
               <p:cNvPr id="27" name="Text Placeholder 6">
@@ -23961,8 +23268,8 @@
           </a:prstGeom>
         </p:spPr>
       </p:pic>
-      <mc:AlternateContent xmlns:mc="http://schemas.openxmlformats.org/markup-compatibility/2006" xmlns:a14="http://schemas.microsoft.com/office/drawing/2010/main">
-        <mc:Choice Requires="a14">
+      <mc:AlternateContent xmlns:mc="http://schemas.openxmlformats.org/markup-compatibility/2006">
+        <mc:Choice xmlns:a14="http://schemas.microsoft.com/office/drawing/2010/main" Requires="a14">
           <p:sp>
             <p:nvSpPr>
               <p:cNvPr id="10" name="Textfeld 9">
@@ -24130,7 +23437,7 @@
             </p:txBody>
           </p:sp>
         </mc:Choice>
-        <mc:Fallback xmlns="">
+        <mc:Fallback>
           <p:sp>
             <p:nvSpPr>
               <p:cNvPr id="10" name="Textfeld 9">
@@ -24897,7 +24204,7 @@
                 <a:ea typeface="Aptos" panose="020B0004020202020204" pitchFamily="34" charset="0"/>
                 <a:cs typeface="Times New Roman" panose="02020603050405020304" pitchFamily="18" charset="0"/>
               </a:rPr>
-              <a:t> konstruktiver Interferenz -&gt; verstärken sich die Amplituden. </a:t>
+              <a:t>konstruktiver Interferenz -&gt; verstärken sich die Amplituden. </a:t>
             </a:r>
           </a:p>
           <a:p>
@@ -24918,7 +24225,7 @@
                 <a:ea typeface="Aptos" panose="020B0004020202020204" pitchFamily="34" charset="0"/>
                 <a:cs typeface="Times New Roman" panose="02020603050405020304" pitchFamily="18" charset="0"/>
               </a:rPr>
-              <a:t>Bei destruktiver Interferenz -&gt; schwächen sich die Amplituden ab. </a:t>
+              <a:t>destruktiver Interferenz -&gt; schwächen sich die Amplituden ab. </a:t>
             </a:r>
           </a:p>
         </p:txBody>
@@ -25053,25 +24360,15 @@
             <p:ph type="title"/>
           </p:nvPr>
         </p:nvSpPr>
-        <p:spPr>
-          <a:xfrm>
-            <a:off x="1289304" y="892177"/>
-            <a:ext cx="10140696" cy="1325563"/>
-          </a:xfrm>
-        </p:spPr>
+        <p:spPr/>
         <p:txBody>
           <a:bodyPr/>
           <a:lstStyle/>
           <a:p>
             <a:r>
               <a:rPr lang="de-DE" dirty="0"/>
-              <a:t>Phasenverschiebung der drei Einzeltöne mit einer </a:t>
-            </a:r>
-            <a:r>
-              <a:rPr lang="de-DE" dirty="0" err="1"/>
-              <a:t>zufallsfunktion</a:t>
-            </a:r>
-            <a:endParaRPr lang="de-DE" dirty="0"/>
+              <a:t>Zufällige Phasenverschiebung </a:t>
+            </a:r>
           </a:p>
         </p:txBody>
       </p:sp>
@@ -25127,390 +24424,14 @@
         </p:blipFill>
         <p:spPr>
           <a:xfrm>
-            <a:off x="1430695" y="2036611"/>
-            <a:ext cx="8828873" cy="2232588"/>
+            <a:off x="626023" y="2045035"/>
+            <a:ext cx="5910753" cy="1494673"/>
           </a:xfrm>
           <a:prstGeom prst="rect">
             <a:avLst/>
           </a:prstGeom>
         </p:spPr>
       </p:pic>
-      <p:sp>
-        <p:nvSpPr>
-          <p:cNvPr id="3" name="Textfeld 2">
-            <a:extLst>
-              <a:ext uri="{FF2B5EF4-FFF2-40B4-BE49-F238E27FC236}">
-                <a16:creationId xmlns:a16="http://schemas.microsoft.com/office/drawing/2014/main" id="{76907542-5B21-DDE3-B1BD-4D8A8B936B8B}"/>
-              </a:ext>
-            </a:extLst>
-          </p:cNvPr>
-          <p:cNvSpPr txBox="1"/>
-          <p:nvPr/>
-        </p:nvSpPr>
-        <p:spPr>
-          <a:xfrm>
-            <a:off x="6693408" y="4523889"/>
-            <a:ext cx="4736592" cy="1938992"/>
-          </a:xfrm>
-          <a:prstGeom prst="rect">
-            <a:avLst/>
-          </a:prstGeom>
-          <a:noFill/>
-        </p:spPr>
-        <p:txBody>
-          <a:bodyPr wrap="square" rtlCol="0">
-            <a:spAutoFit/>
-          </a:bodyPr>
-          <a:lstStyle/>
-          <a:p>
-            <a:pPr marL="285750" indent="-285750">
-              <a:buFont typeface="Arial" panose="020B0604020202020204" pitchFamily="34" charset="0"/>
-              <a:buChar char="•"/>
-            </a:pPr>
-            <a:r>
-              <a:rPr lang="de-DE" sz="2000" dirty="0"/>
-              <a:t>Generieren drei zufälliger Phasenverschiebungen von 0 bis 2π</a:t>
-            </a:r>
-          </a:p>
-          <a:p>
-            <a:pPr marL="285750" indent="-285750">
-              <a:buFont typeface="Arial" panose="020B0604020202020204" pitchFamily="34" charset="0"/>
-              <a:buChar char="•"/>
-            </a:pPr>
-            <a:r>
-              <a:rPr lang="de-DE" sz="2000" dirty="0"/>
-              <a:t>Addition der Phasenverschiebung zu Zeit</a:t>
-            </a:r>
-          </a:p>
-          <a:p>
-            <a:pPr marL="285750" indent="-285750">
-              <a:buFont typeface="Arial" panose="020B0604020202020204" pitchFamily="34" charset="0"/>
-              <a:buChar char="•"/>
-            </a:pPr>
-            <a:r>
-              <a:rPr lang="de-DE" sz="2000" dirty="0"/>
-              <a:t>Linksverschiebung der Sinuswelle</a:t>
-            </a:r>
-          </a:p>
-          <a:p>
-            <a:pPr marL="285750" indent="-285750">
-              <a:buFont typeface="Arial" panose="020B0604020202020204" pitchFamily="34" charset="0"/>
-              <a:buChar char="•"/>
-            </a:pPr>
-            <a:endParaRPr lang="en-US" sz="2000" dirty="0"/>
-          </a:p>
-        </p:txBody>
-      </p:sp>
-      <mc:AlternateContent xmlns:mc="http://schemas.openxmlformats.org/markup-compatibility/2006">
-        <mc:Choice xmlns:a14="http://schemas.microsoft.com/office/drawing/2010/main" Requires="a14">
-          <p:sp>
-            <p:nvSpPr>
-              <p:cNvPr id="4" name="Textfeld 3">
-                <a:extLst>
-                  <a:ext uri="{FF2B5EF4-FFF2-40B4-BE49-F238E27FC236}">
-                    <a16:creationId xmlns:a16="http://schemas.microsoft.com/office/drawing/2014/main" id="{98572317-6841-2F6C-5D13-5E1642D40B57}"/>
-                  </a:ext>
-                </a:extLst>
-              </p:cNvPr>
-              <p:cNvSpPr txBox="1"/>
-              <p:nvPr/>
-            </p:nvSpPr>
-            <p:spPr>
-              <a:xfrm>
-                <a:off x="155448" y="5135018"/>
-                <a:ext cx="4901184" cy="716735"/>
-              </a:xfrm>
-              <a:prstGeom prst="rect">
-                <a:avLst/>
-              </a:prstGeom>
-              <a:noFill/>
-            </p:spPr>
-            <p:txBody>
-              <a:bodyPr wrap="square" rtlCol="0">
-                <a:spAutoFit/>
-              </a:bodyPr>
-              <a:lstStyle/>
-              <a:p>
-                <a:pPr/>
-                <a14:m>
-                  <m:oMathPara xmlns:m="http://schemas.openxmlformats.org/officeDocument/2006/math">
-                    <m:oMathParaPr>
-                      <m:jc m:val="centerGroup"/>
-                    </m:oMathParaPr>
-                    <m:oMath xmlns:m="http://schemas.openxmlformats.org/officeDocument/2006/math">
-                      <m:r>
-                        <a:rPr lang="de-DE" sz="2000" i="1" kern="100" smtClean="0">
-                          <a:effectLst/>
-                          <a:latin typeface="Cambria Math" panose="02040503050406030204" pitchFamily="18" charset="0"/>
-                          <a:ea typeface="Times New Roman" panose="02020603050405020304" pitchFamily="18" charset="0"/>
-                          <a:cs typeface="Times New Roman" panose="02020603050405020304" pitchFamily="18" charset="0"/>
-                        </a:rPr>
-                        <m:t>𝑦</m:t>
-                      </m:r>
-                      <m:d>
-                        <m:dPr>
-                          <m:ctrlPr>
-                            <a:rPr lang="en-US" sz="2000" i="1" kern="100">
-                              <a:effectLst/>
-                              <a:latin typeface="Cambria Math" panose="02040503050406030204" pitchFamily="18" charset="0"/>
-                              <a:ea typeface="Times New Roman" panose="02020603050405020304" pitchFamily="18" charset="0"/>
-                              <a:cs typeface="Times New Roman" panose="02020603050405020304" pitchFamily="18" charset="0"/>
-                            </a:rPr>
-                          </m:ctrlPr>
-                        </m:dPr>
-                        <m:e>
-                          <m:r>
-                            <a:rPr lang="de-DE" sz="2000" i="1" kern="100">
-                              <a:effectLst/>
-                              <a:latin typeface="Cambria Math" panose="02040503050406030204" pitchFamily="18" charset="0"/>
-                              <a:ea typeface="Times New Roman" panose="02020603050405020304" pitchFamily="18" charset="0"/>
-                              <a:cs typeface="Times New Roman" panose="02020603050405020304" pitchFamily="18" charset="0"/>
-                            </a:rPr>
-                            <m:t>𝑡</m:t>
-                          </m:r>
-                        </m:e>
-                      </m:d>
-                      <m:r>
-                        <a:rPr lang="de-DE" sz="2000" i="1" kern="100">
-                          <a:effectLst/>
-                          <a:latin typeface="Cambria Math" panose="02040503050406030204" pitchFamily="18" charset="0"/>
-                          <a:ea typeface="Times New Roman" panose="02020603050405020304" pitchFamily="18" charset="0"/>
-                          <a:cs typeface="Times New Roman" panose="02020603050405020304" pitchFamily="18" charset="0"/>
-                        </a:rPr>
-                        <m:t>=</m:t>
-                      </m:r>
-                      <m:r>
-                        <a:rPr lang="de-DE" sz="2000" i="1" kern="100">
-                          <a:effectLst/>
-                          <a:latin typeface="Cambria Math" panose="02040503050406030204" pitchFamily="18" charset="0"/>
-                          <a:ea typeface="Times New Roman" panose="02020603050405020304" pitchFamily="18" charset="0"/>
-                          <a:cs typeface="Times New Roman" panose="02020603050405020304" pitchFamily="18" charset="0"/>
-                        </a:rPr>
-                        <m:t>𝑎</m:t>
-                      </m:r>
-                      <m:r>
-                        <a:rPr lang="de-DE" sz="2000" i="1" kern="100">
-                          <a:effectLst/>
-                          <a:latin typeface="Cambria Math" panose="02040503050406030204" pitchFamily="18" charset="0"/>
-                          <a:ea typeface="Times New Roman" panose="02020603050405020304" pitchFamily="18" charset="0"/>
-                          <a:cs typeface="Times New Roman" panose="02020603050405020304" pitchFamily="18" charset="0"/>
-                        </a:rPr>
-                        <m:t>∗</m:t>
-                      </m:r>
-                      <m:func>
-                        <m:funcPr>
-                          <m:ctrlPr>
-                            <a:rPr lang="en-US" sz="2000" i="1" kern="100">
-                              <a:effectLst/>
-                              <a:latin typeface="Cambria Math" panose="02040503050406030204" pitchFamily="18" charset="0"/>
-                              <a:ea typeface="Times New Roman" panose="02020603050405020304" pitchFamily="18" charset="0"/>
-                              <a:cs typeface="Times New Roman" panose="02020603050405020304" pitchFamily="18" charset="0"/>
-                            </a:rPr>
-                          </m:ctrlPr>
-                        </m:funcPr>
-                        <m:fName>
-                          <m:r>
-                            <m:rPr>
-                              <m:sty m:val="p"/>
-                            </m:rPr>
-                            <a:rPr lang="de-DE" sz="2000" kern="100">
-                              <a:effectLst/>
-                              <a:latin typeface="Cambria Math" panose="02040503050406030204" pitchFamily="18" charset="0"/>
-                              <a:ea typeface="Times New Roman" panose="02020603050405020304" pitchFamily="18" charset="0"/>
-                              <a:cs typeface="Times New Roman" panose="02020603050405020304" pitchFamily="18" charset="0"/>
-                            </a:rPr>
-                            <m:t>sin</m:t>
-                          </m:r>
-                        </m:fName>
-                        <m:e>
-                          <m:d>
-                            <m:dPr>
-                              <m:ctrlPr>
-                                <a:rPr lang="en-US" sz="2000" i="1" kern="100">
-                                  <a:effectLst/>
-                                  <a:latin typeface="Cambria Math" panose="02040503050406030204" pitchFamily="18" charset="0"/>
-                                  <a:ea typeface="Times New Roman" panose="02020603050405020304" pitchFamily="18" charset="0"/>
-                                  <a:cs typeface="Times New Roman" panose="02020603050405020304" pitchFamily="18" charset="0"/>
-                                </a:rPr>
-                              </m:ctrlPr>
-                            </m:dPr>
-                            <m:e>
-                              <m:r>
-                                <a:rPr lang="de-DE" sz="2000" i="1" kern="100">
-                                  <a:effectLst/>
-                                  <a:latin typeface="Cambria Math" panose="02040503050406030204" pitchFamily="18" charset="0"/>
-                                  <a:ea typeface="Times New Roman" panose="02020603050405020304" pitchFamily="18" charset="0"/>
-                                  <a:cs typeface="Times New Roman" panose="02020603050405020304" pitchFamily="18" charset="0"/>
-                                </a:rPr>
-                                <m:t>2∗</m:t>
-                              </m:r>
-                              <m:r>
-                                <a:rPr lang="de-DE" sz="2000" i="1" kern="100">
-                                  <a:effectLst/>
-                                  <a:latin typeface="Cambria Math" panose="02040503050406030204" pitchFamily="18" charset="0"/>
-                                  <a:ea typeface="Times New Roman" panose="02020603050405020304" pitchFamily="18" charset="0"/>
-                                  <a:cs typeface="Times New Roman" panose="02020603050405020304" pitchFamily="18" charset="0"/>
-                                </a:rPr>
-                                <m:t>𝜋</m:t>
-                              </m:r>
-                              <m:r>
-                                <a:rPr lang="de-DE" sz="2000" i="1" kern="100">
-                                  <a:effectLst/>
-                                  <a:latin typeface="Cambria Math" panose="02040503050406030204" pitchFamily="18" charset="0"/>
-                                  <a:ea typeface="Times New Roman" panose="02020603050405020304" pitchFamily="18" charset="0"/>
-                                  <a:cs typeface="Times New Roman" panose="02020603050405020304" pitchFamily="18" charset="0"/>
-                                </a:rPr>
-                                <m:t>∗</m:t>
-                              </m:r>
-                              <m:r>
-                                <a:rPr lang="de-DE" sz="2000" i="1" kern="100">
-                                  <a:effectLst/>
-                                  <a:latin typeface="Cambria Math" panose="02040503050406030204" pitchFamily="18" charset="0"/>
-                                  <a:ea typeface="Times New Roman" panose="02020603050405020304" pitchFamily="18" charset="0"/>
-                                  <a:cs typeface="Times New Roman" panose="02020603050405020304" pitchFamily="18" charset="0"/>
-                                </a:rPr>
-                                <m:t>𝑘</m:t>
-                              </m:r>
-                              <m:r>
-                                <a:rPr lang="de-DE" sz="2000" i="1" kern="100">
-                                  <a:effectLst/>
-                                  <a:latin typeface="Cambria Math" panose="02040503050406030204" pitchFamily="18" charset="0"/>
-                                  <a:ea typeface="Times New Roman" panose="02020603050405020304" pitchFamily="18" charset="0"/>
-                                  <a:cs typeface="Times New Roman" panose="02020603050405020304" pitchFamily="18" charset="0"/>
-                                </a:rPr>
-                                <m:t>∗</m:t>
-                              </m:r>
-                              <m:sSub>
-                                <m:sSubPr>
-                                  <m:ctrlPr>
-                                    <a:rPr lang="en-US" sz="2000" i="1" kern="100">
-                                      <a:effectLst/>
-                                      <a:latin typeface="Cambria Math" panose="02040503050406030204" pitchFamily="18" charset="0"/>
-                                      <a:ea typeface="Times New Roman" panose="02020603050405020304" pitchFamily="18" charset="0"/>
-                                      <a:cs typeface="Times New Roman" panose="02020603050405020304" pitchFamily="18" charset="0"/>
-                                    </a:rPr>
-                                  </m:ctrlPr>
-                                </m:sSubPr>
-                                <m:e>
-                                  <m:r>
-                                    <a:rPr lang="de-DE" sz="2000" i="1" kern="100">
-                                      <a:effectLst/>
-                                      <a:latin typeface="Cambria Math" panose="02040503050406030204" pitchFamily="18" charset="0"/>
-                                      <a:ea typeface="Times New Roman" panose="02020603050405020304" pitchFamily="18" charset="0"/>
-                                      <a:cs typeface="Times New Roman" panose="02020603050405020304" pitchFamily="18" charset="0"/>
-                                    </a:rPr>
-                                    <m:t>𝑓</m:t>
-                                  </m:r>
-                                </m:e>
-                                <m:sub>
-                                  <m:r>
-                                    <a:rPr lang="de-DE" sz="2000" i="1" kern="100">
-                                      <a:effectLst/>
-                                      <a:latin typeface="Cambria Math" panose="02040503050406030204" pitchFamily="18" charset="0"/>
-                                      <a:ea typeface="Times New Roman" panose="02020603050405020304" pitchFamily="18" charset="0"/>
-                                      <a:cs typeface="Times New Roman" panose="02020603050405020304" pitchFamily="18" charset="0"/>
-                                    </a:rPr>
-                                    <m:t>0</m:t>
-                                  </m:r>
-                                </m:sub>
-                              </m:sSub>
-                              <m:d>
-                                <m:dPr>
-                                  <m:ctrlPr>
-                                    <a:rPr lang="en-US" sz="2000" i="1" kern="100">
-                                      <a:effectLst/>
-                                      <a:latin typeface="Cambria Math" panose="02040503050406030204" pitchFamily="18" charset="0"/>
-                                      <a:ea typeface="Times New Roman" panose="02020603050405020304" pitchFamily="18" charset="0"/>
-                                      <a:cs typeface="Times New Roman" panose="02020603050405020304" pitchFamily="18" charset="0"/>
-                                    </a:rPr>
-                                  </m:ctrlPr>
-                                </m:dPr>
-                                <m:e>
-                                  <m:r>
-                                    <a:rPr lang="de-DE" sz="2000" i="1" kern="100">
-                                      <a:effectLst/>
-                                      <a:latin typeface="Cambria Math" panose="02040503050406030204" pitchFamily="18" charset="0"/>
-                                      <a:ea typeface="Times New Roman" panose="02020603050405020304" pitchFamily="18" charset="0"/>
-                                      <a:cs typeface="Times New Roman" panose="02020603050405020304" pitchFamily="18" charset="0"/>
-                                    </a:rPr>
-                                    <m:t>𝑡</m:t>
-                                  </m:r>
-                                  <m:r>
-                                    <a:rPr lang="de-DE" sz="2000" i="1" kern="100">
-                                      <a:effectLst/>
-                                      <a:latin typeface="Cambria Math" panose="02040503050406030204" pitchFamily="18" charset="0"/>
-                                      <a:ea typeface="Times New Roman" panose="02020603050405020304" pitchFamily="18" charset="0"/>
-                                      <a:cs typeface="Times New Roman" panose="02020603050405020304" pitchFamily="18" charset="0"/>
-                                    </a:rPr>
-                                    <m:t>+∅</m:t>
-                                  </m:r>
-                                </m:e>
-                              </m:d>
-                            </m:e>
-                          </m:d>
-                        </m:e>
-                      </m:func>
-                    </m:oMath>
-                  </m:oMathPara>
-                </a14:m>
-                <a:endParaRPr lang="en-US" sz="1800" kern="100" dirty="0">
-                  <a:effectLst/>
-                  <a:latin typeface="Aptos" panose="020B0004020202020204" pitchFamily="34" charset="0"/>
-                  <a:ea typeface="Aptos" panose="020B0004020202020204" pitchFamily="34" charset="0"/>
-                  <a:cs typeface="Times New Roman" panose="02020603050405020304" pitchFamily="18" charset="0"/>
-                </a:endParaRPr>
-              </a:p>
-              <a:p>
-                <a:endParaRPr lang="en-US" dirty="0"/>
-              </a:p>
-            </p:txBody>
-          </p:sp>
-        </mc:Choice>
-        <mc:Fallback>
-          <p:sp>
-            <p:nvSpPr>
-              <p:cNvPr id="4" name="Textfeld 3">
-                <a:extLst>
-                  <a:ext uri="{FF2B5EF4-FFF2-40B4-BE49-F238E27FC236}">
-                    <a16:creationId xmlns:a16="http://schemas.microsoft.com/office/drawing/2014/main" id="{98572317-6841-2F6C-5D13-5E1642D40B57}"/>
-                  </a:ext>
-                </a:extLst>
-              </p:cNvPr>
-              <p:cNvSpPr txBox="1">
-                <a:spLocks noRot="1" noChangeAspect="1" noMove="1" noResize="1" noEditPoints="1" noAdjustHandles="1" noChangeArrowheads="1" noChangeShapeType="1" noTextEdit="1"/>
-              </p:cNvSpPr>
-              <p:nvPr/>
-            </p:nvSpPr>
-            <p:spPr>
-              <a:xfrm>
-                <a:off x="155448" y="5135018"/>
-                <a:ext cx="4901184" cy="716735"/>
-              </a:xfrm>
-              <a:prstGeom prst="rect">
-                <a:avLst/>
-              </a:prstGeom>
-              <a:blipFill>
-                <a:blip r:embed="rId3"/>
-                <a:stretch>
-                  <a:fillRect/>
-                </a:stretch>
-              </a:blipFill>
-            </p:spPr>
-            <p:txBody>
-              <a:bodyPr/>
-              <a:lstStyle/>
-              <a:p>
-                <a:r>
-                  <a:rPr lang="en-US">
-                    <a:noFill/>
-                  </a:rPr>
-                  <a:t> </a:t>
-                </a:r>
-              </a:p>
-            </p:txBody>
-          </p:sp>
-        </mc:Fallback>
-      </mc:AlternateContent>
     </p:spTree>
     <p:extLst>
       <p:ext uri="{BB962C8B-B14F-4D97-AF65-F5344CB8AC3E}">
@@ -26316,25 +25237,6 @@
 </file>
 
 <file path=customXml/item1.xml><?xml version="1.0" encoding="utf-8"?>
-<p:properties xmlns:p="http://schemas.microsoft.com/office/2006/metadata/properties" xmlns:xsi="http://www.w3.org/2001/XMLSchema-instance" xmlns:pc="http://schemas.microsoft.com/office/infopath/2007/PartnerControls">
-  <documentManagement>
-    <_ip_UnifiedCompliancePolicyUIAction xmlns="http://schemas.microsoft.com/sharepoint/v3" xsi:nil="true"/>
-    <Image xmlns="71af3243-3dd4-4a8d-8c0d-dd76da1f02a5">
-      <Url xsi:nil="true"/>
-      <Description xsi:nil="true"/>
-    </Image>
-    <Status xmlns="71af3243-3dd4-4a8d-8c0d-dd76da1f02a5">Not started</Status>
-    <_ip_UnifiedCompliancePolicyProperties xmlns="http://schemas.microsoft.com/sharepoint/v3" xsi:nil="true"/>
-    <ImageTagsTaxHTField xmlns="71af3243-3dd4-4a8d-8c0d-dd76da1f02a5">
-      <Terms xmlns="http://schemas.microsoft.com/office/infopath/2007/PartnerControls"/>
-    </ImageTagsTaxHTField>
-    <TaxCatchAll xmlns="230e9df3-be65-4c73-a93b-d1236ebd677e"/>
-    <MediaServiceKeyPoints xmlns="71af3243-3dd4-4a8d-8c0d-dd76da1f02a5" xsi:nil="true"/>
-  </documentManagement>
-</p:properties>
-</file>
-
-<file path=customXml/item2.xml><?xml version="1.0" encoding="utf-8"?>
 <ct:contentTypeSchema xmlns:ct="http://schemas.microsoft.com/office/2006/metadata/contentType" xmlns:ma="http://schemas.microsoft.com/office/2006/metadata/properties/metaAttributes" ct:_="" ma:_="" ma:contentTypeName="Document" ma:contentTypeID="0x01010079F111ED35F8CC479449609E8A0923A6" ma:contentTypeVersion="20" ma:contentTypeDescription="Create a new document." ma:contentTypeScope="" ma:versionID="1267097ee5f5874adfcc408041ae252e">
   <xsd:schema xmlns:xsd="http://www.w3.org/2001/XMLSchema" xmlns:xs="http://www.w3.org/2001/XMLSchema" xmlns:p="http://schemas.microsoft.com/office/2006/metadata/properties" xmlns:ns1="http://schemas.microsoft.com/sharepoint/v3" xmlns:ns2="71af3243-3dd4-4a8d-8c0d-dd76da1f02a5" xmlns:ns3="16c05727-aa75-4e4a-9b5f-8a80a1165891" xmlns:ns4="230e9df3-be65-4c73-a93b-d1236ebd677e" targetNamespace="http://schemas.microsoft.com/office/2006/metadata/properties" ma:root="true" ma:fieldsID="395891a93df65b14727750f2c06c306c" ns1:_="" ns2:_="" ns3:_="" ns4:_="">
     <xsd:import namespace="http://schemas.microsoft.com/sharepoint/v3"/>
@@ -26610,7 +25512,7 @@
 </ct:contentTypeSchema>
 </file>
 
-<file path=customXml/item3.xml><?xml version="1.0" encoding="utf-8"?>
+<file path=customXml/item2.xml><?xml version="1.0" encoding="utf-8"?>
 <?mso-contentType ?>
 <FormTemplates xmlns="http://schemas.microsoft.com/sharepoint/v3/contenttype/forms">
   <Display>DocumentLibraryForm</Display>
@@ -26619,19 +25521,26 @@
 </FormTemplates>
 </file>
 
-<file path=customXml/itemProps1.xml><?xml version="1.0" encoding="utf-8"?>
-<ds:datastoreItem xmlns:ds="http://schemas.openxmlformats.org/officeDocument/2006/customXml" ds:itemID="{7F97B18F-50BC-4F30-8373-93489E845F83}">
-  <ds:schemaRefs>
-    <ds:schemaRef ds:uri="http://schemas.microsoft.com/office/2006/metadata/properties"/>
-    <ds:schemaRef ds:uri="http://schemas.microsoft.com/office/infopath/2007/PartnerControls"/>
-    <ds:schemaRef ds:uri="http://schemas.microsoft.com/sharepoint/v3"/>
-    <ds:schemaRef ds:uri="71af3243-3dd4-4a8d-8c0d-dd76da1f02a5"/>
-    <ds:schemaRef ds:uri="230e9df3-be65-4c73-a93b-d1236ebd677e"/>
-  </ds:schemaRefs>
-</ds:datastoreItem>
+<file path=customXml/item3.xml><?xml version="1.0" encoding="utf-8"?>
+<p:properties xmlns:p="http://schemas.microsoft.com/office/2006/metadata/properties" xmlns:xsi="http://www.w3.org/2001/XMLSchema-instance" xmlns:pc="http://schemas.microsoft.com/office/infopath/2007/PartnerControls">
+  <documentManagement>
+    <_ip_UnifiedCompliancePolicyUIAction xmlns="http://schemas.microsoft.com/sharepoint/v3" xsi:nil="true"/>
+    <Image xmlns="71af3243-3dd4-4a8d-8c0d-dd76da1f02a5">
+      <Url xsi:nil="true"/>
+      <Description xsi:nil="true"/>
+    </Image>
+    <Status xmlns="71af3243-3dd4-4a8d-8c0d-dd76da1f02a5">Not started</Status>
+    <_ip_UnifiedCompliancePolicyProperties xmlns="http://schemas.microsoft.com/sharepoint/v3" xsi:nil="true"/>
+    <ImageTagsTaxHTField xmlns="71af3243-3dd4-4a8d-8c0d-dd76da1f02a5">
+      <Terms xmlns="http://schemas.microsoft.com/office/infopath/2007/PartnerControls"/>
+    </ImageTagsTaxHTField>
+    <TaxCatchAll xmlns="230e9df3-be65-4c73-a93b-d1236ebd677e"/>
+    <MediaServiceKeyPoints xmlns="71af3243-3dd4-4a8d-8c0d-dd76da1f02a5" xsi:nil="true"/>
+  </documentManagement>
+</p:properties>
 </file>
 
-<file path=customXml/itemProps2.xml><?xml version="1.0" encoding="utf-8"?>
+<file path=customXml/itemProps1.xml><?xml version="1.0" encoding="utf-8"?>
 <ds:datastoreItem xmlns:ds="http://schemas.openxmlformats.org/officeDocument/2006/customXml" ds:itemID="{64CF2EF3-001F-4BE9-81B3-86ECBBF9425F}">
   <ds:schemaRefs>
     <ds:schemaRef ds:uri="http://schemas.microsoft.com/office/2006/metadata/contentType"/>
@@ -26652,10 +25561,22 @@
 </ds:datastoreItem>
 </file>
 
-<file path=customXml/itemProps3.xml><?xml version="1.0" encoding="utf-8"?>
+<file path=customXml/itemProps2.xml><?xml version="1.0" encoding="utf-8"?>
 <ds:datastoreItem xmlns:ds="http://schemas.openxmlformats.org/officeDocument/2006/customXml" ds:itemID="{42BC90D6-94CF-42F7-AAC4-9CF6824C54D5}">
   <ds:schemaRefs>
     <ds:schemaRef ds:uri="http://schemas.microsoft.com/sharepoint/v3/contenttype/forms"/>
+  </ds:schemaRefs>
+</ds:datastoreItem>
+</file>
+
+<file path=customXml/itemProps3.xml><?xml version="1.0" encoding="utf-8"?>
+<ds:datastoreItem xmlns:ds="http://schemas.openxmlformats.org/officeDocument/2006/customXml" ds:itemID="{7F97B18F-50BC-4F30-8373-93489E845F83}">
+  <ds:schemaRefs>
+    <ds:schemaRef ds:uri="http://schemas.microsoft.com/office/2006/metadata/properties"/>
+    <ds:schemaRef ds:uri="http://schemas.microsoft.com/office/infopath/2007/PartnerControls"/>
+    <ds:schemaRef ds:uri="http://schemas.microsoft.com/sharepoint/v3"/>
+    <ds:schemaRef ds:uri="71af3243-3dd4-4a8d-8c0d-dd76da1f02a5"/>
+    <ds:schemaRef ds:uri="230e9df3-be65-4c73-a93b-d1236ebd677e"/>
   </ds:schemaRefs>
 </ds:datastoreItem>
 </file>
